--- a/seproject42.pptx
+++ b/seproject42.pptx
@@ -4,6 +4,9 @@
   <p:sldMasterIdLst>
     <p:sldMasterId id="2147483648" r:id="rId1"/>
   </p:sldMasterIdLst>
+  <p:notesMasterIdLst>
+    <p:notesMasterId r:id="rId5"/>
+  </p:notesMasterIdLst>
   <p:sldIdLst>
     <p:sldId id="256" r:id="rId2"/>
     <p:sldId id="257" r:id="rId3"/>
@@ -107,6 +110,356 @@
     </a:lvl9pPr>
   </p:defaultTextStyle>
 </p:presentation>
+</file>
+
+<file path=ppt/notesMasters/notesMaster1.xml><?xml version="1.0" encoding="utf-8"?>
+<p:notesMaster xmlns:a="http://schemas.openxmlformats.org/drawingml/2006/main" xmlns:r="http://schemas.openxmlformats.org/officeDocument/2006/relationships" xmlns:p="http://schemas.openxmlformats.org/presentationml/2006/main">
+  <p:cSld>
+    <p:bg>
+      <p:bgRef idx="1001">
+        <a:schemeClr val="bg1"/>
+      </p:bgRef>
+    </p:bg>
+    <p:spTree>
+      <p:nvGrpSpPr>
+        <p:cNvPr id="1" name=""/>
+        <p:cNvGrpSpPr/>
+        <p:nvPr/>
+      </p:nvGrpSpPr>
+      <p:grpSpPr>
+        <a:xfrm>
+          <a:off x="0" y="0"/>
+          <a:ext cx="0" cy="0"/>
+          <a:chOff x="0" y="0"/>
+          <a:chExt cx="0" cy="0"/>
+        </a:xfrm>
+      </p:grpSpPr>
+      <p:sp>
+        <p:nvSpPr>
+          <p:cNvPr id="2" name="Kopfzeilenplatzhalter 1"/>
+          <p:cNvSpPr>
+            <a:spLocks noGrp="1"/>
+          </p:cNvSpPr>
+          <p:nvPr>
+            <p:ph type="hdr" sz="quarter"/>
+          </p:nvPr>
+        </p:nvSpPr>
+        <p:spPr>
+          <a:xfrm>
+            <a:off x="0" y="0"/>
+            <a:ext cx="2971800" cy="457200"/>
+          </a:xfrm>
+          <a:prstGeom prst="rect">
+            <a:avLst/>
+          </a:prstGeom>
+        </p:spPr>
+        <p:txBody>
+          <a:bodyPr vert="horz" lIns="91440" tIns="45720" rIns="91440" bIns="45720" rtlCol="0"/>
+          <a:lstStyle>
+            <a:lvl1pPr algn="l">
+              <a:defRPr sz="1200"/>
+            </a:lvl1pPr>
+          </a:lstStyle>
+          <a:p>
+            <a:endParaRPr lang="de-DE"/>
+          </a:p>
+        </p:txBody>
+      </p:sp>
+      <p:sp>
+        <p:nvSpPr>
+          <p:cNvPr id="3" name="Datumsplatzhalter 2"/>
+          <p:cNvSpPr>
+            <a:spLocks noGrp="1"/>
+          </p:cNvSpPr>
+          <p:nvPr>
+            <p:ph type="dt" idx="1"/>
+          </p:nvPr>
+        </p:nvSpPr>
+        <p:spPr>
+          <a:xfrm>
+            <a:off x="3884613" y="0"/>
+            <a:ext cx="2971800" cy="457200"/>
+          </a:xfrm>
+          <a:prstGeom prst="rect">
+            <a:avLst/>
+          </a:prstGeom>
+        </p:spPr>
+        <p:txBody>
+          <a:bodyPr vert="horz" lIns="91440" tIns="45720" rIns="91440" bIns="45720" rtlCol="0"/>
+          <a:lstStyle>
+            <a:lvl1pPr algn="r">
+              <a:defRPr sz="1200"/>
+            </a:lvl1pPr>
+          </a:lstStyle>
+          <a:p>
+            <a:fld id="{2A001671-BA1F-4E1E-89EA-F12675486C4E}" type="datetimeFigureOut">
+              <a:rPr lang="de-DE" smtClean="0"/>
+              <a:t>11.01.2013</a:t>
+            </a:fld>
+            <a:endParaRPr lang="de-DE"/>
+          </a:p>
+        </p:txBody>
+      </p:sp>
+      <p:sp>
+        <p:nvSpPr>
+          <p:cNvPr id="4" name="Folienbildplatzhalter 3"/>
+          <p:cNvSpPr>
+            <a:spLocks noGrp="1" noRot="1" noChangeAspect="1"/>
+          </p:cNvSpPr>
+          <p:nvPr>
+            <p:ph type="sldImg" idx="2"/>
+          </p:nvPr>
+        </p:nvSpPr>
+        <p:spPr>
+          <a:xfrm>
+            <a:off x="1143000" y="685800"/>
+            <a:ext cx="4572000" cy="3429000"/>
+          </a:xfrm>
+          <a:prstGeom prst="rect">
+            <a:avLst/>
+          </a:prstGeom>
+          <a:noFill/>
+          <a:ln w="12700">
+            <a:solidFill>
+              <a:prstClr val="black"/>
+            </a:solidFill>
+          </a:ln>
+        </p:spPr>
+        <p:txBody>
+          <a:bodyPr vert="horz" lIns="91440" tIns="45720" rIns="91440" bIns="45720" rtlCol="0" anchor="ctr"/>
+          <a:lstStyle/>
+          <a:p>
+            <a:endParaRPr lang="de-DE"/>
+          </a:p>
+        </p:txBody>
+      </p:sp>
+      <p:sp>
+        <p:nvSpPr>
+          <p:cNvPr id="5" name="Notizenplatzhalter 4"/>
+          <p:cNvSpPr>
+            <a:spLocks noGrp="1"/>
+          </p:cNvSpPr>
+          <p:nvPr>
+            <p:ph type="body" sz="quarter" idx="3"/>
+          </p:nvPr>
+        </p:nvSpPr>
+        <p:spPr>
+          <a:xfrm>
+            <a:off x="685800" y="4343400"/>
+            <a:ext cx="5486400" cy="4114800"/>
+          </a:xfrm>
+          <a:prstGeom prst="rect">
+            <a:avLst/>
+          </a:prstGeom>
+        </p:spPr>
+        <p:txBody>
+          <a:bodyPr vert="horz" lIns="91440" tIns="45720" rIns="91440" bIns="45720" rtlCol="0"/>
+          <a:lstStyle/>
+          <a:p>
+            <a:pPr lvl="0"/>
+            <a:r>
+              <a:rPr lang="de-DE" smtClean="0"/>
+              <a:t>Textmasterformat bearbeiten</a:t>
+            </a:r>
+          </a:p>
+          <a:p>
+            <a:pPr lvl="1"/>
+            <a:r>
+              <a:rPr lang="de-DE" smtClean="0"/>
+              <a:t>Zweite Ebene</a:t>
+            </a:r>
+          </a:p>
+          <a:p>
+            <a:pPr lvl="2"/>
+            <a:r>
+              <a:rPr lang="de-DE" smtClean="0"/>
+              <a:t>Dritte Ebene</a:t>
+            </a:r>
+          </a:p>
+          <a:p>
+            <a:pPr lvl="3"/>
+            <a:r>
+              <a:rPr lang="de-DE" smtClean="0"/>
+              <a:t>Vierte Ebene</a:t>
+            </a:r>
+          </a:p>
+          <a:p>
+            <a:pPr lvl="4"/>
+            <a:r>
+              <a:rPr lang="de-DE" smtClean="0"/>
+              <a:t>Fünfte Ebene</a:t>
+            </a:r>
+            <a:endParaRPr lang="de-DE"/>
+          </a:p>
+        </p:txBody>
+      </p:sp>
+      <p:sp>
+        <p:nvSpPr>
+          <p:cNvPr id="6" name="Fußzeilenplatzhalter 5"/>
+          <p:cNvSpPr>
+            <a:spLocks noGrp="1"/>
+          </p:cNvSpPr>
+          <p:nvPr>
+            <p:ph type="ftr" sz="quarter" idx="4"/>
+          </p:nvPr>
+        </p:nvSpPr>
+        <p:spPr>
+          <a:xfrm>
+            <a:off x="0" y="8685213"/>
+            <a:ext cx="2971800" cy="457200"/>
+          </a:xfrm>
+          <a:prstGeom prst="rect">
+            <a:avLst/>
+          </a:prstGeom>
+        </p:spPr>
+        <p:txBody>
+          <a:bodyPr vert="horz" lIns="91440" tIns="45720" rIns="91440" bIns="45720" rtlCol="0" anchor="b"/>
+          <a:lstStyle>
+            <a:lvl1pPr algn="l">
+              <a:defRPr sz="1200"/>
+            </a:lvl1pPr>
+          </a:lstStyle>
+          <a:p>
+            <a:endParaRPr lang="de-DE"/>
+          </a:p>
+        </p:txBody>
+      </p:sp>
+      <p:sp>
+        <p:nvSpPr>
+          <p:cNvPr id="7" name="Foliennummernplatzhalter 6"/>
+          <p:cNvSpPr>
+            <a:spLocks noGrp="1"/>
+          </p:cNvSpPr>
+          <p:nvPr>
+            <p:ph type="sldNum" sz="quarter" idx="5"/>
+          </p:nvPr>
+        </p:nvSpPr>
+        <p:spPr>
+          <a:xfrm>
+            <a:off x="3884613" y="8685213"/>
+            <a:ext cx="2971800" cy="457200"/>
+          </a:xfrm>
+          <a:prstGeom prst="rect">
+            <a:avLst/>
+          </a:prstGeom>
+        </p:spPr>
+        <p:txBody>
+          <a:bodyPr vert="horz" lIns="91440" tIns="45720" rIns="91440" bIns="45720" rtlCol="0" anchor="b"/>
+          <a:lstStyle>
+            <a:lvl1pPr algn="r">
+              <a:defRPr sz="1200"/>
+            </a:lvl1pPr>
+          </a:lstStyle>
+          <a:p>
+            <a:fld id="{1C28A30A-1E0A-462E-816C-2AF5CA524041}" type="slidenum">
+              <a:rPr lang="de-DE" smtClean="0"/>
+              <a:t>‹Nr.›</a:t>
+            </a:fld>
+            <a:endParaRPr lang="de-DE"/>
+          </a:p>
+        </p:txBody>
+      </p:sp>
+    </p:spTree>
+    <p:extLst>
+      <p:ext uri="{BB962C8B-B14F-4D97-AF65-F5344CB8AC3E}">
+        <p14:creationId xmlns:p14="http://schemas.microsoft.com/office/powerpoint/2010/main" val="3898735731"/>
+      </p:ext>
+    </p:extLst>
+  </p:cSld>
+  <p:clrMap bg1="lt1" tx1="dk1" bg2="lt2" tx2="dk2" accent1="accent1" accent2="accent2" accent3="accent3" accent4="accent4" accent5="accent5" accent6="accent6" hlink="hlink" folHlink="folHlink"/>
+  <p:notesStyle>
+    <a:lvl1pPr marL="0" algn="l" defTabSz="914400" rtl="0" eaLnBrk="1" latinLnBrk="0" hangingPunct="1">
+      <a:defRPr sz="1200" kern="1200">
+        <a:solidFill>
+          <a:schemeClr val="tx1"/>
+        </a:solidFill>
+        <a:latin typeface="+mn-lt"/>
+        <a:ea typeface="+mn-ea"/>
+        <a:cs typeface="+mn-cs"/>
+      </a:defRPr>
+    </a:lvl1pPr>
+    <a:lvl2pPr marL="457200" algn="l" defTabSz="914400" rtl="0" eaLnBrk="1" latinLnBrk="0" hangingPunct="1">
+      <a:defRPr sz="1200" kern="1200">
+        <a:solidFill>
+          <a:schemeClr val="tx1"/>
+        </a:solidFill>
+        <a:latin typeface="+mn-lt"/>
+        <a:ea typeface="+mn-ea"/>
+        <a:cs typeface="+mn-cs"/>
+      </a:defRPr>
+    </a:lvl2pPr>
+    <a:lvl3pPr marL="914400" algn="l" defTabSz="914400" rtl="0" eaLnBrk="1" latinLnBrk="0" hangingPunct="1">
+      <a:defRPr sz="1200" kern="1200">
+        <a:solidFill>
+          <a:schemeClr val="tx1"/>
+        </a:solidFill>
+        <a:latin typeface="+mn-lt"/>
+        <a:ea typeface="+mn-ea"/>
+        <a:cs typeface="+mn-cs"/>
+      </a:defRPr>
+    </a:lvl3pPr>
+    <a:lvl4pPr marL="1371600" algn="l" defTabSz="914400" rtl="0" eaLnBrk="1" latinLnBrk="0" hangingPunct="1">
+      <a:defRPr sz="1200" kern="1200">
+        <a:solidFill>
+          <a:schemeClr val="tx1"/>
+        </a:solidFill>
+        <a:latin typeface="+mn-lt"/>
+        <a:ea typeface="+mn-ea"/>
+        <a:cs typeface="+mn-cs"/>
+      </a:defRPr>
+    </a:lvl4pPr>
+    <a:lvl5pPr marL="1828800" algn="l" defTabSz="914400" rtl="0" eaLnBrk="1" latinLnBrk="0" hangingPunct="1">
+      <a:defRPr sz="1200" kern="1200">
+        <a:solidFill>
+          <a:schemeClr val="tx1"/>
+        </a:solidFill>
+        <a:latin typeface="+mn-lt"/>
+        <a:ea typeface="+mn-ea"/>
+        <a:cs typeface="+mn-cs"/>
+      </a:defRPr>
+    </a:lvl5pPr>
+    <a:lvl6pPr marL="2286000" algn="l" defTabSz="914400" rtl="0" eaLnBrk="1" latinLnBrk="0" hangingPunct="1">
+      <a:defRPr sz="1200" kern="1200">
+        <a:solidFill>
+          <a:schemeClr val="tx1"/>
+        </a:solidFill>
+        <a:latin typeface="+mn-lt"/>
+        <a:ea typeface="+mn-ea"/>
+        <a:cs typeface="+mn-cs"/>
+      </a:defRPr>
+    </a:lvl6pPr>
+    <a:lvl7pPr marL="2743200" algn="l" defTabSz="914400" rtl="0" eaLnBrk="1" latinLnBrk="0" hangingPunct="1">
+      <a:defRPr sz="1200" kern="1200">
+        <a:solidFill>
+          <a:schemeClr val="tx1"/>
+        </a:solidFill>
+        <a:latin typeface="+mn-lt"/>
+        <a:ea typeface="+mn-ea"/>
+        <a:cs typeface="+mn-cs"/>
+      </a:defRPr>
+    </a:lvl7pPr>
+    <a:lvl8pPr marL="3200400" algn="l" defTabSz="914400" rtl="0" eaLnBrk="1" latinLnBrk="0" hangingPunct="1">
+      <a:defRPr sz="1200" kern="1200">
+        <a:solidFill>
+          <a:schemeClr val="tx1"/>
+        </a:solidFill>
+        <a:latin typeface="+mn-lt"/>
+        <a:ea typeface="+mn-ea"/>
+        <a:cs typeface="+mn-cs"/>
+      </a:defRPr>
+    </a:lvl8pPr>
+    <a:lvl9pPr marL="3657600" algn="l" defTabSz="914400" rtl="0" eaLnBrk="1" latinLnBrk="0" hangingPunct="1">
+      <a:defRPr sz="1200" kern="1200">
+        <a:solidFill>
+          <a:schemeClr val="tx1"/>
+        </a:solidFill>
+        <a:latin typeface="+mn-lt"/>
+        <a:ea typeface="+mn-ea"/>
+        <a:cs typeface="+mn-cs"/>
+      </a:defRPr>
+    </a:lvl9pPr>
+  </p:notesStyle>
+</p:notesMaster>
 </file>
 
 <file path=ppt/slideLayouts/slideLayout1.xml><?xml version="1.0" encoding="utf-8"?>
@@ -3097,22 +3450,159 @@
           <a:chExt cx="0" cy="0"/>
         </a:xfrm>
       </p:grpSpPr>
-      <p:sp>
-        <p:nvSpPr>
-          <p:cNvPr id="2" name="Titel 1"/>
-          <p:cNvSpPr>
-            <a:spLocks noGrp="1"/>
-          </p:cNvSpPr>
-          <p:nvPr>
-            <p:ph type="ctrTitle"/>
-          </p:nvPr>
-        </p:nvSpPr>
-        <p:spPr/>
-        <p:txBody>
-          <a:bodyPr/>
+      <p:pic>
+        <p:nvPicPr>
+          <p:cNvPr id="3074" name="Picture 2" descr="Z:\EclipseWorkspace\seproject42\src\images\mainframe.png"/>
+          <p:cNvPicPr>
+            <a:picLocks noChangeArrowheads="1"/>
+          </p:cNvPicPr>
+          <p:nvPr/>
+        </p:nvPicPr>
+        <p:blipFill>
+          <a:blip r:embed="rId2">
+            <a:extLst>
+              <a:ext uri="{28A0092B-C50C-407E-A947-70E740481C1C}">
+                <a14:useLocalDpi xmlns:a14="http://schemas.microsoft.com/office/drawing/2010/main" val="0"/>
+              </a:ext>
+            </a:extLst>
+          </a:blip>
+          <a:srcRect/>
+          <a:stretch>
+            <a:fillRect/>
+          </a:stretch>
+        </p:blipFill>
+        <p:spPr bwMode="auto">
+          <a:xfrm>
+            <a:off x="0" y="18256"/>
+            <a:ext cx="9144000" cy="6839744"/>
+          </a:xfrm>
+          <a:prstGeom prst="rect">
+            <a:avLst/>
+          </a:prstGeom>
+          <a:noFill/>
+          <a:extLst>
+            <a:ext uri="{909E8E84-426E-40DD-AFC4-6F175D3DCCD1}">
+              <a14:hiddenFill xmlns:a14="http://schemas.microsoft.com/office/drawing/2010/main">
+                <a:solidFill>
+                  <a:srgbClr val="FFFFFF"/>
+                </a:solidFill>
+              </a14:hiddenFill>
+            </a:ext>
+          </a:extLst>
+        </p:spPr>
+      </p:pic>
+      <p:sp>
+        <p:nvSpPr>
+          <p:cNvPr id="4" name="Rechteck 3"/>
+          <p:cNvSpPr/>
+          <p:nvPr/>
+        </p:nvSpPr>
+        <p:spPr>
+          <a:xfrm>
+            <a:off x="1691680" y="116632"/>
+            <a:ext cx="6336704" cy="1107996"/>
+          </a:xfrm>
+          <a:prstGeom prst="rect">
+            <a:avLst/>
+          </a:prstGeom>
+          <a:noFill/>
+        </p:spPr>
+        <p:txBody>
+          <a:bodyPr wrap="square" lIns="91440" tIns="45720" rIns="91440" bIns="45720">
+            <a:spAutoFit/>
+          </a:bodyPr>
           <a:lstStyle/>
           <a:p>
-            <a:endParaRPr lang="de-DE" dirty="0"/>
+            <a:pPr algn="ctr"/>
+            <a:r>
+              <a:rPr lang="de-DE" sz="6600" b="1" i="1" u="sng" cap="none" spc="0" dirty="0" smtClean="0">
+                <a:ln w="10160">
+                  <a:solidFill>
+                    <a:schemeClr val="accent1"/>
+                  </a:solidFill>
+                  <a:prstDash val="solid"/>
+                </a:ln>
+                <a:solidFill>
+                  <a:srgbClr val="FFFFFF"/>
+                </a:solidFill>
+                <a:effectLst>
+                  <a:outerShdw blurRad="38100" dist="32000" dir="5400000" algn="tl">
+                    <a:srgbClr val="000000">
+                      <a:alpha val="30000"/>
+                    </a:srgbClr>
+                  </a:outerShdw>
+                </a:effectLst>
+              </a:rPr>
+              <a:t>Jump N‘ Run</a:t>
+            </a:r>
+            <a:endParaRPr lang="de-DE" sz="6600" b="1" i="1" u="sng" cap="none" spc="0" dirty="0">
+              <a:ln w="10160">
+                <a:solidFill>
+                  <a:schemeClr val="accent1"/>
+                </a:solidFill>
+                <a:prstDash val="solid"/>
+              </a:ln>
+              <a:solidFill>
+                <a:srgbClr val="FFFFFF"/>
+              </a:solidFill>
+              <a:effectLst>
+                <a:outerShdw blurRad="38100" dist="32000" dir="5400000" algn="tl">
+                  <a:srgbClr val="000000">
+                    <a:alpha val="30000"/>
+                  </a:srgbClr>
+                </a:outerShdw>
+              </a:effectLst>
+            </a:endParaRPr>
+          </a:p>
+        </p:txBody>
+      </p:sp>
+      <p:sp>
+        <p:nvSpPr>
+          <p:cNvPr id="6" name="Abgerundetes Rechteck 5"/>
+          <p:cNvSpPr/>
+          <p:nvPr/>
+        </p:nvSpPr>
+        <p:spPr>
+          <a:xfrm>
+            <a:off x="323528" y="5373216"/>
+            <a:ext cx="2376264" cy="1296144"/>
+          </a:xfrm>
+          <a:prstGeom prst="roundRect">
+            <a:avLst/>
+          </a:prstGeom>
+          <a:solidFill>
+            <a:schemeClr val="bg1"/>
+          </a:solidFill>
+          <a:ln w="50800">
+            <a:solidFill>
+              <a:schemeClr val="bg1">
+                <a:lumMod val="75000"/>
+              </a:schemeClr>
+            </a:solidFill>
+          </a:ln>
+        </p:spPr>
+        <p:style>
+          <a:lnRef idx="2">
+            <a:schemeClr val="accent1">
+              <a:shade val="50000"/>
+            </a:schemeClr>
+          </a:lnRef>
+          <a:fillRef idx="1">
+            <a:schemeClr val="accent1"/>
+          </a:fillRef>
+          <a:effectRef idx="0">
+            <a:schemeClr val="accent1"/>
+          </a:effectRef>
+          <a:fontRef idx="minor">
+            <a:schemeClr val="lt1"/>
+          </a:fontRef>
+        </p:style>
+        <p:txBody>
+          <a:bodyPr rtlCol="0" anchor="ctr"/>
+          <a:lstStyle/>
+          <a:p>
+            <a:pPr algn="ctr"/>
+            <a:endParaRPr lang="de-DE"/>
           </a:p>
         </p:txBody>
       </p:sp>
@@ -3126,15 +3616,229 @@
             <p:ph type="subTitle" idx="1"/>
           </p:nvPr>
         </p:nvSpPr>
-        <p:spPr/>
-        <p:txBody>
-          <a:bodyPr/>
+        <p:spPr>
+          <a:xfrm>
+            <a:off x="467544" y="5445224"/>
+            <a:ext cx="2664296" cy="1126976"/>
+          </a:xfrm>
+          <a:noFill/>
+        </p:spPr>
+        <p:txBody>
+          <a:bodyPr>
+            <a:normAutofit fontScale="62500" lnSpcReduction="20000"/>
+          </a:bodyPr>
           <a:lstStyle/>
           <a:p>
-            <a:endParaRPr lang="de-DE" dirty="0"/>
-          </a:p>
-        </p:txBody>
-      </p:sp>
+            <a:pPr algn="l">
+              <a:spcAft>
+                <a:spcPts val="1200"/>
+              </a:spcAft>
+            </a:pPr>
+            <a:r>
+              <a:rPr lang="de-DE" u="sng" dirty="0" err="1" smtClean="0">
+                <a:solidFill>
+                  <a:schemeClr val="tx1"/>
+                </a:solidFill>
+                <a:effectLst>
+                  <a:outerShdw blurRad="38100" dist="38100" dir="2700000" algn="tl">
+                    <a:srgbClr val="000000">
+                      <a:alpha val="43137"/>
+                    </a:srgbClr>
+                  </a:outerShdw>
+                </a:effectLst>
+              </a:rPr>
+              <a:t>seproject</a:t>
+            </a:r>
+            <a:r>
+              <a:rPr lang="de-DE" u="sng" dirty="0" smtClean="0">
+                <a:solidFill>
+                  <a:schemeClr val="tx1"/>
+                </a:solidFill>
+                <a:effectLst>
+                  <a:outerShdw blurRad="38100" dist="38100" dir="2700000" algn="tl">
+                    <a:srgbClr val="000000">
+                      <a:alpha val="43137"/>
+                    </a:srgbClr>
+                  </a:outerShdw>
+                </a:effectLst>
+              </a:rPr>
+              <a:t> 42:</a:t>
+            </a:r>
+          </a:p>
+          <a:p>
+            <a:pPr algn="l"/>
+            <a:r>
+              <a:rPr lang="de-DE" dirty="0" smtClean="0">
+                <a:solidFill>
+                  <a:schemeClr val="tx1"/>
+                </a:solidFill>
+                <a:effectLst>
+                  <a:outerShdw blurRad="38100" dist="38100" dir="2700000" algn="tl">
+                    <a:srgbClr val="000000">
+                      <a:alpha val="43137"/>
+                    </a:srgbClr>
+                  </a:outerShdw>
+                </a:effectLst>
+              </a:rPr>
+              <a:t>Tobias </a:t>
+            </a:r>
+            <a:r>
+              <a:rPr lang="de-DE" dirty="0" err="1" smtClean="0">
+                <a:solidFill>
+                  <a:schemeClr val="tx1"/>
+                </a:solidFill>
+                <a:effectLst>
+                  <a:outerShdw blurRad="38100" dist="38100" dir="2700000" algn="tl">
+                    <a:srgbClr val="000000">
+                      <a:alpha val="43137"/>
+                    </a:srgbClr>
+                  </a:outerShdw>
+                </a:effectLst>
+              </a:rPr>
+              <a:t>Ofterdinger</a:t>
+            </a:r>
+            <a:endParaRPr lang="de-DE" dirty="0" smtClean="0">
+              <a:solidFill>
+                <a:schemeClr val="tx1"/>
+              </a:solidFill>
+              <a:effectLst>
+                <a:outerShdw blurRad="38100" dist="38100" dir="2700000" algn="tl">
+                  <a:srgbClr val="000000">
+                    <a:alpha val="43137"/>
+                  </a:srgbClr>
+                </a:outerShdw>
+              </a:effectLst>
+            </a:endParaRPr>
+          </a:p>
+          <a:p>
+            <a:pPr algn="l"/>
+            <a:r>
+              <a:rPr lang="de-DE" dirty="0" smtClean="0">
+                <a:solidFill>
+                  <a:schemeClr val="tx1"/>
+                </a:solidFill>
+                <a:effectLst>
+                  <a:outerShdw blurRad="38100" dist="38100" dir="2700000" algn="tl">
+                    <a:srgbClr val="000000">
+                      <a:alpha val="43137"/>
+                    </a:srgbClr>
+                  </a:outerShdw>
+                </a:effectLst>
+              </a:rPr>
+              <a:t>Björn </a:t>
+            </a:r>
+            <a:r>
+              <a:rPr lang="de-DE" dirty="0" err="1" smtClean="0">
+                <a:solidFill>
+                  <a:schemeClr val="tx1"/>
+                </a:solidFill>
+                <a:effectLst>
+                  <a:outerShdw blurRad="38100" dist="38100" dir="2700000" algn="tl">
+                    <a:srgbClr val="000000">
+                      <a:alpha val="43137"/>
+                    </a:srgbClr>
+                  </a:outerShdw>
+                </a:effectLst>
+              </a:rPr>
+              <a:t>Eschle</a:t>
+            </a:r>
+            <a:endParaRPr lang="de-DE" dirty="0" smtClean="0">
+              <a:solidFill>
+                <a:schemeClr val="tx1"/>
+              </a:solidFill>
+              <a:effectLst>
+                <a:outerShdw blurRad="38100" dist="38100" dir="2700000" algn="tl">
+                  <a:srgbClr val="000000">
+                    <a:alpha val="43137"/>
+                  </a:srgbClr>
+                </a:outerShdw>
+              </a:effectLst>
+            </a:endParaRPr>
+          </a:p>
+        </p:txBody>
+      </p:sp>
+      <p:pic>
+        <p:nvPicPr>
+          <p:cNvPr id="3075" name="Picture 3" descr="Z:\EclipseWorkspace\seproject42\src\images\player_right.gif"/>
+          <p:cNvPicPr>
+            <a:picLocks noChangeAspect="1" noChangeArrowheads="1" noCrop="1"/>
+          </p:cNvPicPr>
+          <p:nvPr/>
+        </p:nvPicPr>
+        <p:blipFill>
+          <a:blip r:embed="rId3">
+            <a:extLst>
+              <a:ext uri="{28A0092B-C50C-407E-A947-70E740481C1C}">
+                <a14:useLocalDpi xmlns:a14="http://schemas.microsoft.com/office/drawing/2010/main" val="0"/>
+              </a:ext>
+            </a:extLst>
+          </a:blip>
+          <a:srcRect/>
+          <a:stretch>
+            <a:fillRect/>
+          </a:stretch>
+        </p:blipFill>
+        <p:spPr bwMode="auto">
+          <a:xfrm>
+            <a:off x="-972616" y="1796380"/>
+            <a:ext cx="836290" cy="1672580"/>
+          </a:xfrm>
+          <a:prstGeom prst="rect">
+            <a:avLst/>
+          </a:prstGeom>
+          <a:noFill/>
+          <a:extLst>
+            <a:ext uri="{909E8E84-426E-40DD-AFC4-6F175D3DCCD1}">
+              <a14:hiddenFill xmlns:a14="http://schemas.microsoft.com/office/drawing/2010/main">
+                <a:solidFill>
+                  <a:srgbClr val="FFFFFF"/>
+                </a:solidFill>
+              </a14:hiddenFill>
+            </a:ext>
+          </a:extLst>
+        </p:spPr>
+      </p:pic>
+      <p:pic>
+        <p:nvPicPr>
+          <p:cNvPr id="3077" name="Picture 5" descr="C:\Users\bjeschle\Desktop\1340547056826.png"/>
+          <p:cNvPicPr>
+            <a:picLocks noChangeAspect="1" noChangeArrowheads="1"/>
+          </p:cNvPicPr>
+          <p:nvPr/>
+        </p:nvPicPr>
+        <p:blipFill>
+          <a:blip r:embed="rId4" cstate="print">
+            <a:extLst>
+              <a:ext uri="{28A0092B-C50C-407E-A947-70E740481C1C}">
+                <a14:useLocalDpi xmlns:a14="http://schemas.microsoft.com/office/drawing/2010/main" val="0"/>
+              </a:ext>
+            </a:extLst>
+          </a:blip>
+          <a:srcRect/>
+          <a:stretch>
+            <a:fillRect/>
+          </a:stretch>
+        </p:blipFill>
+        <p:spPr bwMode="auto">
+          <a:xfrm>
+            <a:off x="3692497" y="2297818"/>
+            <a:ext cx="1239543" cy="1131182"/>
+          </a:xfrm>
+          <a:prstGeom prst="rect">
+            <a:avLst/>
+          </a:prstGeom>
+          <a:noFill/>
+          <a:extLst>
+            <a:ext uri="{909E8E84-426E-40DD-AFC4-6F175D3DCCD1}">
+              <a14:hiddenFill xmlns:a14="http://schemas.microsoft.com/office/drawing/2010/main">
+                <a:solidFill>
+                  <a:srgbClr val="FFFFFF"/>
+                </a:solidFill>
+              </a14:hiddenFill>
+            </a:ext>
+          </a:extLst>
+        </p:spPr>
+      </p:pic>
     </p:spTree>
     <p:extLst>
       <p:ext uri="{BB962C8B-B14F-4D97-AF65-F5344CB8AC3E}">
@@ -3148,7 +3852,700 @@
   <p:timing>
     <p:tnLst>
       <p:par>
-        <p:cTn id="1" dur="indefinite" restart="never" nodeType="tmRoot"/>
+        <p:cTn id="1" dur="indefinite" restart="never" nodeType="tmRoot">
+          <p:childTnLst>
+            <p:seq concurrent="1" nextAc="seek">
+              <p:cTn id="2" dur="indefinite" nodeType="mainSeq">
+                <p:childTnLst>
+                  <p:par>
+                    <p:cTn id="3" fill="hold">
+                      <p:stCondLst>
+                        <p:cond delay="indefinite"/>
+                        <p:cond evt="onBegin" delay="0">
+                          <p:tn val="2"/>
+                        </p:cond>
+                      </p:stCondLst>
+                      <p:childTnLst>
+                        <p:par>
+                          <p:cTn id="4" fill="hold">
+                            <p:stCondLst>
+                              <p:cond delay="0"/>
+                            </p:stCondLst>
+                            <p:childTnLst>
+                              <p:par>
+                                <p:cTn id="5" presetID="50" presetClass="path" presetSubtype="0" accel="50000" decel="50000" fill="hold" nodeType="afterEffect">
+                                  <p:stCondLst>
+                                    <p:cond delay="1000"/>
+                                  </p:stCondLst>
+                                  <p:childTnLst>
+                                    <p:animMotion origin="layout" path="M 2.77778E-7 0.01319 L 0.125 0.01319 C 0.18108 0.01319 0.25 0.08217 0.25 0.13819 L 0.25 0.26319 " pathEditMode="relative" rAng="0" ptsTypes="FfFF">
+                                      <p:cBhvr>
+                                        <p:cTn id="6" dur="2000" fill="hold"/>
+                                        <p:tgtEl>
+                                          <p:spTgt spid="3075"/>
+                                        </p:tgtEl>
+                                        <p:attrNameLst>
+                                          <p:attrName>ppt_x</p:attrName>
+                                          <p:attrName>ppt_y</p:attrName>
+                                        </p:attrNameLst>
+                                      </p:cBhvr>
+                                      <p:rCtr x="12500" y="12500"/>
+                                    </p:animMotion>
+                                  </p:childTnLst>
+                                </p:cTn>
+                              </p:par>
+                            </p:childTnLst>
+                          </p:cTn>
+                        </p:par>
+                        <p:par>
+                          <p:cTn id="7" fill="hold">
+                            <p:stCondLst>
+                              <p:cond delay="3000"/>
+                            </p:stCondLst>
+                            <p:childTnLst>
+                              <p:par>
+                                <p:cTn id="8" presetID="0" presetClass="path" presetSubtype="0" accel="50000" decel="50000" fill="hold" nodeType="afterEffect">
+                                  <p:stCondLst>
+                                    <p:cond delay="0"/>
+                                  </p:stCondLst>
+                                  <p:childTnLst>
+                                    <p:animMotion origin="layout" path="M 0.25 0.26551 C 0.26753 0.25764 0.25139 0.26412 0.29583 0.26551 C 0.32222 0.2662 0.34861 0.26666 0.375 0.26736 C 0.39306 0.26782 0.41111 0.26851 0.42917 0.26921 C 0.44236 0.26481 0.4349 0.26967 0.43611 0.23588 C 0.43663 0.21921 0.43628 0.20254 0.4375 0.18588 C 0.43837 0.17361 0.44062 0.17801 0.44167 0.16921 C 0.44271 0.16111 0.44392 0.1493 0.44583 0.14143 C 0.44792 0.13287 0.45521 0.12916 0.46111 0.12662 C 0.4684 0.11203 0.49132 0.11111 0.50278 0.10995 C 0.54861 0.11226 0.54028 0.09514 0.54028 0.14514 " pathEditMode="relative" rAng="0" ptsTypes="ffffffffffA">
+                                      <p:cBhvr>
+                                        <p:cTn id="9" dur="2000" fill="hold"/>
+                                        <p:tgtEl>
+                                          <p:spTgt spid="3075"/>
+                                        </p:tgtEl>
+                                        <p:attrNameLst>
+                                          <p:attrName>ppt_x</p:attrName>
+                                          <p:attrName>ppt_y</p:attrName>
+                                        </p:attrNameLst>
+                                      </p:cBhvr>
+                                      <p:rCtr x="14931" y="-8310"/>
+                                    </p:animMotion>
+                                  </p:childTnLst>
+                                </p:cTn>
+                              </p:par>
+                            </p:childTnLst>
+                          </p:cTn>
+                        </p:par>
+                        <p:par>
+                          <p:cTn id="10" fill="hold">
+                            <p:stCondLst>
+                              <p:cond delay="5000"/>
+                            </p:stCondLst>
+                            <p:childTnLst>
+                              <p:par>
+                                <p:cTn id="11" presetID="16" presetClass="entr" presetSubtype="21" fill="hold" nodeType="afterEffect">
+                                  <p:stCondLst>
+                                    <p:cond delay="0"/>
+                                  </p:stCondLst>
+                                  <p:childTnLst>
+                                    <p:set>
+                                      <p:cBhvr>
+                                        <p:cTn id="12" dur="1" fill="hold">
+                                          <p:stCondLst>
+                                            <p:cond delay="0"/>
+                                          </p:stCondLst>
+                                        </p:cTn>
+                                        <p:tgtEl>
+                                          <p:spTgt spid="3077"/>
+                                        </p:tgtEl>
+                                        <p:attrNameLst>
+                                          <p:attrName>style.visibility</p:attrName>
+                                        </p:attrNameLst>
+                                      </p:cBhvr>
+                                      <p:to>
+                                        <p:strVal val="visible"/>
+                                      </p:to>
+                                    </p:set>
+                                    <p:animEffect transition="in" filter="barn(inVertical)">
+                                      <p:cBhvr>
+                                        <p:cTn id="13" dur="500"/>
+                                        <p:tgtEl>
+                                          <p:spTgt spid="3077"/>
+                                        </p:tgtEl>
+                                      </p:cBhvr>
+                                    </p:animEffect>
+                                  </p:childTnLst>
+                                </p:cTn>
+                              </p:par>
+                            </p:childTnLst>
+                          </p:cTn>
+                        </p:par>
+                        <p:par>
+                          <p:cTn id="14" fill="hold">
+                            <p:stCondLst>
+                              <p:cond delay="5500"/>
+                            </p:stCondLst>
+                            <p:childTnLst>
+                              <p:par>
+                                <p:cTn id="15" presetID="0" presetClass="path" presetSubtype="0" accel="50000" decel="50000" fill="hold" nodeType="afterEffect">
+                                  <p:stCondLst>
+                                    <p:cond delay="1000"/>
+                                  </p:stCondLst>
+                                  <p:childTnLst>
+                                    <p:animMotion origin="layout" path="M 0.54027 0.14514 C 0.54201 0.13634 0.5434 0.1287 0.54722 0.12106 C 0.54965 0.10787 0.55937 0.08449 0.56666 0.07477 C 0.56857 0.06736 0.57014 0.06435 0.575 0.05995 C 0.58402 0.04213 0.58576 0.0463 0.59722 0.03773 C 0.60416 0.03264 0.61059 0.02477 0.61805 0.02106 C 0.63003 0.01505 0.64583 0.01343 0.65833 0.01181 C 0.67621 0.01296 0.6934 0.01481 0.71111 0.01736 C 0.72291 0.02268 0.73142 0.03796 0.74166 0.04143 C 0.74948 0.04838 0.75555 0.05625 0.76389 0.06181 C 0.76632 0.06343 0.76857 0.06551 0.77083 0.06736 C 0.77361 0.06968 0.77916 0.07477 0.77916 0.07477 C 0.78177 0.07986 0.78923 0.09468 0.79027 0.09884 C 0.79114 0.10255 0.79218 0.10625 0.79305 0.10995 C 0.79357 0.11181 0.79444 0.11551 0.79444 0.11551 C 0.79652 0.13518 0.80034 0.14583 0.80833 0.16181 C 0.81111 0.16736 0.81389 0.17292 0.81666 0.17847 C 0.81753 0.18032 0.81944 0.18403 0.81944 0.18403 C 0.82205 0.19838 0.82847 0.20995 0.83333 0.22292 C 0.83732 0.2338 0.8401 0.2456 0.84444 0.25625 C 0.84687 0.26204 0.85121 0.26667 0.85277 0.27292 C 0.85364 0.27662 0.85468 0.28032 0.85555 0.28403 C 0.85607 0.28588 0.85694 0.28958 0.85694 0.28958 C 0.86423 0.26018 0.85694 0.29167 0.85972 0.20995 C 0.85989 0.20324 0.86284 0.19421 0.86389 0.18773 C 0.86475 0.17106 0.86389 0.14884 0.87361 0.13588 C 0.87482 0.12731 0.87569 0.12245 0.87916 0.11551 C 0.87934 0.11505 0.88125 0.1037 0.88194 0.10255 C 0.88472 0.09792 0.89323 0.08472 0.89722 0.08032 C 0.90312 0.07361 0.9 0.07986 0.90555 0.07106 C 0.91093 0.0625 0.91684 0.05255 0.925 0.04884 C 0.92639 0.0463 0.9276 0.04352 0.92916 0.04143 C 0.93073 0.03935 0.93316 0.03819 0.93472 0.03588 C 0.94288 0.02315 0.93055 0.03218 0.94444 0.02477 C 0.94965 0.01782 0.95625 0.01343 0.9625 0.0081 C 0.96979 0.00208 0.97673 -0.01065 0.98472 -0.01412 C 0.99323 -0.01782 1.00555 -0.02569 1.01389 -0.02708 C 1.02222 -0.02847 1.03055 -0.02824 1.03889 -0.02894 C 1.13177 -0.04954 1.22934 -0.00394 1.32083 -0.03449 C 1.3967 -0.03241 1.36614 -0.03264 1.4125 -0.03264 " pathEditMode="relative" ptsTypes="fffffffffffffffffffffffffffffffffffffffA">
+                                      <p:cBhvr>
+                                        <p:cTn id="16" dur="2000" fill="hold"/>
+                                        <p:tgtEl>
+                                          <p:spTgt spid="3075"/>
+                                        </p:tgtEl>
+                                        <p:attrNameLst>
+                                          <p:attrName>ppt_x</p:attrName>
+                                          <p:attrName>ppt_y</p:attrName>
+                                        </p:attrNameLst>
+                                      </p:cBhvr>
+                                    </p:animMotion>
+                                  </p:childTnLst>
+                                </p:cTn>
+                              </p:par>
+                              <p:par>
+                                <p:cTn id="17" presetID="26" presetClass="exit" presetSubtype="0" fill="hold" nodeType="withEffect">
+                                  <p:stCondLst>
+                                    <p:cond delay="1000"/>
+                                  </p:stCondLst>
+                                  <p:childTnLst>
+                                    <p:animEffect transition="out" filter="wipe(down)">
+                                      <p:cBhvr>
+                                        <p:cTn id="18" dur="180" accel="50000">
+                                          <p:stCondLst>
+                                            <p:cond delay="1820"/>
+                                          </p:stCondLst>
+                                        </p:cTn>
+                                        <p:tgtEl>
+                                          <p:spTgt spid="3077"/>
+                                        </p:tgtEl>
+                                      </p:cBhvr>
+                                    </p:animEffect>
+                                    <p:anim calcmode="lin" valueType="num">
+                                      <p:cBhvr>
+                                        <p:cTn id="19" dur="1822" tmFilter="0,0; 0.14,0.31; 0.43,0.73; 0.71,0.91; 1.0,1.0">
+                                          <p:stCondLst>
+                                            <p:cond delay="0"/>
+                                          </p:stCondLst>
+                                        </p:cTn>
+                                        <p:tgtEl>
+                                          <p:spTgt spid="3077"/>
+                                        </p:tgtEl>
+                                        <p:attrNameLst>
+                                          <p:attrName>ppt_x</p:attrName>
+                                        </p:attrNameLst>
+                                      </p:cBhvr>
+                                      <p:tavLst>
+                                        <p:tav tm="0">
+                                          <p:val>
+                                            <p:strVal val="ppt_x"/>
+                                          </p:val>
+                                        </p:tav>
+                                        <p:tav tm="100000">
+                                          <p:val>
+                                            <p:strVal val="#ppt_x+0.25"/>
+                                          </p:val>
+                                        </p:tav>
+                                      </p:tavLst>
+                                    </p:anim>
+                                    <p:anim calcmode="lin" valueType="num">
+                                      <p:cBhvr>
+                                        <p:cTn id="20" dur="178">
+                                          <p:stCondLst>
+                                            <p:cond delay="1822"/>
+                                          </p:stCondLst>
+                                        </p:cTn>
+                                        <p:tgtEl>
+                                          <p:spTgt spid="3077"/>
+                                        </p:tgtEl>
+                                        <p:attrNameLst>
+                                          <p:attrName>ppt_x</p:attrName>
+                                        </p:attrNameLst>
+                                      </p:cBhvr>
+                                      <p:tavLst>
+                                        <p:tav tm="0">
+                                          <p:val>
+                                            <p:strVal val="ppt_x"/>
+                                          </p:val>
+                                        </p:tav>
+                                        <p:tav tm="100000">
+                                          <p:val>
+                                            <p:strVal val="ppt_x"/>
+                                          </p:val>
+                                        </p:tav>
+                                      </p:tavLst>
+                                    </p:anim>
+                                    <p:anim calcmode="lin" valueType="num">
+                                      <p:cBhvr>
+                                        <p:cTn id="21" dur="664" tmFilter="0.0,0.0;0.25,0.07;0.50,0.2;0.75,0.467;1.0,1.0">
+                                          <p:stCondLst>
+                                            <p:cond delay="0"/>
+                                          </p:stCondLst>
+                                        </p:cTn>
+                                        <p:tgtEl>
+                                          <p:spTgt spid="3077"/>
+                                        </p:tgtEl>
+                                        <p:attrNameLst>
+                                          <p:attrName>ppt_y</p:attrName>
+                                        </p:attrNameLst>
+                                      </p:cBhvr>
+                                      <p:tavLst>
+                                        <p:tav tm="0">
+                                          <p:val>
+                                            <p:strVal val="ppt_y"/>
+                                          </p:val>
+                                        </p:tav>
+                                        <p:tav tm="5000">
+                                          <p:val>
+                                            <p:strVal val="ppt_y+0.026"/>
+                                          </p:val>
+                                        </p:tav>
+                                        <p:tav tm="10000">
+                                          <p:val>
+                                            <p:strVal val="ppt_y+0.052"/>
+                                          </p:val>
+                                        </p:tav>
+                                        <p:tav tm="15000">
+                                          <p:val>
+                                            <p:strVal val="ppt_y+0.078"/>
+                                          </p:val>
+                                        </p:tav>
+                                        <p:tav tm="20000">
+                                          <p:val>
+                                            <p:strVal val="ppt_y+0.103"/>
+                                          </p:val>
+                                        </p:tav>
+                                        <p:tav tm="30000">
+                                          <p:val>
+                                            <p:strVal val="ppt_y+0.151"/>
+                                          </p:val>
+                                        </p:tav>
+                                        <p:tav tm="40000">
+                                          <p:val>
+                                            <p:strVal val="ppt_y+0.196"/>
+                                          </p:val>
+                                        </p:tav>
+                                        <p:tav tm="50000">
+                                          <p:val>
+                                            <p:strVal val="ppt_y+0.236"/>
+                                          </p:val>
+                                        </p:tav>
+                                        <p:tav tm="60000">
+                                          <p:val>
+                                            <p:strVal val="ppt_y+0.270"/>
+                                          </p:val>
+                                        </p:tav>
+                                        <p:tav tm="70000">
+                                          <p:val>
+                                            <p:strVal val="ppt_y+0.297"/>
+                                          </p:val>
+                                        </p:tav>
+                                        <p:tav tm="80000">
+                                          <p:val>
+                                            <p:strVal val="ppt_y+0.317"/>
+                                          </p:val>
+                                        </p:tav>
+                                        <p:tav tm="90000">
+                                          <p:val>
+                                            <p:strVal val="ppt_y+0.329"/>
+                                          </p:val>
+                                        </p:tav>
+                                        <p:tav tm="100000">
+                                          <p:val>
+                                            <p:strVal val="ppt_y+0.333"/>
+                                          </p:val>
+                                        </p:tav>
+                                      </p:tavLst>
+                                    </p:anim>
+                                    <p:anim calcmode="lin" valueType="num">
+                                      <p:cBhvr>
+                                        <p:cTn id="22" dur="664" tmFilter="0, 0; 0.125,0.2665; 0.25,0.4; 0.375,0.465; 0.5,0.5;  0.625,0.535; 0.75,0.6; 0.875,0.7335; 1,1">
+                                          <p:stCondLst>
+                                            <p:cond delay="664"/>
+                                          </p:stCondLst>
+                                        </p:cTn>
+                                        <p:tgtEl>
+                                          <p:spTgt spid="3077"/>
+                                        </p:tgtEl>
+                                        <p:attrNameLst>
+                                          <p:attrName>ppt_y</p:attrName>
+                                        </p:attrNameLst>
+                                      </p:cBhvr>
+                                      <p:tavLst>
+                                        <p:tav tm="0">
+                                          <p:val>
+                                            <p:strVal val="ppt_y"/>
+                                          </p:val>
+                                        </p:tav>
+                                        <p:tav tm="10000">
+                                          <p:val>
+                                            <p:strVal val="ppt_y-0.034"/>
+                                          </p:val>
+                                        </p:tav>
+                                        <p:tav tm="20000">
+                                          <p:val>
+                                            <p:strVal val="ppt_y-0.065"/>
+                                          </p:val>
+                                        </p:tav>
+                                        <p:tav tm="30000">
+                                          <p:val>
+                                            <p:strVal val="ppt_y-0.090"/>
+                                          </p:val>
+                                        </p:tav>
+                                        <p:tav tm="40000">
+                                          <p:val>
+                                            <p:strVal val="ppt_y-0.106"/>
+                                          </p:val>
+                                        </p:tav>
+                                        <p:tav tm="50000">
+                                          <p:val>
+                                            <p:strVal val="ppt_y-0.111"/>
+                                          </p:val>
+                                        </p:tav>
+                                        <p:tav tm="60000">
+                                          <p:val>
+                                            <p:strVal val="ppt_y-0.106"/>
+                                          </p:val>
+                                        </p:tav>
+                                        <p:tav tm="70000">
+                                          <p:val>
+                                            <p:strVal val="ppt_y-0.090"/>
+                                          </p:val>
+                                        </p:tav>
+                                        <p:tav tm="80000">
+                                          <p:val>
+                                            <p:strVal val="ppt_y-0.065"/>
+                                          </p:val>
+                                        </p:tav>
+                                        <p:tav tm="90000">
+                                          <p:val>
+                                            <p:strVal val="ppt_y-0.034"/>
+                                          </p:val>
+                                        </p:tav>
+                                        <p:tav tm="100000">
+                                          <p:val>
+                                            <p:strVal val="ppt_y"/>
+                                          </p:val>
+                                        </p:tav>
+                                      </p:tavLst>
+                                    </p:anim>
+                                    <p:anim calcmode="lin" valueType="num">
+                                      <p:cBhvr>
+                                        <p:cTn id="23" dur="332" tmFilter="0, 0; 0.125,0.2665; 0.25,0.4; 0.375,0.465; 0.5,0.5;  0.625,0.535; 0.75,0.6; 0.875,0.7335; 1,1">
+                                          <p:stCondLst>
+                                            <p:cond delay="1324"/>
+                                          </p:stCondLst>
+                                        </p:cTn>
+                                        <p:tgtEl>
+                                          <p:spTgt spid="3077"/>
+                                        </p:tgtEl>
+                                        <p:attrNameLst>
+                                          <p:attrName>ppt_y</p:attrName>
+                                        </p:attrNameLst>
+                                      </p:cBhvr>
+                                      <p:tavLst>
+                                        <p:tav tm="0">
+                                          <p:val>
+                                            <p:strVal val="ppt_y"/>
+                                          </p:val>
+                                        </p:tav>
+                                        <p:tav tm="10000">
+                                          <p:val>
+                                            <p:strVal val="ppt_y-0.011"/>
+                                          </p:val>
+                                        </p:tav>
+                                        <p:tav tm="20000">
+                                          <p:val>
+                                            <p:strVal val="ppt_y-0.022"/>
+                                          </p:val>
+                                        </p:tav>
+                                        <p:tav tm="30000">
+                                          <p:val>
+                                            <p:strVal val="ppt_y-0.030"/>
+                                          </p:val>
+                                        </p:tav>
+                                        <p:tav tm="40000">
+                                          <p:val>
+                                            <p:strVal val="ppt_y-0.035"/>
+                                          </p:val>
+                                        </p:tav>
+                                        <p:tav tm="50000">
+                                          <p:val>
+                                            <p:strVal val="ppt_y-0.037"/>
+                                          </p:val>
+                                        </p:tav>
+                                        <p:tav tm="60000">
+                                          <p:val>
+                                            <p:strVal val="ppt_y-0.035"/>
+                                          </p:val>
+                                        </p:tav>
+                                        <p:tav tm="70000">
+                                          <p:val>
+                                            <p:strVal val="ppt_y-0.030"/>
+                                          </p:val>
+                                        </p:tav>
+                                        <p:tav tm="80000">
+                                          <p:val>
+                                            <p:strVal val="ppt_y-0.022"/>
+                                          </p:val>
+                                        </p:tav>
+                                        <p:tav tm="90000">
+                                          <p:val>
+                                            <p:strVal val="ppt_y-0.011"/>
+                                          </p:val>
+                                        </p:tav>
+                                        <p:tav tm="100000">
+                                          <p:val>
+                                            <p:strVal val="ppt_y"/>
+                                          </p:val>
+                                        </p:tav>
+                                      </p:tavLst>
+                                    </p:anim>
+                                    <p:anim calcmode="lin" valueType="num">
+                                      <p:cBhvr>
+                                        <p:cTn id="24" dur="164" tmFilter="0, 0; 0.125,0.2665; 0.25,0.4; 0.375,0.465; 0.5,0.5;  0.625,0.535; 0.75,0.6; 0.875,0.7335; 1,1">
+                                          <p:stCondLst>
+                                            <p:cond delay="1656"/>
+                                          </p:stCondLst>
+                                        </p:cTn>
+                                        <p:tgtEl>
+                                          <p:spTgt spid="3077"/>
+                                        </p:tgtEl>
+                                        <p:attrNameLst>
+                                          <p:attrName>ppt_y</p:attrName>
+                                        </p:attrNameLst>
+                                      </p:cBhvr>
+                                      <p:tavLst>
+                                        <p:tav tm="0">
+                                          <p:val>
+                                            <p:strVal val="ppt_y"/>
+                                          </p:val>
+                                        </p:tav>
+                                        <p:tav tm="10000">
+                                          <p:val>
+                                            <p:strVal val="ppt_y-0.004"/>
+                                          </p:val>
+                                        </p:tav>
+                                        <p:tav tm="20000">
+                                          <p:val>
+                                            <p:strVal val="ppt_y-0.007"/>
+                                          </p:val>
+                                        </p:tav>
+                                        <p:tav tm="30000">
+                                          <p:val>
+                                            <p:strVal val="ppt_y-0.010"/>
+                                          </p:val>
+                                        </p:tav>
+                                        <p:tav tm="40000">
+                                          <p:val>
+                                            <p:strVal val="ppt_y-0.012"/>
+                                          </p:val>
+                                        </p:tav>
+                                        <p:tav tm="50000">
+                                          <p:val>
+                                            <p:strVal val="ppt_y-0.0123"/>
+                                          </p:val>
+                                        </p:tav>
+                                        <p:tav tm="60000">
+                                          <p:val>
+                                            <p:strVal val="ppt_y-0.012"/>
+                                          </p:val>
+                                        </p:tav>
+                                        <p:tav tm="70000">
+                                          <p:val>
+                                            <p:strVal val="ppt_y-0.010"/>
+                                          </p:val>
+                                        </p:tav>
+                                        <p:tav tm="80000">
+                                          <p:val>
+                                            <p:strVal val="ppt_y-0.007"/>
+                                          </p:val>
+                                        </p:tav>
+                                        <p:tav tm="90000">
+                                          <p:val>
+                                            <p:strVal val="ppt_y-0.004"/>
+                                          </p:val>
+                                        </p:tav>
+                                        <p:tav tm="100000">
+                                          <p:val>
+                                            <p:strVal val="ppt_y"/>
+                                          </p:val>
+                                        </p:tav>
+                                      </p:tavLst>
+                                    </p:anim>
+                                    <p:anim calcmode="lin" valueType="num">
+                                      <p:cBhvr>
+                                        <p:cTn id="25" dur="180" accel="50000">
+                                          <p:stCondLst>
+                                            <p:cond delay="1820"/>
+                                          </p:stCondLst>
+                                        </p:cTn>
+                                        <p:tgtEl>
+                                          <p:spTgt spid="3077"/>
+                                        </p:tgtEl>
+                                        <p:attrNameLst>
+                                          <p:attrName>ppt_y</p:attrName>
+                                        </p:attrNameLst>
+                                      </p:cBhvr>
+                                      <p:tavLst>
+                                        <p:tav tm="0">
+                                          <p:val>
+                                            <p:strVal val="ppt_y"/>
+                                          </p:val>
+                                        </p:tav>
+                                        <p:tav tm="100000">
+                                          <p:val>
+                                            <p:strVal val="ppt_y+ppt_h"/>
+                                          </p:val>
+                                        </p:tav>
+                                      </p:tavLst>
+                                    </p:anim>
+                                    <p:animScale>
+                                      <p:cBhvr>
+                                        <p:cTn id="26" dur="26">
+                                          <p:stCondLst>
+                                            <p:cond delay="620"/>
+                                          </p:stCondLst>
+                                        </p:cTn>
+                                        <p:tgtEl>
+                                          <p:spTgt spid="3077"/>
+                                        </p:tgtEl>
+                                      </p:cBhvr>
+                                      <p:to x="100000" y="60000"/>
+                                    </p:animScale>
+                                    <p:animScale>
+                                      <p:cBhvr>
+                                        <p:cTn id="27" dur="166" decel="50000">
+                                          <p:stCondLst>
+                                            <p:cond delay="646"/>
+                                          </p:stCondLst>
+                                        </p:cTn>
+                                        <p:tgtEl>
+                                          <p:spTgt spid="3077"/>
+                                        </p:tgtEl>
+                                      </p:cBhvr>
+                                      <p:to x="100000" y="100000"/>
+                                    </p:animScale>
+                                    <p:animScale>
+                                      <p:cBhvr>
+                                        <p:cTn id="28" dur="26">
+                                          <p:stCondLst>
+                                            <p:cond delay="1312"/>
+                                          </p:stCondLst>
+                                        </p:cTn>
+                                        <p:tgtEl>
+                                          <p:spTgt spid="3077"/>
+                                        </p:tgtEl>
+                                      </p:cBhvr>
+                                      <p:to x="100000" y="80000"/>
+                                    </p:animScale>
+                                    <p:animScale>
+                                      <p:cBhvr>
+                                        <p:cTn id="29" dur="166" decel="50000">
+                                          <p:stCondLst>
+                                            <p:cond delay="1338"/>
+                                          </p:stCondLst>
+                                        </p:cTn>
+                                        <p:tgtEl>
+                                          <p:spTgt spid="3077"/>
+                                        </p:tgtEl>
+                                      </p:cBhvr>
+                                      <p:to x="100000" y="100000"/>
+                                    </p:animScale>
+                                    <p:animScale>
+                                      <p:cBhvr>
+                                        <p:cTn id="30" dur="26">
+                                          <p:stCondLst>
+                                            <p:cond delay="1642"/>
+                                          </p:stCondLst>
+                                        </p:cTn>
+                                        <p:tgtEl>
+                                          <p:spTgt spid="3077"/>
+                                        </p:tgtEl>
+                                      </p:cBhvr>
+                                      <p:to x="100000" y="90000"/>
+                                    </p:animScale>
+                                    <p:animScale>
+                                      <p:cBhvr>
+                                        <p:cTn id="31" dur="166" decel="50000">
+                                          <p:stCondLst>
+                                            <p:cond delay="1668"/>
+                                          </p:stCondLst>
+                                        </p:cTn>
+                                        <p:tgtEl>
+                                          <p:spTgt spid="3077"/>
+                                        </p:tgtEl>
+                                      </p:cBhvr>
+                                      <p:to x="100000" y="100000"/>
+                                    </p:animScale>
+                                    <p:animScale>
+                                      <p:cBhvr>
+                                        <p:cTn id="32" dur="26">
+                                          <p:stCondLst>
+                                            <p:cond delay="1808"/>
+                                          </p:stCondLst>
+                                        </p:cTn>
+                                        <p:tgtEl>
+                                          <p:spTgt spid="3077"/>
+                                        </p:tgtEl>
+                                      </p:cBhvr>
+                                      <p:to x="100000" y="95000"/>
+                                    </p:animScale>
+                                    <p:animScale>
+                                      <p:cBhvr>
+                                        <p:cTn id="33" dur="166" decel="50000">
+                                          <p:stCondLst>
+                                            <p:cond delay="1834"/>
+                                          </p:stCondLst>
+                                        </p:cTn>
+                                        <p:tgtEl>
+                                          <p:spTgt spid="3077"/>
+                                        </p:tgtEl>
+                                      </p:cBhvr>
+                                      <p:to x="100000" y="100000"/>
+                                    </p:animScale>
+                                    <p:set>
+                                      <p:cBhvr>
+                                        <p:cTn id="34" dur="1" fill="hold">
+                                          <p:stCondLst>
+                                            <p:cond delay="1999"/>
+                                          </p:stCondLst>
+                                        </p:cTn>
+                                        <p:tgtEl>
+                                          <p:spTgt spid="3077"/>
+                                        </p:tgtEl>
+                                        <p:attrNameLst>
+                                          <p:attrName>style.visibility</p:attrName>
+                                        </p:attrNameLst>
+                                      </p:cBhvr>
+                                      <p:to>
+                                        <p:strVal val="hidden"/>
+                                      </p:to>
+                                    </p:set>
+                                  </p:childTnLst>
+                                </p:cTn>
+                              </p:par>
+                            </p:childTnLst>
+                          </p:cTn>
+                        </p:par>
+                      </p:childTnLst>
+                    </p:cTn>
+                  </p:par>
+                </p:childTnLst>
+              </p:cTn>
+              <p:prevCondLst>
+                <p:cond evt="onPrev" delay="0">
+                  <p:tgtEl>
+                    <p:sldTgt/>
+                  </p:tgtEl>
+                </p:cond>
+              </p:prevCondLst>
+              <p:nextCondLst>
+                <p:cond evt="onNext" delay="0">
+                  <p:tgtEl>
+                    <p:sldTgt/>
+                  </p:tgtEl>
+                </p:cond>
+              </p:nextCondLst>
+            </p:seq>
+          </p:childTnLst>
+        </p:cTn>
       </p:par>
     </p:tnLst>
   </p:timing>
@@ -4540,6 +5937,56 @@
           <a:chExt cx="0" cy="0"/>
         </a:xfrm>
       </p:grpSpPr>
+      <p:sp>
+        <p:nvSpPr>
+          <p:cNvPr id="16" name="Rechteck 15"/>
+          <p:cNvSpPr/>
+          <p:nvPr/>
+        </p:nvSpPr>
+        <p:spPr>
+          <a:xfrm>
+            <a:off x="467544" y="1406679"/>
+            <a:ext cx="7725738" cy="4566799"/>
+          </a:xfrm>
+          <a:prstGeom prst="rect">
+            <a:avLst/>
+          </a:prstGeom>
+          <a:solidFill>
+            <a:schemeClr val="tx1">
+              <a:alpha val="15000"/>
+            </a:schemeClr>
+          </a:solidFill>
+          <a:ln w="50800">
+            <a:solidFill>
+              <a:schemeClr val="tx1"/>
+            </a:solidFill>
+          </a:ln>
+        </p:spPr>
+        <p:style>
+          <a:lnRef idx="2">
+            <a:schemeClr val="accent1">
+              <a:shade val="50000"/>
+            </a:schemeClr>
+          </a:lnRef>
+          <a:fillRef idx="1">
+            <a:schemeClr val="accent1"/>
+          </a:fillRef>
+          <a:effectRef idx="0">
+            <a:schemeClr val="accent1"/>
+          </a:effectRef>
+          <a:fontRef idx="minor">
+            <a:schemeClr val="lt1"/>
+          </a:fontRef>
+        </p:style>
+        <p:txBody>
+          <a:bodyPr rtlCol="0" anchor="ctr"/>
+          <a:lstStyle/>
+          <a:p>
+            <a:pPr algn="ctr"/>
+            <a:endParaRPr lang="de-DE" dirty="0"/>
+          </a:p>
+        </p:txBody>
+      </p:sp>
       <p:pic>
         <p:nvPicPr>
           <p:cNvPr id="2050" name="Picture 2"/>
@@ -4563,8 +6010,8 @@
         </p:blipFill>
         <p:spPr bwMode="auto">
           <a:xfrm>
-            <a:off x="4067944" y="3048000"/>
-            <a:ext cx="771525" cy="762000"/>
+            <a:off x="5110769" y="4461311"/>
+            <a:ext cx="1531070" cy="1512168"/>
           </a:xfrm>
           <a:prstGeom prst="rect">
             <a:avLst/>
@@ -4604,9 +6051,331 @@
           </a:extLst>
         </p:spPr>
       </p:pic>
+      <p:sp>
+        <p:nvSpPr>
+          <p:cNvPr id="6" name="Rechteck 5"/>
+          <p:cNvSpPr/>
+          <p:nvPr/>
+        </p:nvSpPr>
+        <p:spPr>
+          <a:xfrm>
+            <a:off x="1115616" y="-99392"/>
+            <a:ext cx="7171910" cy="923330"/>
+          </a:xfrm>
+          <a:prstGeom prst="rect">
+            <a:avLst/>
+          </a:prstGeom>
+          <a:noFill/>
+        </p:spPr>
+        <p:txBody>
+          <a:bodyPr wrap="square" lIns="91440" tIns="45720" rIns="91440" bIns="45720">
+            <a:spAutoFit/>
+          </a:bodyPr>
+          <a:lstStyle/>
+          <a:p>
+            <a:pPr algn="ctr"/>
+            <a:r>
+              <a:rPr lang="de-DE" sz="5400" u="sng" dirty="0" smtClean="0">
+                <a:ln w="10160">
+                  <a:solidFill>
+                    <a:schemeClr val="accent1"/>
+                  </a:solidFill>
+                  <a:prstDash val="solid"/>
+                </a:ln>
+                <a:solidFill>
+                  <a:srgbClr val="FFFFFF"/>
+                </a:solidFill>
+                <a:effectLst>
+                  <a:outerShdw blurRad="38100" dist="32000" dir="5400000" algn="tl">
+                    <a:srgbClr val="000000">
+                      <a:alpha val="30000"/>
+                    </a:srgbClr>
+                  </a:outerShdw>
+                </a:effectLst>
+              </a:rPr>
+              <a:t>Kollisionsabfrage</a:t>
+            </a:r>
+            <a:endParaRPr lang="de-DE" sz="5400" u="sng" dirty="0">
+              <a:ln w="10160">
+                <a:solidFill>
+                  <a:schemeClr val="accent1"/>
+                </a:solidFill>
+                <a:prstDash val="solid"/>
+              </a:ln>
+              <a:solidFill>
+                <a:srgbClr val="FFFFFF"/>
+              </a:solidFill>
+              <a:effectLst>
+                <a:outerShdw blurRad="38100" dist="32000" dir="5400000" algn="tl">
+                  <a:srgbClr val="000000">
+                    <a:alpha val="30000"/>
+                  </a:srgbClr>
+                </a:outerShdw>
+              </a:effectLst>
+            </a:endParaRPr>
+          </a:p>
+        </p:txBody>
+      </p:sp>
+      <p:sp>
+        <p:nvSpPr>
+          <p:cNvPr id="4" name="Textfeld 3"/>
+          <p:cNvSpPr txBox="1"/>
+          <p:nvPr/>
+        </p:nvSpPr>
+        <p:spPr>
+          <a:xfrm>
+            <a:off x="5404059" y="3332734"/>
+            <a:ext cx="944489" cy="369332"/>
+          </a:xfrm>
+          <a:prstGeom prst="rect">
+            <a:avLst/>
+          </a:prstGeom>
+          <a:noFill/>
+          <a:ln w="25400">
+            <a:solidFill>
+              <a:srgbClr val="C00000"/>
+            </a:solidFill>
+          </a:ln>
+        </p:spPr>
+        <p:txBody>
+          <a:bodyPr wrap="none" rtlCol="0">
+            <a:spAutoFit/>
+          </a:bodyPr>
+          <a:lstStyle/>
+          <a:p>
+            <a:r>
+              <a:rPr lang="de-DE" dirty="0" smtClean="0"/>
+              <a:t>300,200</a:t>
+            </a:r>
+            <a:endParaRPr lang="de-DE" dirty="0"/>
+          </a:p>
+        </p:txBody>
+      </p:sp>
+      <p:cxnSp>
+        <p:nvCxnSpPr>
+          <p:cNvPr id="20" name="Gerade Verbindung 19"/>
+          <p:cNvCxnSpPr/>
+          <p:nvPr/>
+        </p:nvCxnSpPr>
+        <p:spPr>
+          <a:xfrm>
+            <a:off x="2008602" y="1406679"/>
+            <a:ext cx="8872" cy="4566800"/>
+          </a:xfrm>
+          <a:prstGeom prst="line">
+            <a:avLst/>
+          </a:prstGeom>
+          <a:ln w="12700">
+            <a:solidFill>
+              <a:schemeClr val="tx1">
+                <a:alpha val="50000"/>
+              </a:schemeClr>
+            </a:solidFill>
+          </a:ln>
+        </p:spPr>
+        <p:style>
+          <a:lnRef idx="1">
+            <a:schemeClr val="accent1"/>
+          </a:lnRef>
+          <a:fillRef idx="0">
+            <a:schemeClr val="accent1"/>
+          </a:fillRef>
+          <a:effectRef idx="0">
+            <a:schemeClr val="accent1"/>
+          </a:effectRef>
+          <a:fontRef idx="minor">
+            <a:schemeClr val="tx1"/>
+          </a:fontRef>
+        </p:style>
+      </p:cxnSp>
+      <p:cxnSp>
+        <p:nvCxnSpPr>
+          <p:cNvPr id="26" name="Gerade Verbindung 25"/>
+          <p:cNvCxnSpPr/>
+          <p:nvPr/>
+        </p:nvCxnSpPr>
+        <p:spPr>
+          <a:xfrm>
+            <a:off x="3539160" y="1406679"/>
+            <a:ext cx="0" cy="4586439"/>
+          </a:xfrm>
+          <a:prstGeom prst="line">
+            <a:avLst/>
+          </a:prstGeom>
+          <a:ln w="12700">
+            <a:solidFill>
+              <a:schemeClr val="tx1">
+                <a:alpha val="50000"/>
+              </a:schemeClr>
+            </a:solidFill>
+          </a:ln>
+        </p:spPr>
+        <p:style>
+          <a:lnRef idx="1">
+            <a:schemeClr val="accent1"/>
+          </a:lnRef>
+          <a:fillRef idx="0">
+            <a:schemeClr val="accent1"/>
+          </a:fillRef>
+          <a:effectRef idx="0">
+            <a:schemeClr val="accent1"/>
+          </a:effectRef>
+          <a:fontRef idx="minor">
+            <a:schemeClr val="tx1"/>
+          </a:fontRef>
+        </p:style>
+      </p:cxnSp>
+      <p:cxnSp>
+        <p:nvCxnSpPr>
+          <p:cNvPr id="27" name="Gerade Verbindung 26"/>
+          <p:cNvCxnSpPr/>
+          <p:nvPr/>
+        </p:nvCxnSpPr>
+        <p:spPr>
+          <a:xfrm flipH="1">
+            <a:off x="5088486" y="1406679"/>
+            <a:ext cx="22283" cy="4586439"/>
+          </a:xfrm>
+          <a:prstGeom prst="line">
+            <a:avLst/>
+          </a:prstGeom>
+          <a:ln w="12700">
+            <a:solidFill>
+              <a:schemeClr val="tx1">
+                <a:alpha val="50000"/>
+              </a:schemeClr>
+            </a:solidFill>
+          </a:ln>
+        </p:spPr>
+        <p:style>
+          <a:lnRef idx="1">
+            <a:schemeClr val="accent1"/>
+          </a:lnRef>
+          <a:fillRef idx="0">
+            <a:schemeClr val="accent1"/>
+          </a:fillRef>
+          <a:effectRef idx="0">
+            <a:schemeClr val="accent1"/>
+          </a:effectRef>
+          <a:fontRef idx="minor">
+            <a:schemeClr val="tx1"/>
+          </a:fontRef>
+        </p:style>
+      </p:cxnSp>
+      <p:cxnSp>
+        <p:nvCxnSpPr>
+          <p:cNvPr id="28" name="Gerade Verbindung 27"/>
+          <p:cNvCxnSpPr/>
+          <p:nvPr/>
+        </p:nvCxnSpPr>
+        <p:spPr>
+          <a:xfrm>
+            <a:off x="6641839" y="1406680"/>
+            <a:ext cx="16016" cy="4573871"/>
+          </a:xfrm>
+          <a:prstGeom prst="line">
+            <a:avLst/>
+          </a:prstGeom>
+          <a:ln w="12700">
+            <a:solidFill>
+              <a:schemeClr val="tx1">
+                <a:alpha val="50000"/>
+              </a:schemeClr>
+            </a:solidFill>
+          </a:ln>
+        </p:spPr>
+        <p:style>
+          <a:lnRef idx="1">
+            <a:schemeClr val="accent1"/>
+          </a:lnRef>
+          <a:fillRef idx="0">
+            <a:schemeClr val="accent1"/>
+          </a:fillRef>
+          <a:effectRef idx="0">
+            <a:schemeClr val="accent1"/>
+          </a:effectRef>
+          <a:fontRef idx="minor">
+            <a:schemeClr val="tx1"/>
+          </a:fontRef>
+        </p:style>
+      </p:cxnSp>
+      <p:cxnSp>
+        <p:nvCxnSpPr>
+          <p:cNvPr id="30" name="Gerade Verbindung 29"/>
+          <p:cNvCxnSpPr/>
+          <p:nvPr/>
+        </p:nvCxnSpPr>
+        <p:spPr>
+          <a:xfrm>
+            <a:off x="481968" y="4448669"/>
+            <a:ext cx="7711314" cy="13014"/>
+          </a:xfrm>
+          <a:prstGeom prst="line">
+            <a:avLst/>
+          </a:prstGeom>
+          <a:ln w="12700">
+            <a:solidFill>
+              <a:schemeClr val="tx1">
+                <a:alpha val="50000"/>
+              </a:schemeClr>
+            </a:solidFill>
+          </a:ln>
+        </p:spPr>
+        <p:style>
+          <a:lnRef idx="1">
+            <a:schemeClr val="accent1"/>
+          </a:lnRef>
+          <a:fillRef idx="0">
+            <a:schemeClr val="accent1"/>
+          </a:fillRef>
+          <a:effectRef idx="0">
+            <a:schemeClr val="accent1"/>
+          </a:effectRef>
+          <a:fontRef idx="minor">
+            <a:schemeClr val="tx1"/>
+          </a:fontRef>
+        </p:style>
+      </p:cxnSp>
+      <p:cxnSp>
+        <p:nvCxnSpPr>
+          <p:cNvPr id="33" name="Gerade Verbindung 32"/>
+          <p:cNvCxnSpPr/>
+          <p:nvPr/>
+        </p:nvCxnSpPr>
+        <p:spPr>
+          <a:xfrm>
+            <a:off x="495040" y="2933301"/>
+            <a:ext cx="7711314" cy="13014"/>
+          </a:xfrm>
+          <a:prstGeom prst="line">
+            <a:avLst/>
+          </a:prstGeom>
+          <a:ln w="12700">
+            <a:solidFill>
+              <a:schemeClr val="tx1">
+                <a:alpha val="50000"/>
+              </a:schemeClr>
+            </a:solidFill>
+          </a:ln>
+        </p:spPr>
+        <p:style>
+          <a:lnRef idx="1">
+            <a:schemeClr val="accent1"/>
+          </a:lnRef>
+          <a:fillRef idx="0">
+            <a:schemeClr val="accent1"/>
+          </a:fillRef>
+          <a:effectRef idx="0">
+            <a:schemeClr val="accent1"/>
+          </a:effectRef>
+          <a:fontRef idx="minor">
+            <a:schemeClr val="tx1"/>
+          </a:fontRef>
+        </p:style>
+      </p:cxnSp>
       <p:pic>
         <p:nvPicPr>
-          <p:cNvPr id="2051" name="Picture 3"/>
+          <p:cNvPr id="2053" name="Picture 5" descr="Z:\EclipseWorkspace\seproject42\src\images\player_normal.gif"/>
           <p:cNvPicPr>
             <a:picLocks noChangeAspect="1" noChangeArrowheads="1"/>
           </p:cNvPicPr>
@@ -4615,15 +6384,6 @@
         <p:blipFill>
           <a:blip r:embed="rId3">
             <a:extLst>
-              <a:ext uri="{BEBA8EAE-BF5A-486C-A8C5-ECC9F3942E4B}">
-                <a14:imgProps xmlns:a14="http://schemas.microsoft.com/office/drawing/2010/main">
-                  <a14:imgLayer r:embed="rId4">
-                    <a14:imgEffect>
-                      <a14:backgroundRemoval t="0" b="100000" l="0" r="100000"/>
-                    </a14:imgEffect>
-                  </a14:imgLayer>
-                </a14:imgProps>
-              </a:ext>
               <a:ext uri="{28A0092B-C50C-407E-A947-70E740481C1C}">
                 <a14:useLocalDpi xmlns:a14="http://schemas.microsoft.com/office/drawing/2010/main" val="0"/>
               </a:ext>
@@ -4636,47 +6396,845 @@
         </p:blipFill>
         <p:spPr bwMode="auto">
           <a:xfrm>
-            <a:off x="3059832" y="2262187"/>
-            <a:ext cx="762000" cy="1571625"/>
+            <a:off x="3570698" y="2939808"/>
+            <a:ext cx="1503296" cy="3006592"/>
           </a:xfrm>
           <a:prstGeom prst="rect">
             <a:avLst/>
           </a:prstGeom>
           <a:noFill/>
-          <a:ln>
-            <a:noFill/>
+          <a:ln w="63500">
+            <a:solidFill>
+              <a:srgbClr val="7030A0"/>
+            </a:solidFill>
           </a:ln>
-          <a:effectLst/>
           <a:extLst>
             <a:ext uri="{909E8E84-426E-40DD-AFC4-6F175D3DCCD1}">
               <a14:hiddenFill xmlns:a14="http://schemas.microsoft.com/office/drawing/2010/main">
                 <a:solidFill>
-                  <a:schemeClr val="accent1"/>
+                  <a:srgbClr val="FFFFFF"/>
                 </a:solidFill>
               </a14:hiddenFill>
-            </a:ext>
-            <a:ext uri="{91240B29-F687-4F45-9708-019B960494DF}">
-              <a14:hiddenLine xmlns:a14="http://schemas.microsoft.com/office/drawing/2010/main" w="9525">
-                <a:solidFill>
-                  <a:schemeClr val="tx1"/>
-                </a:solidFill>
-                <a:miter lim="800000"/>
-                <a:headEnd/>
-                <a:tailEnd/>
-              </a14:hiddenLine>
-            </a:ext>
-            <a:ext uri="{AF507438-7753-43E0-B8FC-AC1667EBCBE1}">
-              <a14:hiddenEffects xmlns:a14="http://schemas.microsoft.com/office/drawing/2010/main">
-                <a:effectLst>
-                  <a:outerShdw dist="35921" dir="2700000" algn="ctr" rotWithShape="0">
-                    <a:schemeClr val="bg2"/>
-                  </a:outerShdw>
-                </a:effectLst>
-              </a14:hiddenEffects>
             </a:ext>
           </a:extLst>
         </p:spPr>
       </p:pic>
+      <p:cxnSp>
+        <p:nvCxnSpPr>
+          <p:cNvPr id="39" name="Gerade Verbindung mit Pfeil 38"/>
+          <p:cNvCxnSpPr>
+            <a:stCxn id="4" idx="2"/>
+          </p:cNvCxnSpPr>
+          <p:nvPr/>
+        </p:nvCxnSpPr>
+        <p:spPr>
+          <a:xfrm flipH="1">
+            <a:off x="5110773" y="3702066"/>
+            <a:ext cx="765531" cy="753110"/>
+          </a:xfrm>
+          <a:prstGeom prst="straightConnector1">
+            <a:avLst/>
+          </a:prstGeom>
+          <a:ln w="12700">
+            <a:solidFill>
+              <a:srgbClr val="FF0000"/>
+            </a:solidFill>
+            <a:tailEnd type="triangle" w="lg" len="lg"/>
+          </a:ln>
+        </p:spPr>
+        <p:style>
+          <a:lnRef idx="1">
+            <a:schemeClr val="accent1"/>
+          </a:lnRef>
+          <a:fillRef idx="0">
+            <a:schemeClr val="accent1"/>
+          </a:fillRef>
+          <a:effectRef idx="0">
+            <a:schemeClr val="accent1"/>
+          </a:effectRef>
+          <a:fontRef idx="minor">
+            <a:schemeClr val="tx1"/>
+          </a:fontRef>
+        </p:style>
+      </p:cxnSp>
+      <p:cxnSp>
+        <p:nvCxnSpPr>
+          <p:cNvPr id="47" name="Gerade Verbindung mit Pfeil 46"/>
+          <p:cNvCxnSpPr/>
+          <p:nvPr/>
+        </p:nvCxnSpPr>
+        <p:spPr>
+          <a:xfrm flipH="1">
+            <a:off x="3539160" y="2177029"/>
+            <a:ext cx="765534" cy="753110"/>
+          </a:xfrm>
+          <a:prstGeom prst="straightConnector1">
+            <a:avLst/>
+          </a:prstGeom>
+          <a:ln w="12700">
+            <a:solidFill>
+              <a:srgbClr val="FF0000"/>
+            </a:solidFill>
+            <a:tailEnd type="triangle" w="lg" len="lg"/>
+          </a:ln>
+        </p:spPr>
+        <p:style>
+          <a:lnRef idx="1">
+            <a:schemeClr val="accent1"/>
+          </a:lnRef>
+          <a:fillRef idx="0">
+            <a:schemeClr val="accent1"/>
+          </a:fillRef>
+          <a:effectRef idx="0">
+            <a:schemeClr val="accent1"/>
+          </a:effectRef>
+          <a:fontRef idx="minor">
+            <a:schemeClr val="tx1"/>
+          </a:fontRef>
+        </p:style>
+      </p:cxnSp>
+      <p:sp>
+        <p:nvSpPr>
+          <p:cNvPr id="48" name="Textfeld 47"/>
+          <p:cNvSpPr txBox="1"/>
+          <p:nvPr/>
+        </p:nvSpPr>
+        <p:spPr>
+          <a:xfrm>
+            <a:off x="3850101" y="1807697"/>
+            <a:ext cx="944489" cy="369332"/>
+          </a:xfrm>
+          <a:prstGeom prst="rect">
+            <a:avLst/>
+          </a:prstGeom>
+          <a:noFill/>
+          <a:ln w="25400">
+            <a:solidFill>
+              <a:srgbClr val="C00000"/>
+            </a:solidFill>
+          </a:ln>
+        </p:spPr>
+        <p:txBody>
+          <a:bodyPr wrap="none" rtlCol="0">
+            <a:spAutoFit/>
+          </a:bodyPr>
+          <a:lstStyle/>
+          <a:p>
+            <a:r>
+              <a:rPr lang="de-DE" dirty="0" smtClean="0"/>
+              <a:t>100,100</a:t>
+            </a:r>
+            <a:endParaRPr lang="de-DE" dirty="0"/>
+          </a:p>
+        </p:txBody>
+      </p:sp>
+      <p:cxnSp>
+        <p:nvCxnSpPr>
+          <p:cNvPr id="44" name="Gerade Verbindung mit Pfeil 43"/>
+          <p:cNvCxnSpPr/>
+          <p:nvPr/>
+        </p:nvCxnSpPr>
+        <p:spPr>
+          <a:xfrm>
+            <a:off x="7822154" y="1406679"/>
+            <a:ext cx="720080" cy="0"/>
+          </a:xfrm>
+          <a:prstGeom prst="straightConnector1">
+            <a:avLst/>
+          </a:prstGeom>
+          <a:ln w="50800">
+            <a:solidFill>
+              <a:schemeClr val="tx1"/>
+            </a:solidFill>
+            <a:tailEnd type="arrow"/>
+          </a:ln>
+        </p:spPr>
+        <p:style>
+          <a:lnRef idx="1">
+            <a:schemeClr val="accent1"/>
+          </a:lnRef>
+          <a:fillRef idx="0">
+            <a:schemeClr val="accent1"/>
+          </a:fillRef>
+          <a:effectRef idx="0">
+            <a:schemeClr val="accent1"/>
+          </a:effectRef>
+          <a:fontRef idx="minor">
+            <a:schemeClr val="tx1"/>
+          </a:fontRef>
+        </p:style>
+      </p:cxnSp>
+      <p:sp>
+        <p:nvSpPr>
+          <p:cNvPr id="45" name="Textfeld 44"/>
+          <p:cNvSpPr txBox="1"/>
+          <p:nvPr/>
+        </p:nvSpPr>
+        <p:spPr>
+          <a:xfrm>
+            <a:off x="8532440" y="1052736"/>
+            <a:ext cx="466794" cy="707886"/>
+          </a:xfrm>
+          <a:prstGeom prst="rect">
+            <a:avLst/>
+          </a:prstGeom>
+          <a:noFill/>
+        </p:spPr>
+        <p:txBody>
+          <a:bodyPr wrap="none" rtlCol="0">
+            <a:spAutoFit/>
+          </a:bodyPr>
+          <a:lstStyle/>
+          <a:p>
+            <a:r>
+              <a:rPr lang="de-DE" sz="4000" b="1" dirty="0" smtClean="0"/>
+              <a:t>X</a:t>
+            </a:r>
+            <a:endParaRPr lang="de-DE" sz="4000" b="1" dirty="0"/>
+          </a:p>
+        </p:txBody>
+      </p:sp>
+      <p:cxnSp>
+        <p:nvCxnSpPr>
+          <p:cNvPr id="52" name="Gerade Verbindung mit Pfeil 51"/>
+          <p:cNvCxnSpPr/>
+          <p:nvPr/>
+        </p:nvCxnSpPr>
+        <p:spPr>
+          <a:xfrm>
+            <a:off x="467544" y="5782019"/>
+            <a:ext cx="0" cy="504056"/>
+          </a:xfrm>
+          <a:prstGeom prst="straightConnector1">
+            <a:avLst/>
+          </a:prstGeom>
+          <a:ln w="50800">
+            <a:solidFill>
+              <a:schemeClr val="tx1"/>
+            </a:solidFill>
+            <a:tailEnd type="arrow"/>
+          </a:ln>
+        </p:spPr>
+        <p:style>
+          <a:lnRef idx="1">
+            <a:schemeClr val="accent1"/>
+          </a:lnRef>
+          <a:fillRef idx="0">
+            <a:schemeClr val="accent1"/>
+          </a:fillRef>
+          <a:effectRef idx="0">
+            <a:schemeClr val="accent1"/>
+          </a:effectRef>
+          <a:fontRef idx="minor">
+            <a:schemeClr val="tx1"/>
+          </a:fontRef>
+        </p:style>
+      </p:cxnSp>
+      <p:sp>
+        <p:nvSpPr>
+          <p:cNvPr id="54" name="Textfeld 53"/>
+          <p:cNvSpPr txBox="1"/>
+          <p:nvPr/>
+        </p:nvSpPr>
+        <p:spPr>
+          <a:xfrm>
+            <a:off x="247254" y="6165304"/>
+            <a:ext cx="450764" cy="707886"/>
+          </a:xfrm>
+          <a:prstGeom prst="rect">
+            <a:avLst/>
+          </a:prstGeom>
+          <a:noFill/>
+        </p:spPr>
+        <p:txBody>
+          <a:bodyPr wrap="none" rtlCol="0">
+            <a:spAutoFit/>
+          </a:bodyPr>
+          <a:lstStyle/>
+          <a:p>
+            <a:r>
+              <a:rPr lang="de-DE" sz="4000" b="1" dirty="0"/>
+              <a:t>Y</a:t>
+            </a:r>
+            <a:endParaRPr lang="de-DE" sz="4000" b="1" dirty="0"/>
+          </a:p>
+        </p:txBody>
+      </p:sp>
+      <p:sp>
+        <p:nvSpPr>
+          <p:cNvPr id="55" name="Textfeld 54"/>
+          <p:cNvSpPr txBox="1"/>
+          <p:nvPr/>
+        </p:nvSpPr>
+        <p:spPr>
+          <a:xfrm>
+            <a:off x="564466" y="454606"/>
+            <a:ext cx="476412" cy="369332"/>
+          </a:xfrm>
+          <a:prstGeom prst="rect">
+            <a:avLst/>
+          </a:prstGeom>
+          <a:noFill/>
+          <a:ln w="25400">
+            <a:solidFill>
+              <a:srgbClr val="C00000"/>
+            </a:solidFill>
+          </a:ln>
+        </p:spPr>
+        <p:txBody>
+          <a:bodyPr wrap="none" rtlCol="0">
+            <a:spAutoFit/>
+          </a:bodyPr>
+          <a:lstStyle/>
+          <a:p>
+            <a:r>
+              <a:rPr lang="de-DE" dirty="0" smtClean="0"/>
+              <a:t>0,0</a:t>
+            </a:r>
+            <a:endParaRPr lang="de-DE" dirty="0"/>
+          </a:p>
+        </p:txBody>
+      </p:sp>
+      <p:cxnSp>
+        <p:nvCxnSpPr>
+          <p:cNvPr id="56" name="Gerade Verbindung mit Pfeil 55"/>
+          <p:cNvCxnSpPr>
+            <a:stCxn id="55" idx="2"/>
+          </p:cNvCxnSpPr>
+          <p:nvPr/>
+        </p:nvCxnSpPr>
+        <p:spPr>
+          <a:xfrm flipH="1">
+            <a:off x="467544" y="823938"/>
+            <a:ext cx="335128" cy="582741"/>
+          </a:xfrm>
+          <a:prstGeom prst="straightConnector1">
+            <a:avLst/>
+          </a:prstGeom>
+          <a:ln w="12700">
+            <a:solidFill>
+              <a:srgbClr val="FF0000"/>
+            </a:solidFill>
+            <a:tailEnd type="triangle" w="lg" len="lg"/>
+          </a:ln>
+        </p:spPr>
+        <p:style>
+          <a:lnRef idx="1">
+            <a:schemeClr val="accent1"/>
+          </a:lnRef>
+          <a:fillRef idx="0">
+            <a:schemeClr val="accent1"/>
+          </a:fillRef>
+          <a:effectRef idx="0">
+            <a:schemeClr val="accent1"/>
+          </a:effectRef>
+          <a:fontRef idx="minor">
+            <a:schemeClr val="tx1"/>
+          </a:fontRef>
+        </p:style>
+      </p:cxnSp>
+      <p:sp>
+        <p:nvSpPr>
+          <p:cNvPr id="51" name="Multiplizieren 50"/>
+          <p:cNvSpPr/>
+          <p:nvPr/>
+        </p:nvSpPr>
+        <p:spPr>
+          <a:xfrm>
+            <a:off x="2146588" y="1636969"/>
+            <a:ext cx="1152128" cy="1152128"/>
+          </a:xfrm>
+          <a:prstGeom prst="mathMultiply">
+            <a:avLst>
+              <a:gd name="adj1" fmla="val 17687"/>
+            </a:avLst>
+          </a:prstGeom>
+          <a:solidFill>
+            <a:srgbClr val="7030A0"/>
+          </a:solidFill>
+          <a:ln>
+            <a:solidFill>
+              <a:schemeClr val="tx1"/>
+            </a:solidFill>
+          </a:ln>
+        </p:spPr>
+        <p:style>
+          <a:lnRef idx="2">
+            <a:schemeClr val="accent1">
+              <a:shade val="50000"/>
+            </a:schemeClr>
+          </a:lnRef>
+          <a:fillRef idx="1">
+            <a:schemeClr val="accent1"/>
+          </a:fillRef>
+          <a:effectRef idx="0">
+            <a:schemeClr val="accent1"/>
+          </a:effectRef>
+          <a:fontRef idx="minor">
+            <a:schemeClr val="lt1"/>
+          </a:fontRef>
+        </p:style>
+        <p:txBody>
+          <a:bodyPr rtlCol="0" anchor="ctr"/>
+          <a:lstStyle/>
+          <a:p>
+            <a:pPr algn="ctr"/>
+            <a:endParaRPr lang="de-DE"/>
+          </a:p>
+        </p:txBody>
+      </p:sp>
+      <p:sp>
+        <p:nvSpPr>
+          <p:cNvPr id="61" name="Multiplizieren 60"/>
+          <p:cNvSpPr/>
+          <p:nvPr/>
+        </p:nvSpPr>
+        <p:spPr>
+          <a:xfrm>
+            <a:off x="2146588" y="3126002"/>
+            <a:ext cx="1152128" cy="1152128"/>
+          </a:xfrm>
+          <a:prstGeom prst="mathMultiply">
+            <a:avLst>
+              <a:gd name="adj1" fmla="val 17687"/>
+            </a:avLst>
+          </a:prstGeom>
+          <a:solidFill>
+            <a:srgbClr val="7030A0"/>
+          </a:solidFill>
+          <a:ln>
+            <a:solidFill>
+              <a:schemeClr val="tx1"/>
+            </a:solidFill>
+          </a:ln>
+        </p:spPr>
+        <p:style>
+          <a:lnRef idx="2">
+            <a:schemeClr val="accent1">
+              <a:shade val="50000"/>
+            </a:schemeClr>
+          </a:lnRef>
+          <a:fillRef idx="1">
+            <a:schemeClr val="accent1"/>
+          </a:fillRef>
+          <a:effectRef idx="0">
+            <a:schemeClr val="accent1"/>
+          </a:effectRef>
+          <a:fontRef idx="minor">
+            <a:schemeClr val="lt1"/>
+          </a:fontRef>
+        </p:style>
+        <p:txBody>
+          <a:bodyPr rtlCol="0" anchor="ctr"/>
+          <a:lstStyle/>
+          <a:p>
+            <a:pPr algn="ctr"/>
+            <a:endParaRPr lang="de-DE"/>
+          </a:p>
+        </p:txBody>
+      </p:sp>
+      <p:sp>
+        <p:nvSpPr>
+          <p:cNvPr id="62" name="Multiplizieren 61"/>
+          <p:cNvSpPr/>
+          <p:nvPr/>
+        </p:nvSpPr>
+        <p:spPr>
+          <a:xfrm>
+            <a:off x="2156520" y="4641331"/>
+            <a:ext cx="1152128" cy="1152128"/>
+          </a:xfrm>
+          <a:prstGeom prst="mathMultiply">
+            <a:avLst>
+              <a:gd name="adj1" fmla="val 17687"/>
+            </a:avLst>
+          </a:prstGeom>
+          <a:solidFill>
+            <a:srgbClr val="7030A0"/>
+          </a:solidFill>
+          <a:ln>
+            <a:solidFill>
+              <a:schemeClr val="tx1"/>
+            </a:solidFill>
+          </a:ln>
+        </p:spPr>
+        <p:style>
+          <a:lnRef idx="2">
+            <a:schemeClr val="accent1">
+              <a:shade val="50000"/>
+            </a:schemeClr>
+          </a:lnRef>
+          <a:fillRef idx="1">
+            <a:schemeClr val="accent1"/>
+          </a:fillRef>
+          <a:effectRef idx="0">
+            <a:schemeClr val="accent1"/>
+          </a:effectRef>
+          <a:fontRef idx="minor">
+            <a:schemeClr val="lt1"/>
+          </a:fontRef>
+        </p:style>
+        <p:txBody>
+          <a:bodyPr rtlCol="0" anchor="ctr"/>
+          <a:lstStyle/>
+          <a:p>
+            <a:pPr algn="ctr"/>
+            <a:endParaRPr lang="de-DE"/>
+          </a:p>
+        </p:txBody>
+      </p:sp>
+      <p:sp>
+        <p:nvSpPr>
+          <p:cNvPr id="63" name="Multiplizieren 62"/>
+          <p:cNvSpPr/>
+          <p:nvPr/>
+        </p:nvSpPr>
+        <p:spPr>
+          <a:xfrm>
+            <a:off x="3728630" y="1636969"/>
+            <a:ext cx="1152128" cy="1152128"/>
+          </a:xfrm>
+          <a:prstGeom prst="mathMultiply">
+            <a:avLst>
+              <a:gd name="adj1" fmla="val 17687"/>
+            </a:avLst>
+          </a:prstGeom>
+          <a:solidFill>
+            <a:srgbClr val="7030A0"/>
+          </a:solidFill>
+          <a:ln>
+            <a:solidFill>
+              <a:schemeClr val="tx1"/>
+            </a:solidFill>
+          </a:ln>
+        </p:spPr>
+        <p:style>
+          <a:lnRef idx="2">
+            <a:schemeClr val="accent1">
+              <a:shade val="50000"/>
+            </a:schemeClr>
+          </a:lnRef>
+          <a:fillRef idx="1">
+            <a:schemeClr val="accent1"/>
+          </a:fillRef>
+          <a:effectRef idx="0">
+            <a:schemeClr val="accent1"/>
+          </a:effectRef>
+          <a:fontRef idx="minor">
+            <a:schemeClr val="lt1"/>
+          </a:fontRef>
+        </p:style>
+        <p:txBody>
+          <a:bodyPr rtlCol="0" anchor="ctr"/>
+          <a:lstStyle/>
+          <a:p>
+            <a:pPr algn="ctr"/>
+            <a:endParaRPr lang="de-DE"/>
+          </a:p>
+        </p:txBody>
+      </p:sp>
+      <p:sp>
+        <p:nvSpPr>
+          <p:cNvPr id="64" name="Multiplizieren 63"/>
+          <p:cNvSpPr/>
+          <p:nvPr/>
+        </p:nvSpPr>
+        <p:spPr>
+          <a:xfrm>
+            <a:off x="5300240" y="1636969"/>
+            <a:ext cx="1152128" cy="1152128"/>
+          </a:xfrm>
+          <a:prstGeom prst="mathMultiply">
+            <a:avLst>
+              <a:gd name="adj1" fmla="val 17687"/>
+            </a:avLst>
+          </a:prstGeom>
+          <a:solidFill>
+            <a:srgbClr val="7030A0"/>
+          </a:solidFill>
+          <a:ln>
+            <a:solidFill>
+              <a:schemeClr val="tx1"/>
+            </a:solidFill>
+          </a:ln>
+        </p:spPr>
+        <p:style>
+          <a:lnRef idx="2">
+            <a:schemeClr val="accent1">
+              <a:shade val="50000"/>
+            </a:schemeClr>
+          </a:lnRef>
+          <a:fillRef idx="1">
+            <a:schemeClr val="accent1"/>
+          </a:fillRef>
+          <a:effectRef idx="0">
+            <a:schemeClr val="accent1"/>
+          </a:effectRef>
+          <a:fontRef idx="minor">
+            <a:schemeClr val="lt1"/>
+          </a:fontRef>
+        </p:style>
+        <p:txBody>
+          <a:bodyPr rtlCol="0" anchor="ctr"/>
+          <a:lstStyle/>
+          <a:p>
+            <a:pPr algn="ctr"/>
+            <a:endParaRPr lang="de-DE"/>
+          </a:p>
+        </p:txBody>
+      </p:sp>
+      <p:sp>
+        <p:nvSpPr>
+          <p:cNvPr id="65" name="Multiplizieren 64"/>
+          <p:cNvSpPr/>
+          <p:nvPr/>
+        </p:nvSpPr>
+        <p:spPr>
+          <a:xfrm>
+            <a:off x="5300240" y="3126002"/>
+            <a:ext cx="1152128" cy="1152128"/>
+          </a:xfrm>
+          <a:prstGeom prst="mathMultiply">
+            <a:avLst>
+              <a:gd name="adj1" fmla="val 17687"/>
+            </a:avLst>
+          </a:prstGeom>
+          <a:solidFill>
+            <a:srgbClr val="7030A0"/>
+          </a:solidFill>
+          <a:ln>
+            <a:solidFill>
+              <a:schemeClr val="tx1"/>
+            </a:solidFill>
+          </a:ln>
+        </p:spPr>
+        <p:style>
+          <a:lnRef idx="2">
+            <a:schemeClr val="accent1">
+              <a:shade val="50000"/>
+            </a:schemeClr>
+          </a:lnRef>
+          <a:fillRef idx="1">
+            <a:schemeClr val="accent1"/>
+          </a:fillRef>
+          <a:effectRef idx="0">
+            <a:schemeClr val="accent1"/>
+          </a:effectRef>
+          <a:fontRef idx="minor">
+            <a:schemeClr val="lt1"/>
+          </a:fontRef>
+        </p:style>
+        <p:txBody>
+          <a:bodyPr rtlCol="0" anchor="ctr"/>
+          <a:lstStyle/>
+          <a:p>
+            <a:pPr algn="ctr"/>
+            <a:endParaRPr lang="de-DE"/>
+          </a:p>
+        </p:txBody>
+      </p:sp>
+      <p:sp>
+        <p:nvSpPr>
+          <p:cNvPr id="66" name="Multiplizieren 65"/>
+          <p:cNvSpPr/>
+          <p:nvPr/>
+        </p:nvSpPr>
+        <p:spPr>
+          <a:xfrm>
+            <a:off x="5300240" y="4641331"/>
+            <a:ext cx="1152128" cy="1152128"/>
+          </a:xfrm>
+          <a:prstGeom prst="mathMultiply">
+            <a:avLst>
+              <a:gd name="adj1" fmla="val 17687"/>
+            </a:avLst>
+          </a:prstGeom>
+          <a:solidFill>
+            <a:srgbClr val="7030A0"/>
+          </a:solidFill>
+          <a:ln>
+            <a:solidFill>
+              <a:schemeClr val="tx1"/>
+            </a:solidFill>
+          </a:ln>
+        </p:spPr>
+        <p:style>
+          <a:lnRef idx="2">
+            <a:schemeClr val="accent1">
+              <a:shade val="50000"/>
+            </a:schemeClr>
+          </a:lnRef>
+          <a:fillRef idx="1">
+            <a:schemeClr val="accent1"/>
+          </a:fillRef>
+          <a:effectRef idx="0">
+            <a:schemeClr val="accent1"/>
+          </a:effectRef>
+          <a:fontRef idx="minor">
+            <a:schemeClr val="lt1"/>
+          </a:fontRef>
+        </p:style>
+        <p:txBody>
+          <a:bodyPr rtlCol="0" anchor="ctr"/>
+          <a:lstStyle/>
+          <a:p>
+            <a:pPr algn="ctr"/>
+            <a:endParaRPr lang="de-DE"/>
+          </a:p>
+        </p:txBody>
+      </p:sp>
+      <p:sp>
+        <p:nvSpPr>
+          <p:cNvPr id="68" name="Multiplizieren 67"/>
+          <p:cNvSpPr/>
+          <p:nvPr/>
+        </p:nvSpPr>
+        <p:spPr>
+          <a:xfrm>
+            <a:off x="4572000" y="3867040"/>
+            <a:ext cx="1152128" cy="1152128"/>
+          </a:xfrm>
+          <a:prstGeom prst="mathMultiply">
+            <a:avLst>
+              <a:gd name="adj1" fmla="val 17687"/>
+            </a:avLst>
+          </a:prstGeom>
+          <a:solidFill>
+            <a:srgbClr val="FF0000"/>
+          </a:solidFill>
+          <a:ln>
+            <a:solidFill>
+              <a:schemeClr val="tx1"/>
+            </a:solidFill>
+          </a:ln>
+        </p:spPr>
+        <p:style>
+          <a:lnRef idx="2">
+            <a:schemeClr val="accent1">
+              <a:shade val="50000"/>
+            </a:schemeClr>
+          </a:lnRef>
+          <a:fillRef idx="1">
+            <a:schemeClr val="accent1"/>
+          </a:fillRef>
+          <a:effectRef idx="0">
+            <a:schemeClr val="accent1"/>
+          </a:effectRef>
+          <a:fontRef idx="minor">
+            <a:schemeClr val="lt1"/>
+          </a:fontRef>
+        </p:style>
+        <p:txBody>
+          <a:bodyPr rtlCol="0" anchor="ctr"/>
+          <a:lstStyle/>
+          <a:p>
+            <a:pPr algn="ctr"/>
+            <a:endParaRPr lang="de-DE"/>
+          </a:p>
+        </p:txBody>
+      </p:sp>
+      <p:sp>
+        <p:nvSpPr>
+          <p:cNvPr id="53" name="L-Form 52"/>
+          <p:cNvSpPr/>
+          <p:nvPr/>
+        </p:nvSpPr>
+        <p:spPr>
+          <a:xfrm rot="2084586" flipH="1">
+            <a:off x="2474873" y="2869359"/>
+            <a:ext cx="659747" cy="1208540"/>
+          </a:xfrm>
+          <a:prstGeom prst="corner">
+            <a:avLst>
+              <a:gd name="adj1" fmla="val 36495"/>
+              <a:gd name="adj2" fmla="val 32735"/>
+            </a:avLst>
+          </a:prstGeom>
+          <a:solidFill>
+            <a:srgbClr val="00B050"/>
+          </a:solidFill>
+          <a:ln>
+            <a:solidFill>
+              <a:schemeClr val="tx1"/>
+            </a:solidFill>
+          </a:ln>
+        </p:spPr>
+        <p:style>
+          <a:lnRef idx="2">
+            <a:schemeClr val="accent1">
+              <a:shade val="50000"/>
+            </a:schemeClr>
+          </a:lnRef>
+          <a:fillRef idx="1">
+            <a:schemeClr val="accent1"/>
+          </a:fillRef>
+          <a:effectRef idx="0">
+            <a:schemeClr val="accent1"/>
+          </a:effectRef>
+          <a:fontRef idx="minor">
+            <a:schemeClr val="lt1"/>
+          </a:fontRef>
+        </p:style>
+        <p:txBody>
+          <a:bodyPr rtlCol="0" anchor="ctr"/>
+          <a:lstStyle/>
+          <a:p>
+            <a:pPr algn="ctr"/>
+            <a:endParaRPr lang="de-DE"/>
+          </a:p>
+        </p:txBody>
+      </p:sp>
+      <p:sp>
+        <p:nvSpPr>
+          <p:cNvPr id="70" name="L-Form 69"/>
+          <p:cNvSpPr/>
+          <p:nvPr/>
+        </p:nvSpPr>
+        <p:spPr>
+          <a:xfrm rot="2084586" flipH="1">
+            <a:off x="2455793" y="4471101"/>
+            <a:ext cx="659747" cy="1208540"/>
+          </a:xfrm>
+          <a:prstGeom prst="corner">
+            <a:avLst>
+              <a:gd name="adj1" fmla="val 36495"/>
+              <a:gd name="adj2" fmla="val 32735"/>
+            </a:avLst>
+          </a:prstGeom>
+          <a:solidFill>
+            <a:srgbClr val="00B050"/>
+          </a:solidFill>
+          <a:ln>
+            <a:solidFill>
+              <a:schemeClr val="tx1"/>
+            </a:solidFill>
+          </a:ln>
+        </p:spPr>
+        <p:style>
+          <a:lnRef idx="2">
+            <a:schemeClr val="accent1">
+              <a:shade val="50000"/>
+            </a:schemeClr>
+          </a:lnRef>
+          <a:fillRef idx="1">
+            <a:schemeClr val="accent1"/>
+          </a:fillRef>
+          <a:effectRef idx="0">
+            <a:schemeClr val="accent1"/>
+          </a:effectRef>
+          <a:fontRef idx="minor">
+            <a:schemeClr val="lt1"/>
+          </a:fontRef>
+        </p:style>
+        <p:txBody>
+          <a:bodyPr rtlCol="0" anchor="ctr"/>
+          <a:lstStyle/>
+          <a:p>
+            <a:pPr algn="ctr"/>
+            <a:endParaRPr lang="de-DE"/>
+          </a:p>
+        </p:txBody>
+      </p:sp>
     </p:spTree>
     <p:extLst>
       <p:ext uri="{BB962C8B-B14F-4D97-AF65-F5344CB8AC3E}">
@@ -4690,9 +7248,916 @@
   <p:timing>
     <p:tnLst>
       <p:par>
-        <p:cTn id="1" dur="indefinite" restart="never" nodeType="tmRoot"/>
+        <p:cTn id="1" dur="indefinite" restart="never" nodeType="tmRoot">
+          <p:childTnLst>
+            <p:seq concurrent="1" nextAc="seek">
+              <p:cTn id="2" dur="indefinite" nodeType="mainSeq">
+                <p:childTnLst>
+                  <p:par>
+                    <p:cTn id="3" fill="hold">
+                      <p:stCondLst>
+                        <p:cond delay="indefinite"/>
+                      </p:stCondLst>
+                      <p:childTnLst>
+                        <p:par>
+                          <p:cTn id="4" fill="hold">
+                            <p:stCondLst>
+                              <p:cond delay="0"/>
+                            </p:stCondLst>
+                            <p:childTnLst>
+                              <p:par>
+                                <p:cTn id="5" presetID="1" presetClass="entr" presetSubtype="0" fill="hold" grpId="0" nodeType="clickEffect">
+                                  <p:stCondLst>
+                                    <p:cond delay="0"/>
+                                  </p:stCondLst>
+                                  <p:childTnLst>
+                                    <p:set>
+                                      <p:cBhvr>
+                                        <p:cTn id="6" dur="1" fill="hold">
+                                          <p:stCondLst>
+                                            <p:cond delay="0"/>
+                                          </p:stCondLst>
+                                        </p:cTn>
+                                        <p:tgtEl>
+                                          <p:spTgt spid="51"/>
+                                        </p:tgtEl>
+                                        <p:attrNameLst>
+                                          <p:attrName>style.visibility</p:attrName>
+                                        </p:attrNameLst>
+                                      </p:cBhvr>
+                                      <p:to>
+                                        <p:strVal val="visible"/>
+                                      </p:to>
+                                    </p:set>
+                                  </p:childTnLst>
+                                </p:cTn>
+                              </p:par>
+                              <p:par>
+                                <p:cTn id="7" presetID="1" presetClass="entr" presetSubtype="0" fill="hold" grpId="0" nodeType="withEffect">
+                                  <p:stCondLst>
+                                    <p:cond delay="0"/>
+                                  </p:stCondLst>
+                                  <p:childTnLst>
+                                    <p:set>
+                                      <p:cBhvr>
+                                        <p:cTn id="8" dur="1" fill="hold">
+                                          <p:stCondLst>
+                                            <p:cond delay="0"/>
+                                          </p:stCondLst>
+                                        </p:cTn>
+                                        <p:tgtEl>
+                                          <p:spTgt spid="61"/>
+                                        </p:tgtEl>
+                                        <p:attrNameLst>
+                                          <p:attrName>style.visibility</p:attrName>
+                                        </p:attrNameLst>
+                                      </p:cBhvr>
+                                      <p:to>
+                                        <p:strVal val="visible"/>
+                                      </p:to>
+                                    </p:set>
+                                  </p:childTnLst>
+                                </p:cTn>
+                              </p:par>
+                              <p:par>
+                                <p:cTn id="9" presetID="1" presetClass="entr" presetSubtype="0" fill="hold" grpId="0" nodeType="withEffect">
+                                  <p:stCondLst>
+                                    <p:cond delay="0"/>
+                                  </p:stCondLst>
+                                  <p:childTnLst>
+                                    <p:set>
+                                      <p:cBhvr>
+                                        <p:cTn id="10" dur="1" fill="hold">
+                                          <p:stCondLst>
+                                            <p:cond delay="0"/>
+                                          </p:stCondLst>
+                                        </p:cTn>
+                                        <p:tgtEl>
+                                          <p:spTgt spid="62"/>
+                                        </p:tgtEl>
+                                        <p:attrNameLst>
+                                          <p:attrName>style.visibility</p:attrName>
+                                        </p:attrNameLst>
+                                      </p:cBhvr>
+                                      <p:to>
+                                        <p:strVal val="visible"/>
+                                      </p:to>
+                                    </p:set>
+                                  </p:childTnLst>
+                                </p:cTn>
+                              </p:par>
+                              <p:par>
+                                <p:cTn id="11" presetID="1" presetClass="entr" presetSubtype="0" fill="hold" grpId="0" nodeType="withEffect">
+                                  <p:stCondLst>
+                                    <p:cond delay="0"/>
+                                  </p:stCondLst>
+                                  <p:childTnLst>
+                                    <p:set>
+                                      <p:cBhvr>
+                                        <p:cTn id="12" dur="1" fill="hold">
+                                          <p:stCondLst>
+                                            <p:cond delay="0"/>
+                                          </p:stCondLst>
+                                        </p:cTn>
+                                        <p:tgtEl>
+                                          <p:spTgt spid="63"/>
+                                        </p:tgtEl>
+                                        <p:attrNameLst>
+                                          <p:attrName>style.visibility</p:attrName>
+                                        </p:attrNameLst>
+                                      </p:cBhvr>
+                                      <p:to>
+                                        <p:strVal val="visible"/>
+                                      </p:to>
+                                    </p:set>
+                                  </p:childTnLst>
+                                </p:cTn>
+                              </p:par>
+                              <p:par>
+                                <p:cTn id="13" presetID="1" presetClass="entr" presetSubtype="0" fill="hold" grpId="0" nodeType="withEffect">
+                                  <p:stCondLst>
+                                    <p:cond delay="0"/>
+                                  </p:stCondLst>
+                                  <p:childTnLst>
+                                    <p:set>
+                                      <p:cBhvr>
+                                        <p:cTn id="14" dur="1" fill="hold">
+                                          <p:stCondLst>
+                                            <p:cond delay="0"/>
+                                          </p:stCondLst>
+                                        </p:cTn>
+                                        <p:tgtEl>
+                                          <p:spTgt spid="64"/>
+                                        </p:tgtEl>
+                                        <p:attrNameLst>
+                                          <p:attrName>style.visibility</p:attrName>
+                                        </p:attrNameLst>
+                                      </p:cBhvr>
+                                      <p:to>
+                                        <p:strVal val="visible"/>
+                                      </p:to>
+                                    </p:set>
+                                  </p:childTnLst>
+                                </p:cTn>
+                              </p:par>
+                              <p:par>
+                                <p:cTn id="15" presetID="1" presetClass="entr" presetSubtype="0" fill="hold" grpId="0" nodeType="withEffect">
+                                  <p:stCondLst>
+                                    <p:cond delay="0"/>
+                                  </p:stCondLst>
+                                  <p:childTnLst>
+                                    <p:set>
+                                      <p:cBhvr>
+                                        <p:cTn id="16" dur="1" fill="hold">
+                                          <p:stCondLst>
+                                            <p:cond delay="0"/>
+                                          </p:stCondLst>
+                                        </p:cTn>
+                                        <p:tgtEl>
+                                          <p:spTgt spid="65"/>
+                                        </p:tgtEl>
+                                        <p:attrNameLst>
+                                          <p:attrName>style.visibility</p:attrName>
+                                        </p:attrNameLst>
+                                      </p:cBhvr>
+                                      <p:to>
+                                        <p:strVal val="visible"/>
+                                      </p:to>
+                                    </p:set>
+                                  </p:childTnLst>
+                                </p:cTn>
+                              </p:par>
+                              <p:par>
+                                <p:cTn id="17" presetID="1" presetClass="entr" presetSubtype="0" fill="hold" grpId="0" nodeType="withEffect">
+                                  <p:stCondLst>
+                                    <p:cond delay="0"/>
+                                  </p:stCondLst>
+                                  <p:childTnLst>
+                                    <p:set>
+                                      <p:cBhvr>
+                                        <p:cTn id="18" dur="1" fill="hold">
+                                          <p:stCondLst>
+                                            <p:cond delay="0"/>
+                                          </p:stCondLst>
+                                        </p:cTn>
+                                        <p:tgtEl>
+                                          <p:spTgt spid="66"/>
+                                        </p:tgtEl>
+                                        <p:attrNameLst>
+                                          <p:attrName>style.visibility</p:attrName>
+                                        </p:attrNameLst>
+                                      </p:cBhvr>
+                                      <p:to>
+                                        <p:strVal val="visible"/>
+                                      </p:to>
+                                    </p:set>
+                                  </p:childTnLst>
+                                </p:cTn>
+                              </p:par>
+                            </p:childTnLst>
+                          </p:cTn>
+                        </p:par>
+                      </p:childTnLst>
+                    </p:cTn>
+                  </p:par>
+                  <p:par>
+                    <p:cTn id="19" fill="hold">
+                      <p:stCondLst>
+                        <p:cond delay="indefinite"/>
+                      </p:stCondLst>
+                      <p:childTnLst>
+                        <p:par>
+                          <p:cTn id="20" fill="hold">
+                            <p:stCondLst>
+                              <p:cond delay="0"/>
+                            </p:stCondLst>
+                            <p:childTnLst>
+                              <p:par>
+                                <p:cTn id="21" presetID="42" presetClass="path" presetSubtype="0" accel="50000" decel="50000" fill="hold" nodeType="clickEffect">
+                                  <p:stCondLst>
+                                    <p:cond delay="0"/>
+                                  </p:stCondLst>
+                                  <p:childTnLst>
+                                    <p:animMotion origin="layout" path="M 5.55556E-7 3.33333E-6 L -0.03559 -0.00093 " pathEditMode="relative" rAng="0" ptsTypes="AA">
+                                      <p:cBhvr>
+                                        <p:cTn id="22" dur="2000" fill="hold"/>
+                                        <p:tgtEl>
+                                          <p:spTgt spid="2053"/>
+                                        </p:tgtEl>
+                                        <p:attrNameLst>
+                                          <p:attrName>ppt_x</p:attrName>
+                                          <p:attrName>ppt_y</p:attrName>
+                                        </p:attrNameLst>
+                                      </p:cBhvr>
+                                      <p:rCtr x="-1788" y="-46"/>
+                                    </p:animMotion>
+                                  </p:childTnLst>
+                                </p:cTn>
+                              </p:par>
+                            </p:childTnLst>
+                          </p:cTn>
+                        </p:par>
+                        <p:par>
+                          <p:cTn id="23" fill="hold">
+                            <p:stCondLst>
+                              <p:cond delay="2000"/>
+                            </p:stCondLst>
+                            <p:childTnLst>
+                              <p:par>
+                                <p:cTn id="24" presetID="53" presetClass="entr" presetSubtype="16" fill="hold" grpId="0" nodeType="afterEffect">
+                                  <p:stCondLst>
+                                    <p:cond delay="0"/>
+                                  </p:stCondLst>
+                                  <p:childTnLst>
+                                    <p:set>
+                                      <p:cBhvr>
+                                        <p:cTn id="25" dur="1" fill="hold">
+                                          <p:stCondLst>
+                                            <p:cond delay="0"/>
+                                          </p:stCondLst>
+                                        </p:cTn>
+                                        <p:tgtEl>
+                                          <p:spTgt spid="53"/>
+                                        </p:tgtEl>
+                                        <p:attrNameLst>
+                                          <p:attrName>style.visibility</p:attrName>
+                                        </p:attrNameLst>
+                                      </p:cBhvr>
+                                      <p:to>
+                                        <p:strVal val="visible"/>
+                                      </p:to>
+                                    </p:set>
+                                    <p:anim calcmode="lin" valueType="num">
+                                      <p:cBhvr>
+                                        <p:cTn id="26" dur="500" fill="hold"/>
+                                        <p:tgtEl>
+                                          <p:spTgt spid="53"/>
+                                        </p:tgtEl>
+                                        <p:attrNameLst>
+                                          <p:attrName>ppt_w</p:attrName>
+                                        </p:attrNameLst>
+                                      </p:cBhvr>
+                                      <p:tavLst>
+                                        <p:tav tm="0">
+                                          <p:val>
+                                            <p:fltVal val="0"/>
+                                          </p:val>
+                                        </p:tav>
+                                        <p:tav tm="100000">
+                                          <p:val>
+                                            <p:strVal val="#ppt_w"/>
+                                          </p:val>
+                                        </p:tav>
+                                      </p:tavLst>
+                                    </p:anim>
+                                    <p:anim calcmode="lin" valueType="num">
+                                      <p:cBhvr>
+                                        <p:cTn id="27" dur="500" fill="hold"/>
+                                        <p:tgtEl>
+                                          <p:spTgt spid="53"/>
+                                        </p:tgtEl>
+                                        <p:attrNameLst>
+                                          <p:attrName>ppt_h</p:attrName>
+                                        </p:attrNameLst>
+                                      </p:cBhvr>
+                                      <p:tavLst>
+                                        <p:tav tm="0">
+                                          <p:val>
+                                            <p:fltVal val="0"/>
+                                          </p:val>
+                                        </p:tav>
+                                        <p:tav tm="100000">
+                                          <p:val>
+                                            <p:strVal val="#ppt_h"/>
+                                          </p:val>
+                                        </p:tav>
+                                      </p:tavLst>
+                                    </p:anim>
+                                    <p:animEffect transition="in" filter="fade">
+                                      <p:cBhvr>
+                                        <p:cTn id="28" dur="500"/>
+                                        <p:tgtEl>
+                                          <p:spTgt spid="53"/>
+                                        </p:tgtEl>
+                                      </p:cBhvr>
+                                    </p:animEffect>
+                                  </p:childTnLst>
+                                </p:cTn>
+                              </p:par>
+                              <p:par>
+                                <p:cTn id="29" presetID="53" presetClass="entr" presetSubtype="16" fill="hold" grpId="0" nodeType="withEffect">
+                                  <p:stCondLst>
+                                    <p:cond delay="0"/>
+                                  </p:stCondLst>
+                                  <p:childTnLst>
+                                    <p:set>
+                                      <p:cBhvr>
+                                        <p:cTn id="30" dur="1" fill="hold">
+                                          <p:stCondLst>
+                                            <p:cond delay="0"/>
+                                          </p:stCondLst>
+                                        </p:cTn>
+                                        <p:tgtEl>
+                                          <p:spTgt spid="70"/>
+                                        </p:tgtEl>
+                                        <p:attrNameLst>
+                                          <p:attrName>style.visibility</p:attrName>
+                                        </p:attrNameLst>
+                                      </p:cBhvr>
+                                      <p:to>
+                                        <p:strVal val="visible"/>
+                                      </p:to>
+                                    </p:set>
+                                    <p:anim calcmode="lin" valueType="num">
+                                      <p:cBhvr>
+                                        <p:cTn id="31" dur="500" fill="hold"/>
+                                        <p:tgtEl>
+                                          <p:spTgt spid="70"/>
+                                        </p:tgtEl>
+                                        <p:attrNameLst>
+                                          <p:attrName>ppt_w</p:attrName>
+                                        </p:attrNameLst>
+                                      </p:cBhvr>
+                                      <p:tavLst>
+                                        <p:tav tm="0">
+                                          <p:val>
+                                            <p:fltVal val="0"/>
+                                          </p:val>
+                                        </p:tav>
+                                        <p:tav tm="100000">
+                                          <p:val>
+                                            <p:strVal val="#ppt_w"/>
+                                          </p:val>
+                                        </p:tav>
+                                      </p:tavLst>
+                                    </p:anim>
+                                    <p:anim calcmode="lin" valueType="num">
+                                      <p:cBhvr>
+                                        <p:cTn id="32" dur="500" fill="hold"/>
+                                        <p:tgtEl>
+                                          <p:spTgt spid="70"/>
+                                        </p:tgtEl>
+                                        <p:attrNameLst>
+                                          <p:attrName>ppt_h</p:attrName>
+                                        </p:attrNameLst>
+                                      </p:cBhvr>
+                                      <p:tavLst>
+                                        <p:tav tm="0">
+                                          <p:val>
+                                            <p:fltVal val="0"/>
+                                          </p:val>
+                                        </p:tav>
+                                        <p:tav tm="100000">
+                                          <p:val>
+                                            <p:strVal val="#ppt_h"/>
+                                          </p:val>
+                                        </p:tav>
+                                      </p:tavLst>
+                                    </p:anim>
+                                    <p:animEffect transition="in" filter="fade">
+                                      <p:cBhvr>
+                                        <p:cTn id="33" dur="500"/>
+                                        <p:tgtEl>
+                                          <p:spTgt spid="70"/>
+                                        </p:tgtEl>
+                                      </p:cBhvr>
+                                    </p:animEffect>
+                                  </p:childTnLst>
+                                </p:cTn>
+                              </p:par>
+                              <p:par>
+                                <p:cTn id="34" presetID="10" presetClass="exit" presetSubtype="0" fill="hold" grpId="1" nodeType="withEffect">
+                                  <p:stCondLst>
+                                    <p:cond delay="0"/>
+                                  </p:stCondLst>
+                                  <p:childTnLst>
+                                    <p:animEffect transition="out" filter="fade">
+                                      <p:cBhvr>
+                                        <p:cTn id="35" dur="500"/>
+                                        <p:tgtEl>
+                                          <p:spTgt spid="51"/>
+                                        </p:tgtEl>
+                                      </p:cBhvr>
+                                    </p:animEffect>
+                                    <p:set>
+                                      <p:cBhvr>
+                                        <p:cTn id="36" dur="1" fill="hold">
+                                          <p:stCondLst>
+                                            <p:cond delay="499"/>
+                                          </p:stCondLst>
+                                        </p:cTn>
+                                        <p:tgtEl>
+                                          <p:spTgt spid="51"/>
+                                        </p:tgtEl>
+                                        <p:attrNameLst>
+                                          <p:attrName>style.visibility</p:attrName>
+                                        </p:attrNameLst>
+                                      </p:cBhvr>
+                                      <p:to>
+                                        <p:strVal val="hidden"/>
+                                      </p:to>
+                                    </p:set>
+                                  </p:childTnLst>
+                                </p:cTn>
+                              </p:par>
+                              <p:par>
+                                <p:cTn id="37" presetID="10" presetClass="exit" presetSubtype="0" fill="hold" grpId="1" nodeType="withEffect">
+                                  <p:stCondLst>
+                                    <p:cond delay="0"/>
+                                  </p:stCondLst>
+                                  <p:childTnLst>
+                                    <p:animEffect transition="out" filter="fade">
+                                      <p:cBhvr>
+                                        <p:cTn id="38" dur="500"/>
+                                        <p:tgtEl>
+                                          <p:spTgt spid="61"/>
+                                        </p:tgtEl>
+                                      </p:cBhvr>
+                                    </p:animEffect>
+                                    <p:set>
+                                      <p:cBhvr>
+                                        <p:cTn id="39" dur="1" fill="hold">
+                                          <p:stCondLst>
+                                            <p:cond delay="499"/>
+                                          </p:stCondLst>
+                                        </p:cTn>
+                                        <p:tgtEl>
+                                          <p:spTgt spid="61"/>
+                                        </p:tgtEl>
+                                        <p:attrNameLst>
+                                          <p:attrName>style.visibility</p:attrName>
+                                        </p:attrNameLst>
+                                      </p:cBhvr>
+                                      <p:to>
+                                        <p:strVal val="hidden"/>
+                                      </p:to>
+                                    </p:set>
+                                  </p:childTnLst>
+                                </p:cTn>
+                              </p:par>
+                              <p:par>
+                                <p:cTn id="40" presetID="10" presetClass="exit" presetSubtype="0" fill="hold" grpId="1" nodeType="withEffect">
+                                  <p:stCondLst>
+                                    <p:cond delay="0"/>
+                                  </p:stCondLst>
+                                  <p:childTnLst>
+                                    <p:animEffect transition="out" filter="fade">
+                                      <p:cBhvr>
+                                        <p:cTn id="41" dur="500"/>
+                                        <p:tgtEl>
+                                          <p:spTgt spid="62"/>
+                                        </p:tgtEl>
+                                      </p:cBhvr>
+                                    </p:animEffect>
+                                    <p:set>
+                                      <p:cBhvr>
+                                        <p:cTn id="42" dur="1" fill="hold">
+                                          <p:stCondLst>
+                                            <p:cond delay="499"/>
+                                          </p:stCondLst>
+                                        </p:cTn>
+                                        <p:tgtEl>
+                                          <p:spTgt spid="62"/>
+                                        </p:tgtEl>
+                                        <p:attrNameLst>
+                                          <p:attrName>style.visibility</p:attrName>
+                                        </p:attrNameLst>
+                                      </p:cBhvr>
+                                      <p:to>
+                                        <p:strVal val="hidden"/>
+                                      </p:to>
+                                    </p:set>
+                                  </p:childTnLst>
+                                </p:cTn>
+                              </p:par>
+                              <p:par>
+                                <p:cTn id="43" presetID="10" presetClass="exit" presetSubtype="0" fill="hold" grpId="1" nodeType="withEffect">
+                                  <p:stCondLst>
+                                    <p:cond delay="0"/>
+                                  </p:stCondLst>
+                                  <p:childTnLst>
+                                    <p:animEffect transition="out" filter="fade">
+                                      <p:cBhvr>
+                                        <p:cTn id="44" dur="500"/>
+                                        <p:tgtEl>
+                                          <p:spTgt spid="63"/>
+                                        </p:tgtEl>
+                                      </p:cBhvr>
+                                    </p:animEffect>
+                                    <p:set>
+                                      <p:cBhvr>
+                                        <p:cTn id="45" dur="1" fill="hold">
+                                          <p:stCondLst>
+                                            <p:cond delay="499"/>
+                                          </p:stCondLst>
+                                        </p:cTn>
+                                        <p:tgtEl>
+                                          <p:spTgt spid="63"/>
+                                        </p:tgtEl>
+                                        <p:attrNameLst>
+                                          <p:attrName>style.visibility</p:attrName>
+                                        </p:attrNameLst>
+                                      </p:cBhvr>
+                                      <p:to>
+                                        <p:strVal val="hidden"/>
+                                      </p:to>
+                                    </p:set>
+                                  </p:childTnLst>
+                                </p:cTn>
+                              </p:par>
+                              <p:par>
+                                <p:cTn id="46" presetID="10" presetClass="exit" presetSubtype="0" fill="hold" grpId="1" nodeType="withEffect">
+                                  <p:stCondLst>
+                                    <p:cond delay="0"/>
+                                  </p:stCondLst>
+                                  <p:childTnLst>
+                                    <p:animEffect transition="out" filter="fade">
+                                      <p:cBhvr>
+                                        <p:cTn id="47" dur="500"/>
+                                        <p:tgtEl>
+                                          <p:spTgt spid="64"/>
+                                        </p:tgtEl>
+                                      </p:cBhvr>
+                                    </p:animEffect>
+                                    <p:set>
+                                      <p:cBhvr>
+                                        <p:cTn id="48" dur="1" fill="hold">
+                                          <p:stCondLst>
+                                            <p:cond delay="499"/>
+                                          </p:stCondLst>
+                                        </p:cTn>
+                                        <p:tgtEl>
+                                          <p:spTgt spid="64"/>
+                                        </p:tgtEl>
+                                        <p:attrNameLst>
+                                          <p:attrName>style.visibility</p:attrName>
+                                        </p:attrNameLst>
+                                      </p:cBhvr>
+                                      <p:to>
+                                        <p:strVal val="hidden"/>
+                                      </p:to>
+                                    </p:set>
+                                  </p:childTnLst>
+                                </p:cTn>
+                              </p:par>
+                              <p:par>
+                                <p:cTn id="49" presetID="10" presetClass="exit" presetSubtype="0" fill="hold" grpId="1" nodeType="withEffect">
+                                  <p:stCondLst>
+                                    <p:cond delay="0"/>
+                                  </p:stCondLst>
+                                  <p:childTnLst>
+                                    <p:animEffect transition="out" filter="fade">
+                                      <p:cBhvr>
+                                        <p:cTn id="50" dur="500"/>
+                                        <p:tgtEl>
+                                          <p:spTgt spid="65"/>
+                                        </p:tgtEl>
+                                      </p:cBhvr>
+                                    </p:animEffect>
+                                    <p:set>
+                                      <p:cBhvr>
+                                        <p:cTn id="51" dur="1" fill="hold">
+                                          <p:stCondLst>
+                                            <p:cond delay="499"/>
+                                          </p:stCondLst>
+                                        </p:cTn>
+                                        <p:tgtEl>
+                                          <p:spTgt spid="65"/>
+                                        </p:tgtEl>
+                                        <p:attrNameLst>
+                                          <p:attrName>style.visibility</p:attrName>
+                                        </p:attrNameLst>
+                                      </p:cBhvr>
+                                      <p:to>
+                                        <p:strVal val="hidden"/>
+                                      </p:to>
+                                    </p:set>
+                                  </p:childTnLst>
+                                </p:cTn>
+                              </p:par>
+                              <p:par>
+                                <p:cTn id="52" presetID="10" presetClass="exit" presetSubtype="0" fill="hold" grpId="1" nodeType="withEffect">
+                                  <p:stCondLst>
+                                    <p:cond delay="0"/>
+                                  </p:stCondLst>
+                                  <p:childTnLst>
+                                    <p:animEffect transition="out" filter="fade">
+                                      <p:cBhvr>
+                                        <p:cTn id="53" dur="500"/>
+                                        <p:tgtEl>
+                                          <p:spTgt spid="66"/>
+                                        </p:tgtEl>
+                                      </p:cBhvr>
+                                    </p:animEffect>
+                                    <p:set>
+                                      <p:cBhvr>
+                                        <p:cTn id="54" dur="1" fill="hold">
+                                          <p:stCondLst>
+                                            <p:cond delay="499"/>
+                                          </p:stCondLst>
+                                        </p:cTn>
+                                        <p:tgtEl>
+                                          <p:spTgt spid="66"/>
+                                        </p:tgtEl>
+                                        <p:attrNameLst>
+                                          <p:attrName>style.visibility</p:attrName>
+                                        </p:attrNameLst>
+                                      </p:cBhvr>
+                                      <p:to>
+                                        <p:strVal val="hidden"/>
+                                      </p:to>
+                                    </p:set>
+                                  </p:childTnLst>
+                                </p:cTn>
+                              </p:par>
+                            </p:childTnLst>
+                          </p:cTn>
+                        </p:par>
+                      </p:childTnLst>
+                    </p:cTn>
+                  </p:par>
+                  <p:par>
+                    <p:cTn id="55" fill="hold">
+                      <p:stCondLst>
+                        <p:cond delay="indefinite"/>
+                      </p:stCondLst>
+                      <p:childTnLst>
+                        <p:par>
+                          <p:cTn id="56" fill="hold">
+                            <p:stCondLst>
+                              <p:cond delay="0"/>
+                            </p:stCondLst>
+                            <p:childTnLst>
+                              <p:par>
+                                <p:cTn id="57" presetID="42" presetClass="path" presetSubtype="0" accel="50000" decel="50000" fill="hold" nodeType="clickEffect">
+                                  <p:stCondLst>
+                                    <p:cond delay="0"/>
+                                  </p:stCondLst>
+                                  <p:childTnLst>
+                                    <p:animMotion origin="layout" path="M -0.03559 -0.00093 L 0.03524 -0.00093 " pathEditMode="relative" rAng="0" ptsTypes="AA">
+                                      <p:cBhvr>
+                                        <p:cTn id="58" dur="2000" fill="hold"/>
+                                        <p:tgtEl>
+                                          <p:spTgt spid="2053"/>
+                                        </p:tgtEl>
+                                        <p:attrNameLst>
+                                          <p:attrName>ppt_x</p:attrName>
+                                          <p:attrName>ppt_y</p:attrName>
+                                        </p:attrNameLst>
+                                      </p:cBhvr>
+                                      <p:rCtr x="3542" y="0"/>
+                                    </p:animMotion>
+                                  </p:childTnLst>
+                                </p:cTn>
+                              </p:par>
+                              <p:par>
+                                <p:cTn id="59" presetID="10" presetClass="exit" presetSubtype="0" fill="hold" grpId="1" nodeType="withEffect">
+                                  <p:stCondLst>
+                                    <p:cond delay="0"/>
+                                  </p:stCondLst>
+                                  <p:childTnLst>
+                                    <p:animEffect transition="out" filter="fade">
+                                      <p:cBhvr>
+                                        <p:cTn id="60" dur="500"/>
+                                        <p:tgtEl>
+                                          <p:spTgt spid="53"/>
+                                        </p:tgtEl>
+                                      </p:cBhvr>
+                                    </p:animEffect>
+                                    <p:set>
+                                      <p:cBhvr>
+                                        <p:cTn id="61" dur="1" fill="hold">
+                                          <p:stCondLst>
+                                            <p:cond delay="499"/>
+                                          </p:stCondLst>
+                                        </p:cTn>
+                                        <p:tgtEl>
+                                          <p:spTgt spid="53"/>
+                                        </p:tgtEl>
+                                        <p:attrNameLst>
+                                          <p:attrName>style.visibility</p:attrName>
+                                        </p:attrNameLst>
+                                      </p:cBhvr>
+                                      <p:to>
+                                        <p:strVal val="hidden"/>
+                                      </p:to>
+                                    </p:set>
+                                  </p:childTnLst>
+                                </p:cTn>
+                              </p:par>
+                              <p:par>
+                                <p:cTn id="62" presetID="10" presetClass="exit" presetSubtype="0" fill="hold" grpId="1" nodeType="withEffect">
+                                  <p:stCondLst>
+                                    <p:cond delay="0"/>
+                                  </p:stCondLst>
+                                  <p:childTnLst>
+                                    <p:animEffect transition="out" filter="fade">
+                                      <p:cBhvr>
+                                        <p:cTn id="63" dur="500"/>
+                                        <p:tgtEl>
+                                          <p:spTgt spid="70"/>
+                                        </p:tgtEl>
+                                      </p:cBhvr>
+                                    </p:animEffect>
+                                    <p:set>
+                                      <p:cBhvr>
+                                        <p:cTn id="64" dur="1" fill="hold">
+                                          <p:stCondLst>
+                                            <p:cond delay="499"/>
+                                          </p:stCondLst>
+                                        </p:cTn>
+                                        <p:tgtEl>
+                                          <p:spTgt spid="70"/>
+                                        </p:tgtEl>
+                                        <p:attrNameLst>
+                                          <p:attrName>style.visibility</p:attrName>
+                                        </p:attrNameLst>
+                                      </p:cBhvr>
+                                      <p:to>
+                                        <p:strVal val="hidden"/>
+                                      </p:to>
+                                    </p:set>
+                                  </p:childTnLst>
+                                </p:cTn>
+                              </p:par>
+                            </p:childTnLst>
+                          </p:cTn>
+                        </p:par>
+                        <p:par>
+                          <p:cTn id="65" fill="hold">
+                            <p:stCondLst>
+                              <p:cond delay="2000"/>
+                            </p:stCondLst>
+                            <p:childTnLst>
+                              <p:par>
+                                <p:cTn id="66" presetID="53" presetClass="entr" presetSubtype="16" fill="hold" grpId="0" nodeType="afterEffect">
+                                  <p:stCondLst>
+                                    <p:cond delay="0"/>
+                                  </p:stCondLst>
+                                  <p:childTnLst>
+                                    <p:set>
+                                      <p:cBhvr>
+                                        <p:cTn id="67" dur="1" fill="hold">
+                                          <p:stCondLst>
+                                            <p:cond delay="0"/>
+                                          </p:stCondLst>
+                                        </p:cTn>
+                                        <p:tgtEl>
+                                          <p:spTgt spid="68"/>
+                                        </p:tgtEl>
+                                        <p:attrNameLst>
+                                          <p:attrName>style.visibility</p:attrName>
+                                        </p:attrNameLst>
+                                      </p:cBhvr>
+                                      <p:to>
+                                        <p:strVal val="visible"/>
+                                      </p:to>
+                                    </p:set>
+                                    <p:anim calcmode="lin" valueType="num">
+                                      <p:cBhvr>
+                                        <p:cTn id="68" dur="500" fill="hold"/>
+                                        <p:tgtEl>
+                                          <p:spTgt spid="68"/>
+                                        </p:tgtEl>
+                                        <p:attrNameLst>
+                                          <p:attrName>ppt_w</p:attrName>
+                                        </p:attrNameLst>
+                                      </p:cBhvr>
+                                      <p:tavLst>
+                                        <p:tav tm="0">
+                                          <p:val>
+                                            <p:fltVal val="0"/>
+                                          </p:val>
+                                        </p:tav>
+                                        <p:tav tm="100000">
+                                          <p:val>
+                                            <p:strVal val="#ppt_w"/>
+                                          </p:val>
+                                        </p:tav>
+                                      </p:tavLst>
+                                    </p:anim>
+                                    <p:anim calcmode="lin" valueType="num">
+                                      <p:cBhvr>
+                                        <p:cTn id="69" dur="500" fill="hold"/>
+                                        <p:tgtEl>
+                                          <p:spTgt spid="68"/>
+                                        </p:tgtEl>
+                                        <p:attrNameLst>
+                                          <p:attrName>ppt_h</p:attrName>
+                                        </p:attrNameLst>
+                                      </p:cBhvr>
+                                      <p:tavLst>
+                                        <p:tav tm="0">
+                                          <p:val>
+                                            <p:fltVal val="0"/>
+                                          </p:val>
+                                        </p:tav>
+                                        <p:tav tm="100000">
+                                          <p:val>
+                                            <p:strVal val="#ppt_h"/>
+                                          </p:val>
+                                        </p:tav>
+                                      </p:tavLst>
+                                    </p:anim>
+                                    <p:animEffect transition="in" filter="fade">
+                                      <p:cBhvr>
+                                        <p:cTn id="70" dur="500"/>
+                                        <p:tgtEl>
+                                          <p:spTgt spid="68"/>
+                                        </p:tgtEl>
+                                      </p:cBhvr>
+                                    </p:animEffect>
+                                  </p:childTnLst>
+                                </p:cTn>
+                              </p:par>
+                            </p:childTnLst>
+                          </p:cTn>
+                        </p:par>
+                      </p:childTnLst>
+                    </p:cTn>
+                  </p:par>
+                </p:childTnLst>
+              </p:cTn>
+              <p:prevCondLst>
+                <p:cond evt="onPrev" delay="0">
+                  <p:tgtEl>
+                    <p:sldTgt/>
+                  </p:tgtEl>
+                </p:cond>
+              </p:prevCondLst>
+              <p:nextCondLst>
+                <p:cond evt="onNext" delay="0">
+                  <p:tgtEl>
+                    <p:sldTgt/>
+                  </p:tgtEl>
+                </p:cond>
+              </p:nextCondLst>
+            </p:seq>
+          </p:childTnLst>
+        </p:cTn>
       </p:par>
     </p:tnLst>
+    <p:bldLst>
+      <p:bldP spid="51" grpId="0" animBg="1"/>
+      <p:bldP spid="51" grpId="1" animBg="1"/>
+      <p:bldP spid="61" grpId="0" animBg="1"/>
+      <p:bldP spid="61" grpId="1" animBg="1"/>
+      <p:bldP spid="62" grpId="0" animBg="1"/>
+      <p:bldP spid="62" grpId="1" animBg="1"/>
+      <p:bldP spid="63" grpId="0" animBg="1"/>
+      <p:bldP spid="63" grpId="1" animBg="1"/>
+      <p:bldP spid="64" grpId="0" animBg="1"/>
+      <p:bldP spid="64" grpId="1" animBg="1"/>
+      <p:bldP spid="65" grpId="0" animBg="1"/>
+      <p:bldP spid="65" grpId="1" animBg="1"/>
+      <p:bldP spid="66" grpId="0" animBg="1"/>
+      <p:bldP spid="66" grpId="1" animBg="1"/>
+      <p:bldP spid="68" grpId="0" animBg="1"/>
+      <p:bldP spid="53" grpId="0" animBg="1"/>
+      <p:bldP spid="53" grpId="1" animBg="1"/>
+      <p:bldP spid="70" grpId="0" animBg="1"/>
+      <p:bldP spid="70" grpId="1" animBg="1"/>
+    </p:bldLst>
   </p:timing>
 </p:sld>
 </file>
@@ -4980,4 +8445,289 @@
   <a:objectDefaults/>
   <a:extraClrSchemeLst/>
 </a:theme>
+</file>
+
+<file path=ppt/theme/theme2.xml><?xml version="1.0" encoding="utf-8"?>
+<a:theme xmlns:a="http://schemas.openxmlformats.org/drawingml/2006/main" name="Larissa">
+  <a:themeElements>
+    <a:clrScheme name="Larissa">
+      <a:dk1>
+        <a:sysClr val="windowText" lastClr="000000"/>
+      </a:dk1>
+      <a:lt1>
+        <a:sysClr val="window" lastClr="FFFFFF"/>
+      </a:lt1>
+      <a:dk2>
+        <a:srgbClr val="1F497D"/>
+      </a:dk2>
+      <a:lt2>
+        <a:srgbClr val="EEECE1"/>
+      </a:lt2>
+      <a:accent1>
+        <a:srgbClr val="4F81BD"/>
+      </a:accent1>
+      <a:accent2>
+        <a:srgbClr val="C0504D"/>
+      </a:accent2>
+      <a:accent3>
+        <a:srgbClr val="9BBB59"/>
+      </a:accent3>
+      <a:accent4>
+        <a:srgbClr val="8064A2"/>
+      </a:accent4>
+      <a:accent5>
+        <a:srgbClr val="4BACC6"/>
+      </a:accent5>
+      <a:accent6>
+        <a:srgbClr val="F79646"/>
+      </a:accent6>
+      <a:hlink>
+        <a:srgbClr val="0000FF"/>
+      </a:hlink>
+      <a:folHlink>
+        <a:srgbClr val="800080"/>
+      </a:folHlink>
+    </a:clrScheme>
+    <a:fontScheme name="Larissa">
+      <a:majorFont>
+        <a:latin typeface="Calibri"/>
+        <a:ea typeface=""/>
+        <a:cs typeface=""/>
+        <a:font script="Jpan" typeface="ＭＳ Ｐゴシック"/>
+        <a:font script="Hang" typeface="맑은 고딕"/>
+        <a:font script="Hans" typeface="宋体"/>
+        <a:font script="Hant" typeface="新細明體"/>
+        <a:font script="Arab" typeface="Times New Roman"/>
+        <a:font script="Hebr" typeface="Times New Roman"/>
+        <a:font script="Thai" typeface="Angsana New"/>
+        <a:font script="Ethi" typeface="Nyala"/>
+        <a:font script="Beng" typeface="Vrinda"/>
+        <a:font script="Gujr" typeface="Shruti"/>
+        <a:font script="Khmr" typeface="MoolBoran"/>
+        <a:font script="Knda" typeface="Tunga"/>
+        <a:font script="Guru" typeface="Raavi"/>
+        <a:font script="Cans" typeface="Euphemia"/>
+        <a:font script="Cher" typeface="Plantagenet Cherokee"/>
+        <a:font script="Yiii" typeface="Microsoft Yi Baiti"/>
+        <a:font script="Tibt" typeface="Microsoft Himalaya"/>
+        <a:font script="Thaa" typeface="MV Boli"/>
+        <a:font script="Deva" typeface="Mangal"/>
+        <a:font script="Telu" typeface="Gautami"/>
+        <a:font script="Taml" typeface="Latha"/>
+        <a:font script="Syrc" typeface="Estrangelo Edessa"/>
+        <a:font script="Orya" typeface="Kalinga"/>
+        <a:font script="Mlym" typeface="Kartika"/>
+        <a:font script="Laoo" typeface="DokChampa"/>
+        <a:font script="Sinh" typeface="Iskoola Pota"/>
+        <a:font script="Mong" typeface="Mongolian Baiti"/>
+        <a:font script="Viet" typeface="Times New Roman"/>
+        <a:font script="Uigh" typeface="Microsoft Uighur"/>
+        <a:font script="Geor" typeface="Sylfaen"/>
+      </a:majorFont>
+      <a:minorFont>
+        <a:latin typeface="Calibri"/>
+        <a:ea typeface=""/>
+        <a:cs typeface=""/>
+        <a:font script="Jpan" typeface="ＭＳ Ｐゴシック"/>
+        <a:font script="Hang" typeface="맑은 고딕"/>
+        <a:font script="Hans" typeface="宋体"/>
+        <a:font script="Hant" typeface="新細明體"/>
+        <a:font script="Arab" typeface="Arial"/>
+        <a:font script="Hebr" typeface="Arial"/>
+        <a:font script="Thai" typeface="Cordia New"/>
+        <a:font script="Ethi" typeface="Nyala"/>
+        <a:font script="Beng" typeface="Vrinda"/>
+        <a:font script="Gujr" typeface="Shruti"/>
+        <a:font script="Khmr" typeface="DaunPenh"/>
+        <a:font script="Knda" typeface="Tunga"/>
+        <a:font script="Guru" typeface="Raavi"/>
+        <a:font script="Cans" typeface="Euphemia"/>
+        <a:font script="Cher" typeface="Plantagenet Cherokee"/>
+        <a:font script="Yiii" typeface="Microsoft Yi Baiti"/>
+        <a:font script="Tibt" typeface="Microsoft Himalaya"/>
+        <a:font script="Thaa" typeface="MV Boli"/>
+        <a:font script="Deva" typeface="Mangal"/>
+        <a:font script="Telu" typeface="Gautami"/>
+        <a:font script="Taml" typeface="Latha"/>
+        <a:font script="Syrc" typeface="Estrangelo Edessa"/>
+        <a:font script="Orya" typeface="Kalinga"/>
+        <a:font script="Mlym" typeface="Kartika"/>
+        <a:font script="Laoo" typeface="DokChampa"/>
+        <a:font script="Sinh" typeface="Iskoola Pota"/>
+        <a:font script="Mong" typeface="Mongolian Baiti"/>
+        <a:font script="Viet" typeface="Arial"/>
+        <a:font script="Uigh" typeface="Microsoft Uighur"/>
+        <a:font script="Geor" typeface="Sylfaen"/>
+      </a:minorFont>
+    </a:fontScheme>
+    <a:fmtScheme name="Larissa">
+      <a:fillStyleLst>
+        <a:solidFill>
+          <a:schemeClr val="phClr"/>
+        </a:solidFill>
+        <a:gradFill rotWithShape="1">
+          <a:gsLst>
+            <a:gs pos="0">
+              <a:schemeClr val="phClr">
+                <a:tint val="50000"/>
+                <a:satMod val="300000"/>
+              </a:schemeClr>
+            </a:gs>
+            <a:gs pos="35000">
+              <a:schemeClr val="phClr">
+                <a:tint val="37000"/>
+                <a:satMod val="300000"/>
+              </a:schemeClr>
+            </a:gs>
+            <a:gs pos="100000">
+              <a:schemeClr val="phClr">
+                <a:tint val="15000"/>
+                <a:satMod val="350000"/>
+              </a:schemeClr>
+            </a:gs>
+          </a:gsLst>
+          <a:lin ang="16200000" scaled="1"/>
+        </a:gradFill>
+        <a:gradFill rotWithShape="1">
+          <a:gsLst>
+            <a:gs pos="0">
+              <a:schemeClr val="phClr">
+                <a:shade val="51000"/>
+                <a:satMod val="130000"/>
+              </a:schemeClr>
+            </a:gs>
+            <a:gs pos="80000">
+              <a:schemeClr val="phClr">
+                <a:shade val="93000"/>
+                <a:satMod val="130000"/>
+              </a:schemeClr>
+            </a:gs>
+            <a:gs pos="100000">
+              <a:schemeClr val="phClr">
+                <a:shade val="94000"/>
+                <a:satMod val="135000"/>
+              </a:schemeClr>
+            </a:gs>
+          </a:gsLst>
+          <a:lin ang="16200000" scaled="0"/>
+        </a:gradFill>
+      </a:fillStyleLst>
+      <a:lnStyleLst>
+        <a:ln w="9525" cap="flat" cmpd="sng" algn="ctr">
+          <a:solidFill>
+            <a:schemeClr val="phClr">
+              <a:shade val="95000"/>
+              <a:satMod val="105000"/>
+            </a:schemeClr>
+          </a:solidFill>
+          <a:prstDash val="solid"/>
+        </a:ln>
+        <a:ln w="25400" cap="flat" cmpd="sng" algn="ctr">
+          <a:solidFill>
+            <a:schemeClr val="phClr"/>
+          </a:solidFill>
+          <a:prstDash val="solid"/>
+        </a:ln>
+        <a:ln w="38100" cap="flat" cmpd="sng" algn="ctr">
+          <a:solidFill>
+            <a:schemeClr val="phClr"/>
+          </a:solidFill>
+          <a:prstDash val="solid"/>
+        </a:ln>
+      </a:lnStyleLst>
+      <a:effectStyleLst>
+        <a:effectStyle>
+          <a:effectLst>
+            <a:outerShdw blurRad="40000" dist="20000" dir="5400000" rotWithShape="0">
+              <a:srgbClr val="000000">
+                <a:alpha val="38000"/>
+              </a:srgbClr>
+            </a:outerShdw>
+          </a:effectLst>
+        </a:effectStyle>
+        <a:effectStyle>
+          <a:effectLst>
+            <a:outerShdw blurRad="40000" dist="23000" dir="5400000" rotWithShape="0">
+              <a:srgbClr val="000000">
+                <a:alpha val="35000"/>
+              </a:srgbClr>
+            </a:outerShdw>
+          </a:effectLst>
+        </a:effectStyle>
+        <a:effectStyle>
+          <a:effectLst>
+            <a:outerShdw blurRad="40000" dist="23000" dir="5400000" rotWithShape="0">
+              <a:srgbClr val="000000">
+                <a:alpha val="35000"/>
+              </a:srgbClr>
+            </a:outerShdw>
+          </a:effectLst>
+          <a:scene3d>
+            <a:camera prst="orthographicFront">
+              <a:rot lat="0" lon="0" rev="0"/>
+            </a:camera>
+            <a:lightRig rig="threePt" dir="t">
+              <a:rot lat="0" lon="0" rev="1200000"/>
+            </a:lightRig>
+          </a:scene3d>
+          <a:sp3d>
+            <a:bevelT w="63500" h="25400"/>
+          </a:sp3d>
+        </a:effectStyle>
+      </a:effectStyleLst>
+      <a:bgFillStyleLst>
+        <a:solidFill>
+          <a:schemeClr val="phClr"/>
+        </a:solidFill>
+        <a:gradFill rotWithShape="1">
+          <a:gsLst>
+            <a:gs pos="0">
+              <a:schemeClr val="phClr">
+                <a:tint val="40000"/>
+                <a:satMod val="350000"/>
+              </a:schemeClr>
+            </a:gs>
+            <a:gs pos="40000">
+              <a:schemeClr val="phClr">
+                <a:tint val="45000"/>
+                <a:shade val="99000"/>
+                <a:satMod val="350000"/>
+              </a:schemeClr>
+            </a:gs>
+            <a:gs pos="100000">
+              <a:schemeClr val="phClr">
+                <a:shade val="20000"/>
+                <a:satMod val="255000"/>
+              </a:schemeClr>
+            </a:gs>
+          </a:gsLst>
+          <a:path path="circle">
+            <a:fillToRect l="50000" t="-80000" r="50000" b="180000"/>
+          </a:path>
+        </a:gradFill>
+        <a:gradFill rotWithShape="1">
+          <a:gsLst>
+            <a:gs pos="0">
+              <a:schemeClr val="phClr">
+                <a:tint val="80000"/>
+                <a:satMod val="300000"/>
+              </a:schemeClr>
+            </a:gs>
+            <a:gs pos="100000">
+              <a:schemeClr val="phClr">
+                <a:shade val="30000"/>
+                <a:satMod val="200000"/>
+              </a:schemeClr>
+            </a:gs>
+          </a:gsLst>
+          <a:path path="circle">
+            <a:fillToRect l="50000" t="50000" r="50000" b="50000"/>
+          </a:path>
+        </a:gradFill>
+      </a:bgFillStyleLst>
+    </a:fmtScheme>
+  </a:themeElements>
+  <a:objectDefaults/>
+  <a:extraClrSchemeLst/>
+</a:theme>
 </file>
--- a/seproject42.pptx
+++ b/seproject42.pptx
@@ -5,12 +5,16 @@
     <p:sldMasterId id="2147483648" r:id="rId1"/>
   </p:sldMasterIdLst>
   <p:notesMasterIdLst>
-    <p:notesMasterId r:id="rId5"/>
+    <p:notesMasterId r:id="rId9"/>
   </p:notesMasterIdLst>
   <p:sldIdLst>
     <p:sldId id="256" r:id="rId2"/>
-    <p:sldId id="257" r:id="rId3"/>
-    <p:sldId id="258" r:id="rId4"/>
+    <p:sldId id="260" r:id="rId3"/>
+    <p:sldId id="259" r:id="rId4"/>
+    <p:sldId id="257" r:id="rId5"/>
+    <p:sldId id="258" r:id="rId6"/>
+    <p:sldId id="261" r:id="rId7"/>
+    <p:sldId id="262" r:id="rId8"/>
   </p:sldIdLst>
   <p:sldSz cx="9144000" cy="6858000" type="screen4x3"/>
   <p:notesSz cx="6858000" cy="9144000"/>
@@ -194,7 +198,8 @@
           <a:p>
             <a:fld id="{2A001671-BA1F-4E1E-89EA-F12675486C4E}" type="datetimeFigureOut">
               <a:rPr lang="de-DE" smtClean="0"/>
-              <a:t>11.01.2013</a:t>
+              <a:pPr/>
+              <a:t>12.01.2013</a:t>
             </a:fld>
             <a:endParaRPr lang="de-DE"/>
           </a:p>
@@ -353,6 +358,7 @@
           <a:p>
             <a:fld id="{1C28A30A-1E0A-462E-816C-2AF5CA524041}" type="slidenum">
               <a:rPr lang="de-DE" smtClean="0"/>
+              <a:pPr/>
               <a:t>‹Nr.›</a:t>
             </a:fld>
             <a:endParaRPr lang="de-DE"/>
@@ -643,7 +649,8 @@
           <a:p>
             <a:fld id="{DAA301C1-10A7-4C2C-BCA8-A8D8BF75E69B}" type="datetimeFigureOut">
               <a:rPr lang="de-DE" smtClean="0"/>
-              <a:t>11.01.2013</a:t>
+              <a:pPr/>
+              <a:t>12.01.2013</a:t>
             </a:fld>
             <a:endParaRPr lang="de-DE"/>
           </a:p>
@@ -685,6 +692,7 @@
           <a:p>
             <a:fld id="{B5A3BF4F-EFE5-466B-91F9-1BD7632125FD}" type="slidenum">
               <a:rPr lang="de-DE" smtClean="0"/>
+              <a:pPr/>
               <a:t>‹Nr.›</a:t>
             </a:fld>
             <a:endParaRPr lang="de-DE"/>
@@ -813,7 +821,8 @@
           <a:p>
             <a:fld id="{DAA301C1-10A7-4C2C-BCA8-A8D8BF75E69B}" type="datetimeFigureOut">
               <a:rPr lang="de-DE" smtClean="0"/>
-              <a:t>11.01.2013</a:t>
+              <a:pPr/>
+              <a:t>12.01.2013</a:t>
             </a:fld>
             <a:endParaRPr lang="de-DE"/>
           </a:p>
@@ -855,6 +864,7 @@
           <a:p>
             <a:fld id="{B5A3BF4F-EFE5-466B-91F9-1BD7632125FD}" type="slidenum">
               <a:rPr lang="de-DE" smtClean="0"/>
+              <a:pPr/>
               <a:t>‹Nr.›</a:t>
             </a:fld>
             <a:endParaRPr lang="de-DE"/>
@@ -993,7 +1003,8 @@
           <a:p>
             <a:fld id="{DAA301C1-10A7-4C2C-BCA8-A8D8BF75E69B}" type="datetimeFigureOut">
               <a:rPr lang="de-DE" smtClean="0"/>
-              <a:t>11.01.2013</a:t>
+              <a:pPr/>
+              <a:t>12.01.2013</a:t>
             </a:fld>
             <a:endParaRPr lang="de-DE"/>
           </a:p>
@@ -1035,6 +1046,7 @@
           <a:p>
             <a:fld id="{B5A3BF4F-EFE5-466B-91F9-1BD7632125FD}" type="slidenum">
               <a:rPr lang="de-DE" smtClean="0"/>
+              <a:pPr/>
               <a:t>‹Nr.›</a:t>
             </a:fld>
             <a:endParaRPr lang="de-DE"/>
@@ -1163,7 +1175,8 @@
           <a:p>
             <a:fld id="{DAA301C1-10A7-4C2C-BCA8-A8D8BF75E69B}" type="datetimeFigureOut">
               <a:rPr lang="de-DE" smtClean="0"/>
-              <a:t>11.01.2013</a:t>
+              <a:pPr/>
+              <a:t>12.01.2013</a:t>
             </a:fld>
             <a:endParaRPr lang="de-DE"/>
           </a:p>
@@ -1205,6 +1218,7 @@
           <a:p>
             <a:fld id="{B5A3BF4F-EFE5-466B-91F9-1BD7632125FD}" type="slidenum">
               <a:rPr lang="de-DE" smtClean="0"/>
+              <a:pPr/>
               <a:t>‹Nr.›</a:t>
             </a:fld>
             <a:endParaRPr lang="de-DE"/>
@@ -1409,7 +1423,8 @@
           <a:p>
             <a:fld id="{DAA301C1-10A7-4C2C-BCA8-A8D8BF75E69B}" type="datetimeFigureOut">
               <a:rPr lang="de-DE" smtClean="0"/>
-              <a:t>11.01.2013</a:t>
+              <a:pPr/>
+              <a:t>12.01.2013</a:t>
             </a:fld>
             <a:endParaRPr lang="de-DE"/>
           </a:p>
@@ -1451,6 +1466,7 @@
           <a:p>
             <a:fld id="{B5A3BF4F-EFE5-466B-91F9-1BD7632125FD}" type="slidenum">
               <a:rPr lang="de-DE" smtClean="0"/>
+              <a:pPr/>
               <a:t>‹Nr.›</a:t>
             </a:fld>
             <a:endParaRPr lang="de-DE"/>
@@ -1697,7 +1713,8 @@
           <a:p>
             <a:fld id="{DAA301C1-10A7-4C2C-BCA8-A8D8BF75E69B}" type="datetimeFigureOut">
               <a:rPr lang="de-DE" smtClean="0"/>
-              <a:t>11.01.2013</a:t>
+              <a:pPr/>
+              <a:t>12.01.2013</a:t>
             </a:fld>
             <a:endParaRPr lang="de-DE"/>
           </a:p>
@@ -1739,6 +1756,7 @@
           <a:p>
             <a:fld id="{B5A3BF4F-EFE5-466B-91F9-1BD7632125FD}" type="slidenum">
               <a:rPr lang="de-DE" smtClean="0"/>
+              <a:pPr/>
               <a:t>‹Nr.›</a:t>
             </a:fld>
             <a:endParaRPr lang="de-DE"/>
@@ -2119,7 +2137,8 @@
           <a:p>
             <a:fld id="{DAA301C1-10A7-4C2C-BCA8-A8D8BF75E69B}" type="datetimeFigureOut">
               <a:rPr lang="de-DE" smtClean="0"/>
-              <a:t>11.01.2013</a:t>
+              <a:pPr/>
+              <a:t>12.01.2013</a:t>
             </a:fld>
             <a:endParaRPr lang="de-DE"/>
           </a:p>
@@ -2161,6 +2180,7 @@
           <a:p>
             <a:fld id="{B5A3BF4F-EFE5-466B-91F9-1BD7632125FD}" type="slidenum">
               <a:rPr lang="de-DE" smtClean="0"/>
+              <a:pPr/>
               <a:t>‹Nr.›</a:t>
             </a:fld>
             <a:endParaRPr lang="de-DE"/>
@@ -2237,7 +2257,8 @@
           <a:p>
             <a:fld id="{DAA301C1-10A7-4C2C-BCA8-A8D8BF75E69B}" type="datetimeFigureOut">
               <a:rPr lang="de-DE" smtClean="0"/>
-              <a:t>11.01.2013</a:t>
+              <a:pPr/>
+              <a:t>12.01.2013</a:t>
             </a:fld>
             <a:endParaRPr lang="de-DE"/>
           </a:p>
@@ -2279,6 +2300,7 @@
           <a:p>
             <a:fld id="{B5A3BF4F-EFE5-466B-91F9-1BD7632125FD}" type="slidenum">
               <a:rPr lang="de-DE" smtClean="0"/>
+              <a:pPr/>
               <a:t>‹Nr.›</a:t>
             </a:fld>
             <a:endParaRPr lang="de-DE"/>
@@ -2332,7 +2354,8 @@
           <a:p>
             <a:fld id="{DAA301C1-10A7-4C2C-BCA8-A8D8BF75E69B}" type="datetimeFigureOut">
               <a:rPr lang="de-DE" smtClean="0"/>
-              <a:t>11.01.2013</a:t>
+              <a:pPr/>
+              <a:t>12.01.2013</a:t>
             </a:fld>
             <a:endParaRPr lang="de-DE"/>
           </a:p>
@@ -2374,6 +2397,7 @@
           <a:p>
             <a:fld id="{B5A3BF4F-EFE5-466B-91F9-1BD7632125FD}" type="slidenum">
               <a:rPr lang="de-DE" smtClean="0"/>
+              <a:pPr/>
               <a:t>‹Nr.›</a:t>
             </a:fld>
             <a:endParaRPr lang="de-DE"/>
@@ -2609,7 +2633,8 @@
           <a:p>
             <a:fld id="{DAA301C1-10A7-4C2C-BCA8-A8D8BF75E69B}" type="datetimeFigureOut">
               <a:rPr lang="de-DE" smtClean="0"/>
-              <a:t>11.01.2013</a:t>
+              <a:pPr/>
+              <a:t>12.01.2013</a:t>
             </a:fld>
             <a:endParaRPr lang="de-DE"/>
           </a:p>
@@ -2651,6 +2676,7 @@
           <a:p>
             <a:fld id="{B5A3BF4F-EFE5-466B-91F9-1BD7632125FD}" type="slidenum">
               <a:rPr lang="de-DE" smtClean="0"/>
+              <a:pPr/>
               <a:t>‹Nr.›</a:t>
             </a:fld>
             <a:endParaRPr lang="de-DE"/>
@@ -2862,7 +2888,8 @@
           <a:p>
             <a:fld id="{DAA301C1-10A7-4C2C-BCA8-A8D8BF75E69B}" type="datetimeFigureOut">
               <a:rPr lang="de-DE" smtClean="0"/>
-              <a:t>11.01.2013</a:t>
+              <a:pPr/>
+              <a:t>12.01.2013</a:t>
             </a:fld>
             <a:endParaRPr lang="de-DE"/>
           </a:p>
@@ -2904,6 +2931,7 @@
           <a:p>
             <a:fld id="{B5A3BF4F-EFE5-466B-91F9-1BD7632125FD}" type="slidenum">
               <a:rPr lang="de-DE" smtClean="0"/>
+              <a:pPr/>
               <a:t>‹Nr.›</a:t>
             </a:fld>
             <a:endParaRPr lang="de-DE"/>
@@ -3075,7 +3103,8 @@
           <a:p>
             <a:fld id="{DAA301C1-10A7-4C2C-BCA8-A8D8BF75E69B}" type="datetimeFigureOut">
               <a:rPr lang="de-DE" smtClean="0"/>
-              <a:t>11.01.2013</a:t>
+              <a:pPr/>
+              <a:t>12.01.2013</a:t>
             </a:fld>
             <a:endParaRPr lang="de-DE"/>
           </a:p>
@@ -3153,6 +3182,7 @@
           <a:p>
             <a:fld id="{B5A3BF4F-EFE5-466B-91F9-1BD7632125FD}" type="slidenum">
               <a:rPr lang="de-DE" smtClean="0"/>
+              <a:pPr/>
               <a:t>‹Nr.›</a:t>
             </a:fld>
             <a:endParaRPr lang="de-DE"/>
@@ -3459,7 +3489,7 @@
           <p:nvPr/>
         </p:nvPicPr>
         <p:blipFill>
-          <a:blip r:embed="rId2">
+          <a:blip r:embed="rId2" cstate="print">
             <a:extLst>
               <a:ext uri="{28A0092B-C50C-407E-A947-70E740481C1C}">
                 <a14:useLocalDpi xmlns:a14="http://schemas.microsoft.com/office/drawing/2010/main" val="0"/>
@@ -3766,7 +3796,7 @@
           <p:nvPr/>
         </p:nvPicPr>
         <p:blipFill>
-          <a:blip r:embed="rId3">
+          <a:blip r:embed="rId3" cstate="print">
             <a:extLst>
               <a:ext uri="{28A0092B-C50C-407E-A947-70E740481C1C}">
                 <a14:useLocalDpi xmlns:a14="http://schemas.microsoft.com/office/drawing/2010/main" val="0"/>
@@ -4569,6 +4599,287 @@
           <a:chExt cx="0" cy="0"/>
         </a:xfrm>
       </p:grpSpPr>
+      <p:sp>
+        <p:nvSpPr>
+          <p:cNvPr id="4" name="Rechteck 3"/>
+          <p:cNvSpPr/>
+          <p:nvPr/>
+        </p:nvSpPr>
+        <p:spPr>
+          <a:xfrm>
+            <a:off x="1268016" y="53008"/>
+            <a:ext cx="7171910" cy="923330"/>
+          </a:xfrm>
+          <a:prstGeom prst="rect">
+            <a:avLst/>
+          </a:prstGeom>
+          <a:noFill/>
+        </p:spPr>
+        <p:txBody>
+          <a:bodyPr wrap="square" lIns="91440" tIns="45720" rIns="91440" bIns="45720">
+            <a:spAutoFit/>
+          </a:bodyPr>
+          <a:lstStyle/>
+          <a:p>
+            <a:pPr algn="ctr"/>
+            <a:r>
+              <a:rPr lang="de-DE" sz="5400" u="sng" dirty="0" smtClean="0">
+                <a:ln w="10160">
+                  <a:solidFill>
+                    <a:schemeClr val="accent1"/>
+                  </a:solidFill>
+                  <a:prstDash val="solid"/>
+                </a:ln>
+                <a:solidFill>
+                  <a:srgbClr val="FFFFFF"/>
+                </a:solidFill>
+                <a:effectLst>
+                  <a:outerShdw blurRad="38100" dist="32000" dir="5400000" algn="tl">
+                    <a:srgbClr val="000000">
+                      <a:alpha val="30000"/>
+                    </a:srgbClr>
+                  </a:outerShdw>
+                </a:effectLst>
+              </a:rPr>
+              <a:t>Spielobjekte</a:t>
+            </a:r>
+            <a:endParaRPr lang="de-DE" sz="5400" u="sng" dirty="0">
+              <a:ln w="10160">
+                <a:solidFill>
+                  <a:schemeClr val="accent1"/>
+                </a:solidFill>
+                <a:prstDash val="solid"/>
+              </a:ln>
+              <a:solidFill>
+                <a:srgbClr val="FFFFFF"/>
+              </a:solidFill>
+              <a:effectLst>
+                <a:outerShdw blurRad="38100" dist="32000" dir="5400000" algn="tl">
+                  <a:srgbClr val="000000">
+                    <a:alpha val="30000"/>
+                  </a:srgbClr>
+                </a:outerShdw>
+              </a:effectLst>
+            </a:endParaRPr>
+          </a:p>
+        </p:txBody>
+      </p:sp>
+    </p:spTree>
+  </p:cSld>
+  <p:clrMapOvr>
+    <a:masterClrMapping/>
+  </p:clrMapOvr>
+  <p:timing>
+    <p:tnLst>
+      <p:par>
+        <p:cTn id="1" dur="indefinite" restart="never" nodeType="tmRoot"/>
+      </p:par>
+    </p:tnLst>
+  </p:timing>
+</p:sld>
+</file>
+
+<file path=ppt/slides/slide3.xml><?xml version="1.0" encoding="utf-8"?>
+<p:sld xmlns:a="http://schemas.openxmlformats.org/drawingml/2006/main" xmlns:r="http://schemas.openxmlformats.org/officeDocument/2006/relationships" xmlns:p="http://schemas.openxmlformats.org/presentationml/2006/main">
+  <p:cSld>
+    <p:spTree>
+      <p:nvGrpSpPr>
+        <p:cNvPr id="1" name=""/>
+        <p:cNvGrpSpPr/>
+        <p:nvPr/>
+      </p:nvGrpSpPr>
+      <p:grpSpPr>
+        <a:xfrm>
+          <a:off x="0" y="0"/>
+          <a:ext cx="0" cy="0"/>
+          <a:chOff x="0" y="0"/>
+          <a:chExt cx="0" cy="0"/>
+        </a:xfrm>
+      </p:grpSpPr>
+      <p:sp>
+        <p:nvSpPr>
+          <p:cNvPr id="4" name="Textfeld 3"/>
+          <p:cNvSpPr txBox="1"/>
+          <p:nvPr/>
+        </p:nvSpPr>
+        <p:spPr>
+          <a:xfrm>
+            <a:off x="5648638" y="1992323"/>
+            <a:ext cx="2304256" cy="2585323"/>
+          </a:xfrm>
+          <a:prstGeom prst="rect">
+            <a:avLst/>
+          </a:prstGeom>
+          <a:solidFill>
+            <a:srgbClr val="FFFF00">
+              <a:alpha val="30000"/>
+            </a:srgbClr>
+          </a:solidFill>
+          <a:ln w="25400">
+            <a:solidFill>
+              <a:schemeClr val="tx1"/>
+            </a:solidFill>
+          </a:ln>
+        </p:spPr>
+        <p:txBody>
+          <a:bodyPr wrap="square" rtlCol="0">
+            <a:spAutoFit/>
+          </a:bodyPr>
+          <a:lstStyle/>
+          <a:p>
+            <a:r>
+              <a:rPr lang="de-DE" dirty="0" smtClean="0"/>
+              <a:t>0,0,0,0,0,0,0,1</a:t>
+            </a:r>
+          </a:p>
+          <a:p>
+            <a:r>
+              <a:rPr lang="de-DE" dirty="0" smtClean="0"/>
+              <a:t>0,1,1,1,1,8,11,8,11,1</a:t>
+            </a:r>
+          </a:p>
+          <a:p>
+            <a:r>
+              <a:rPr lang="de-DE" dirty="0" smtClean="0"/>
+              <a:t>1,1,1,0,0,0,2,1</a:t>
+            </a:r>
+          </a:p>
+          <a:p>
+            <a:r>
+              <a:rPr lang="de-DE" dirty="0" smtClean="0"/>
+              <a:t>1,1,1,0,0,0,7,12,1</a:t>
+            </a:r>
+          </a:p>
+          <a:p>
+            <a:r>
+              <a:rPr lang="de-DE" dirty="0" smtClean="0"/>
+              <a:t>1,1,1,0,0,0,0,1</a:t>
+            </a:r>
+          </a:p>
+          <a:p>
+            <a:r>
+              <a:rPr lang="de-DE" dirty="0" smtClean="0"/>
+              <a:t>1,1,1,0,0,0,0,1</a:t>
+            </a:r>
+          </a:p>
+          <a:p>
+            <a:r>
+              <a:rPr lang="de-DE" dirty="0" smtClean="0"/>
+              <a:t>1,1,1,1,1,8,12,8,12,1</a:t>
+            </a:r>
+          </a:p>
+          <a:p>
+            <a:r>
+              <a:rPr lang="de-DE" dirty="0" smtClean="0"/>
+              <a:t>1,1,0,0,0,0,0,1</a:t>
+            </a:r>
+          </a:p>
+          <a:p>
+            <a:r>
+              <a:rPr lang="de-DE" dirty="0" smtClean="0"/>
+              <a:t>1,0,0,0,0,0,0,1</a:t>
+            </a:r>
+            <a:endParaRPr lang="de-DE" dirty="0"/>
+          </a:p>
+        </p:txBody>
+      </p:sp>
+      <p:sp>
+        <p:nvSpPr>
+          <p:cNvPr id="5" name="Rechteck 4"/>
+          <p:cNvSpPr/>
+          <p:nvPr/>
+        </p:nvSpPr>
+        <p:spPr>
+          <a:xfrm>
+            <a:off x="1115616" y="-99392"/>
+            <a:ext cx="7171910" cy="923330"/>
+          </a:xfrm>
+          <a:prstGeom prst="rect">
+            <a:avLst/>
+          </a:prstGeom>
+          <a:noFill/>
+        </p:spPr>
+        <p:txBody>
+          <a:bodyPr wrap="square" lIns="91440" tIns="45720" rIns="91440" bIns="45720">
+            <a:spAutoFit/>
+          </a:bodyPr>
+          <a:lstStyle/>
+          <a:p>
+            <a:pPr algn="ctr"/>
+            <a:r>
+              <a:rPr lang="de-DE" sz="5400" u="sng" dirty="0" smtClean="0">
+                <a:ln w="10160">
+                  <a:solidFill>
+                    <a:schemeClr val="accent1"/>
+                  </a:solidFill>
+                  <a:prstDash val="solid"/>
+                </a:ln>
+                <a:solidFill>
+                  <a:srgbClr val="FFFFFF"/>
+                </a:solidFill>
+                <a:effectLst>
+                  <a:outerShdw blurRad="38100" dist="32000" dir="5400000" algn="tl">
+                    <a:srgbClr val="000000">
+                      <a:alpha val="30000"/>
+                    </a:srgbClr>
+                  </a:outerShdw>
+                </a:effectLst>
+              </a:rPr>
+              <a:t>Karten Aufbau</a:t>
+            </a:r>
+            <a:endParaRPr lang="de-DE" sz="5400" u="sng" dirty="0">
+              <a:ln w="10160">
+                <a:solidFill>
+                  <a:schemeClr val="accent1"/>
+                </a:solidFill>
+                <a:prstDash val="solid"/>
+              </a:ln>
+              <a:solidFill>
+                <a:srgbClr val="FFFFFF"/>
+              </a:solidFill>
+              <a:effectLst>
+                <a:outerShdw blurRad="38100" dist="32000" dir="5400000" algn="tl">
+                  <a:srgbClr val="000000">
+                    <a:alpha val="30000"/>
+                  </a:srgbClr>
+                </a:outerShdw>
+              </a:effectLst>
+            </a:endParaRPr>
+          </a:p>
+        </p:txBody>
+      </p:sp>
+    </p:spTree>
+  </p:cSld>
+  <p:clrMapOvr>
+    <a:masterClrMapping/>
+  </p:clrMapOvr>
+  <p:timing>
+    <p:tnLst>
+      <p:par>
+        <p:cTn id="1" dur="indefinite" restart="never" nodeType="tmRoot"/>
+      </p:par>
+    </p:tnLst>
+  </p:timing>
+</p:sld>
+</file>
+
+<file path=ppt/slides/slide4.xml><?xml version="1.0" encoding="utf-8"?>
+<p:sld xmlns:a="http://schemas.openxmlformats.org/drawingml/2006/main" xmlns:r="http://schemas.openxmlformats.org/officeDocument/2006/relationships" xmlns:p="http://schemas.openxmlformats.org/presentationml/2006/main">
+  <p:cSld>
+    <p:spTree>
+      <p:nvGrpSpPr>
+        <p:cNvPr id="1" name=""/>
+        <p:cNvGrpSpPr/>
+        <p:nvPr/>
+      </p:nvGrpSpPr>
+      <p:grpSpPr>
+        <a:xfrm>
+          <a:off x="0" y="0"/>
+          <a:ext cx="0" cy="0"/>
+          <a:chOff x="0" y="0"/>
+          <a:chExt cx="0" cy="0"/>
+        </a:xfrm>
+      </p:grpSpPr>
       <p:pic>
         <p:nvPicPr>
           <p:cNvPr id="24" name="Picture 3"/>
@@ -4578,7 +4889,7 @@
           <p:nvPr/>
         </p:nvPicPr>
         <p:blipFill rotWithShape="1">
-          <a:blip r:embed="rId2">
+          <a:blip r:embed="rId2" cstate="print">
             <a:extLst>
               <a:ext uri="{28A0092B-C50C-407E-A947-70E740481C1C}">
                 <a14:useLocalDpi xmlns:a14="http://schemas.microsoft.com/office/drawing/2010/main" val="0"/>
@@ -4640,7 +4951,7 @@
           <p:nvPr/>
         </p:nvPicPr>
         <p:blipFill rotWithShape="1">
-          <a:blip r:embed="rId2">
+          <a:blip r:embed="rId2" cstate="print">
             <a:extLst>
               <a:ext uri="{28A0092B-C50C-407E-A947-70E740481C1C}">
                 <a14:useLocalDpi xmlns:a14="http://schemas.microsoft.com/office/drawing/2010/main" val="0"/>
@@ -4702,7 +5013,7 @@
           <p:nvPr/>
         </p:nvPicPr>
         <p:blipFill rotWithShape="1">
-          <a:blip r:embed="rId2">
+          <a:blip r:embed="rId2" cstate="print">
             <a:extLst>
               <a:ext uri="{28A0092B-C50C-407E-A947-70E740481C1C}">
                 <a14:useLocalDpi xmlns:a14="http://schemas.microsoft.com/office/drawing/2010/main" val="0"/>
@@ -4764,7 +5075,7 @@
           <p:nvPr/>
         </p:nvPicPr>
         <p:blipFill>
-          <a:blip r:embed="rId3">
+          <a:blip r:embed="rId3" cstate="print">
             <a:extLst>
               <a:ext uri="{28A0092B-C50C-407E-A947-70E740481C1C}">
                 <a14:useLocalDpi xmlns:a14="http://schemas.microsoft.com/office/drawing/2010/main" val="0"/>
@@ -4828,7 +5139,7 @@
           <p:nvPr/>
         </p:nvPicPr>
         <p:blipFill>
-          <a:blip r:embed="rId4">
+          <a:blip r:embed="rId4" cstate="print">
             <a:extLst>
               <a:ext uri="{28A0092B-C50C-407E-A947-70E740481C1C}">
                 <a14:useLocalDpi xmlns:a14="http://schemas.microsoft.com/office/drawing/2010/main" val="0"/>
@@ -5213,6 +5524,56 @@
           </a:p>
         </p:txBody>
       </p:sp>
+      <p:sp>
+        <p:nvSpPr>
+          <p:cNvPr id="21" name="Rechteck 20"/>
+          <p:cNvSpPr/>
+          <p:nvPr/>
+        </p:nvSpPr>
+        <p:spPr>
+          <a:xfrm>
+            <a:off x="2339752" y="1484784"/>
+            <a:ext cx="3664745" cy="5055156"/>
+          </a:xfrm>
+          <a:prstGeom prst="rect">
+            <a:avLst/>
+          </a:prstGeom>
+          <a:solidFill>
+            <a:schemeClr val="tx1">
+              <a:alpha val="10000"/>
+            </a:schemeClr>
+          </a:solidFill>
+          <a:ln w="63500">
+            <a:solidFill>
+              <a:schemeClr val="tx1"/>
+            </a:solidFill>
+          </a:ln>
+        </p:spPr>
+        <p:style>
+          <a:lnRef idx="2">
+            <a:schemeClr val="accent1">
+              <a:shade val="50000"/>
+            </a:schemeClr>
+          </a:lnRef>
+          <a:fillRef idx="1">
+            <a:schemeClr val="accent1"/>
+          </a:fillRef>
+          <a:effectRef idx="0">
+            <a:schemeClr val="accent1"/>
+          </a:effectRef>
+          <a:fontRef idx="minor">
+            <a:schemeClr val="lt1"/>
+          </a:fontRef>
+        </p:style>
+        <p:txBody>
+          <a:bodyPr rtlCol="0" anchor="ctr"/>
+          <a:lstStyle/>
+          <a:p>
+            <a:pPr algn="ctr"/>
+            <a:endParaRPr lang="de-DE"/>
+          </a:p>
+        </p:txBody>
+      </p:sp>
       <p:pic>
         <p:nvPicPr>
           <p:cNvPr id="28" name="Picture 3"/>
@@ -5222,7 +5583,7 @@
           <p:nvPr/>
         </p:nvPicPr>
         <p:blipFill>
-          <a:blip r:embed="rId5">
+          <a:blip r:embed="rId5" cstate="print">
             <a:extLst>
               <a:ext uri="{BEBA8EAE-BF5A-486C-A8C5-ECC9F3942E4B}">
                 <a14:imgProps xmlns:a14="http://schemas.microsoft.com/office/drawing/2010/main">
@@ -5286,56 +5647,6 @@
           </a:extLst>
         </p:spPr>
       </p:pic>
-      <p:sp>
-        <p:nvSpPr>
-          <p:cNvPr id="21" name="Rechteck 20"/>
-          <p:cNvSpPr/>
-          <p:nvPr/>
-        </p:nvSpPr>
-        <p:spPr>
-          <a:xfrm>
-            <a:off x="2336005" y="1485344"/>
-            <a:ext cx="3664745" cy="5055156"/>
-          </a:xfrm>
-          <a:prstGeom prst="rect">
-            <a:avLst/>
-          </a:prstGeom>
-          <a:solidFill>
-            <a:schemeClr val="tx1">
-              <a:alpha val="10000"/>
-            </a:schemeClr>
-          </a:solidFill>
-          <a:ln w="63500">
-            <a:solidFill>
-              <a:schemeClr val="tx1"/>
-            </a:solidFill>
-          </a:ln>
-        </p:spPr>
-        <p:style>
-          <a:lnRef idx="2">
-            <a:schemeClr val="accent1">
-              <a:shade val="50000"/>
-            </a:schemeClr>
-          </a:lnRef>
-          <a:fillRef idx="1">
-            <a:schemeClr val="accent1"/>
-          </a:fillRef>
-          <a:effectRef idx="0">
-            <a:schemeClr val="accent1"/>
-          </a:effectRef>
-          <a:fontRef idx="minor">
-            <a:schemeClr val="lt1"/>
-          </a:fontRef>
-        </p:style>
-        <p:txBody>
-          <a:bodyPr rtlCol="0" anchor="ctr"/>
-          <a:lstStyle/>
-          <a:p>
-            <a:pPr algn="ctr"/>
-            <a:endParaRPr lang="de-DE"/>
-          </a:p>
-        </p:txBody>
-      </p:sp>
     </p:spTree>
     <p:extLst>
       <p:ext uri="{BB962C8B-B14F-4D97-AF65-F5344CB8AC3E}">
@@ -5920,7 +6231,7 @@
 </p:sld>
 </file>
 
-<file path=ppt/slides/slide3.xml><?xml version="1.0" encoding="utf-8"?>
+<file path=ppt/slides/slide5.xml><?xml version="1.0" encoding="utf-8"?>
 <p:sld xmlns:a="http://schemas.openxmlformats.org/drawingml/2006/main" xmlns:r="http://schemas.openxmlformats.org/officeDocument/2006/relationships" xmlns:p="http://schemas.openxmlformats.org/presentationml/2006/main">
   <p:cSld>
     <p:spTree>
@@ -5996,7 +6307,7 @@
           <p:nvPr/>
         </p:nvPicPr>
         <p:blipFill>
-          <a:blip r:embed="rId2">
+          <a:blip r:embed="rId2" cstate="print">
             <a:extLst>
               <a:ext uri="{28A0092B-C50C-407E-A947-70E740481C1C}">
                 <a14:useLocalDpi xmlns:a14="http://schemas.microsoft.com/office/drawing/2010/main" val="0"/>
@@ -6382,7 +6693,7 @@
           <p:nvPr/>
         </p:nvPicPr>
         <p:blipFill>
-          <a:blip r:embed="rId3">
+          <a:blip r:embed="rId3" cstate="print">
             <a:extLst>
               <a:ext uri="{28A0092B-C50C-407E-A947-70E740481C1C}">
                 <a14:useLocalDpi xmlns:a14="http://schemas.microsoft.com/office/drawing/2010/main" val="0"/>
@@ -6656,7 +6967,6 @@
               <a:rPr lang="de-DE" sz="4000" b="1" dirty="0"/>
               <a:t>Y</a:t>
             </a:r>
-            <a:endParaRPr lang="de-DE" sz="4000" b="1" dirty="0"/>
           </a:p>
         </p:txBody>
       </p:sp>
@@ -8157,6 +8467,2441 @@
       <p:bldP spid="53" grpId="1" animBg="1"/>
       <p:bldP spid="70" grpId="0" animBg="1"/>
       <p:bldP spid="70" grpId="1" animBg="1"/>
+    </p:bldLst>
+  </p:timing>
+</p:sld>
+</file>
+
+<file path=ppt/slides/slide6.xml><?xml version="1.0" encoding="utf-8"?>
+<p:sld xmlns:a="http://schemas.openxmlformats.org/drawingml/2006/main" xmlns:r="http://schemas.openxmlformats.org/officeDocument/2006/relationships" xmlns:p="http://schemas.openxmlformats.org/presentationml/2006/main">
+  <p:cSld>
+    <p:spTree>
+      <p:nvGrpSpPr>
+        <p:cNvPr id="1" name=""/>
+        <p:cNvGrpSpPr/>
+        <p:nvPr/>
+      </p:nvGrpSpPr>
+      <p:grpSpPr>
+        <a:xfrm>
+          <a:off x="0" y="0"/>
+          <a:ext cx="0" cy="0"/>
+          <a:chOff x="0" y="0"/>
+          <a:chExt cx="0" cy="0"/>
+        </a:xfrm>
+      </p:grpSpPr>
+      <p:sp>
+        <p:nvSpPr>
+          <p:cNvPr id="6" name="Rechteck 5"/>
+          <p:cNvSpPr/>
+          <p:nvPr/>
+        </p:nvSpPr>
+        <p:spPr>
+          <a:xfrm>
+            <a:off x="4771526" y="1668355"/>
+            <a:ext cx="3074480" cy="4494741"/>
+          </a:xfrm>
+          <a:prstGeom prst="rect">
+            <a:avLst/>
+          </a:prstGeom>
+          <a:solidFill>
+            <a:schemeClr val="tx1">
+              <a:alpha val="15000"/>
+            </a:schemeClr>
+          </a:solidFill>
+          <a:ln w="50800">
+            <a:solidFill>
+              <a:schemeClr val="tx1"/>
+            </a:solidFill>
+          </a:ln>
+        </p:spPr>
+        <p:style>
+          <a:lnRef idx="2">
+            <a:schemeClr val="accent1">
+              <a:shade val="50000"/>
+            </a:schemeClr>
+          </a:lnRef>
+          <a:fillRef idx="1">
+            <a:schemeClr val="accent1"/>
+          </a:fillRef>
+          <a:effectRef idx="0">
+            <a:schemeClr val="accent1"/>
+          </a:effectRef>
+          <a:fontRef idx="minor">
+            <a:schemeClr val="lt1"/>
+          </a:fontRef>
+        </p:style>
+        <p:txBody>
+          <a:bodyPr rtlCol="0" anchor="ctr"/>
+          <a:lstStyle/>
+          <a:p>
+            <a:pPr algn="ctr"/>
+            <a:endParaRPr lang="de-DE" dirty="0"/>
+          </a:p>
+        </p:txBody>
+      </p:sp>
+      <p:sp>
+        <p:nvSpPr>
+          <p:cNvPr id="32" name="Rechteck 31"/>
+          <p:cNvSpPr/>
+          <p:nvPr/>
+        </p:nvSpPr>
+        <p:spPr>
+          <a:xfrm>
+            <a:off x="1115616" y="-99392"/>
+            <a:ext cx="7171910" cy="923330"/>
+          </a:xfrm>
+          <a:prstGeom prst="rect">
+            <a:avLst/>
+          </a:prstGeom>
+          <a:noFill/>
+        </p:spPr>
+        <p:txBody>
+          <a:bodyPr wrap="square" lIns="91440" tIns="45720" rIns="91440" bIns="45720">
+            <a:spAutoFit/>
+          </a:bodyPr>
+          <a:lstStyle/>
+          <a:p>
+            <a:pPr algn="ctr"/>
+            <a:r>
+              <a:rPr lang="de-DE" sz="5400" u="sng" dirty="0" smtClean="0">
+                <a:ln w="10160">
+                  <a:solidFill>
+                    <a:schemeClr val="accent1"/>
+                  </a:solidFill>
+                  <a:prstDash val="solid"/>
+                </a:ln>
+                <a:solidFill>
+                  <a:srgbClr val="FFFFFF"/>
+                </a:solidFill>
+                <a:effectLst>
+                  <a:outerShdw blurRad="38100" dist="32000" dir="5400000" algn="tl">
+                    <a:srgbClr val="000000">
+                      <a:alpha val="30000"/>
+                    </a:srgbClr>
+                  </a:outerShdw>
+                </a:effectLst>
+              </a:rPr>
+              <a:t>Schwierigkeiten</a:t>
+            </a:r>
+            <a:endParaRPr lang="de-DE" sz="5400" u="sng" dirty="0">
+              <a:ln w="10160">
+                <a:solidFill>
+                  <a:schemeClr val="accent1"/>
+                </a:solidFill>
+                <a:prstDash val="solid"/>
+              </a:ln>
+              <a:solidFill>
+                <a:srgbClr val="FFFFFF"/>
+              </a:solidFill>
+              <a:effectLst>
+                <a:outerShdw blurRad="38100" dist="32000" dir="5400000" algn="tl">
+                  <a:srgbClr val="000000">
+                    <a:alpha val="30000"/>
+                  </a:srgbClr>
+                </a:outerShdw>
+              </a:effectLst>
+            </a:endParaRPr>
+          </a:p>
+        </p:txBody>
+      </p:sp>
+      <p:sp>
+        <p:nvSpPr>
+          <p:cNvPr id="34" name="Textfeld 33"/>
+          <p:cNvSpPr txBox="1"/>
+          <p:nvPr/>
+        </p:nvSpPr>
+        <p:spPr>
+          <a:xfrm>
+            <a:off x="409346" y="2109347"/>
+            <a:ext cx="4387869" cy="1938992"/>
+          </a:xfrm>
+          <a:prstGeom prst="rect">
+            <a:avLst/>
+          </a:prstGeom>
+          <a:noFill/>
+        </p:spPr>
+        <p:txBody>
+          <a:bodyPr wrap="square" rtlCol="0">
+            <a:spAutoFit/>
+          </a:bodyPr>
+          <a:lstStyle/>
+          <a:p>
+            <a:pPr marL="742950" lvl="1" indent="-285750">
+              <a:buFont typeface="Wingdings" pitchFamily="2" charset="2"/>
+              <a:buChar char="§"/>
+            </a:pPr>
+            <a:r>
+              <a:rPr lang="de-DE" sz="2400" dirty="0" smtClean="0"/>
+              <a:t>Gravity </a:t>
+            </a:r>
+            <a:r>
+              <a:rPr lang="de-DE" sz="2400" dirty="0" err="1" smtClean="0"/>
+              <a:t>isMovable</a:t>
+            </a:r>
+            <a:r>
+              <a:rPr lang="de-DE" sz="2400" dirty="0" smtClean="0"/>
+              <a:t>?</a:t>
+            </a:r>
+          </a:p>
+          <a:p>
+            <a:pPr marL="742950" lvl="1" indent="-285750">
+              <a:buFont typeface="Wingdings" pitchFamily="2" charset="2"/>
+              <a:buChar char="§"/>
+            </a:pPr>
+            <a:r>
+              <a:rPr lang="de-DE" sz="2400" dirty="0" err="1" smtClean="0"/>
+              <a:t>Left</a:t>
+            </a:r>
+            <a:r>
+              <a:rPr lang="de-DE" sz="2400" dirty="0" smtClean="0"/>
+              <a:t> </a:t>
+            </a:r>
+            <a:r>
+              <a:rPr lang="de-DE" sz="2400" dirty="0" err="1" smtClean="0"/>
+              <a:t>isMovable</a:t>
+            </a:r>
+            <a:r>
+              <a:rPr lang="de-DE" sz="2400" dirty="0" smtClean="0"/>
+              <a:t>?</a:t>
+            </a:r>
+          </a:p>
+          <a:p>
+            <a:pPr marL="742950" lvl="1" indent="-285750">
+              <a:buFont typeface="Wingdings" pitchFamily="2" charset="2"/>
+              <a:buChar char="§"/>
+            </a:pPr>
+            <a:endParaRPr lang="de-DE" sz="2400" dirty="0" smtClean="0"/>
+          </a:p>
+          <a:p>
+            <a:pPr marL="742950" lvl="1" indent="-285750">
+              <a:buFont typeface="Calibri" pitchFamily="34" charset="0"/>
+              <a:buChar char="→"/>
+            </a:pPr>
+            <a:r>
+              <a:rPr lang="de-DE" sz="2400" dirty="0" smtClean="0"/>
+              <a:t>Move down</a:t>
+            </a:r>
+          </a:p>
+          <a:p>
+            <a:pPr marL="742950" lvl="1" indent="-285750">
+              <a:buFont typeface="Calibri" pitchFamily="34" charset="0"/>
+              <a:buChar char="→"/>
+            </a:pPr>
+            <a:r>
+              <a:rPr lang="de-DE" sz="2400" dirty="0" smtClean="0"/>
+              <a:t>Move </a:t>
+            </a:r>
+            <a:r>
+              <a:rPr lang="de-DE" sz="2400" dirty="0" err="1" smtClean="0"/>
+              <a:t>left</a:t>
+            </a:r>
+            <a:endParaRPr lang="de-DE" sz="2400" dirty="0" smtClean="0"/>
+          </a:p>
+        </p:txBody>
+      </p:sp>
+      <p:pic>
+        <p:nvPicPr>
+          <p:cNvPr id="4" name="Picture 2"/>
+          <p:cNvPicPr>
+            <a:picLocks noChangeAspect="1" noChangeArrowheads="1"/>
+          </p:cNvPicPr>
+          <p:nvPr/>
+        </p:nvPicPr>
+        <p:blipFill>
+          <a:blip r:embed="rId2" cstate="print">
+            <a:extLst>
+              <a:ext uri="{28A0092B-C50C-407E-A947-70E740481C1C}">
+                <a14:useLocalDpi xmlns:a14="http://schemas.microsoft.com/office/drawing/2010/main" val="0"/>
+              </a:ext>
+            </a:extLst>
+          </a:blip>
+          <a:srcRect/>
+          <a:stretch>
+            <a:fillRect/>
+          </a:stretch>
+        </p:blipFill>
+        <p:spPr bwMode="auto">
+          <a:xfrm>
+            <a:off x="4797215" y="4707354"/>
+            <a:ext cx="1503107" cy="1457950"/>
+          </a:xfrm>
+          <a:prstGeom prst="rect">
+            <a:avLst/>
+          </a:prstGeom>
+          <a:noFill/>
+          <a:ln>
+            <a:noFill/>
+          </a:ln>
+          <a:effectLst/>
+          <a:extLst>
+            <a:ext uri="{909E8E84-426E-40DD-AFC4-6F175D3DCCD1}">
+              <a14:hiddenFill xmlns:a14="http://schemas.microsoft.com/office/drawing/2010/main">
+                <a:solidFill>
+                  <a:schemeClr val="accent1"/>
+                </a:solidFill>
+              </a14:hiddenFill>
+            </a:ext>
+            <a:ext uri="{91240B29-F687-4F45-9708-019B960494DF}">
+              <a14:hiddenLine xmlns:a14="http://schemas.microsoft.com/office/drawing/2010/main" w="9525">
+                <a:solidFill>
+                  <a:schemeClr val="tx1"/>
+                </a:solidFill>
+                <a:miter lim="800000"/>
+                <a:headEnd/>
+                <a:tailEnd/>
+              </a14:hiddenLine>
+            </a:ext>
+            <a:ext uri="{AF507438-7753-43E0-B8FC-AC1667EBCBE1}">
+              <a14:hiddenEffects xmlns:a14="http://schemas.microsoft.com/office/drawing/2010/main">
+                <a:effectLst>
+                  <a:outerShdw dist="35921" dir="2700000" algn="ctr" rotWithShape="0">
+                    <a:schemeClr val="bg2"/>
+                  </a:outerShdw>
+                </a:effectLst>
+              </a14:hiddenEffects>
+            </a:ext>
+          </a:extLst>
+        </p:spPr>
+      </p:pic>
+      <p:pic>
+        <p:nvPicPr>
+          <p:cNvPr id="5" name="Picture 5" descr="Z:\EclipseWorkspace\seproject42\src\images\player_normal.gif"/>
+          <p:cNvPicPr>
+            <a:picLocks noChangeAspect="1" noChangeArrowheads="1"/>
+          </p:cNvPicPr>
+          <p:nvPr/>
+        </p:nvPicPr>
+        <p:blipFill>
+          <a:blip r:embed="rId3" cstate="print">
+            <a:extLst>
+              <a:ext uri="{28A0092B-C50C-407E-A947-70E740481C1C}">
+                <a14:useLocalDpi xmlns:a14="http://schemas.microsoft.com/office/drawing/2010/main" val="0"/>
+              </a:ext>
+            </a:extLst>
+          </a:blip>
+          <a:srcRect/>
+          <a:stretch>
+            <a:fillRect/>
+          </a:stretch>
+        </p:blipFill>
+        <p:spPr bwMode="auto">
+          <a:xfrm>
+            <a:off x="6372200" y="1736224"/>
+            <a:ext cx="1449398" cy="2898796"/>
+          </a:xfrm>
+          <a:prstGeom prst="rect">
+            <a:avLst/>
+          </a:prstGeom>
+          <a:noFill/>
+          <a:ln w="63500">
+            <a:solidFill>
+              <a:srgbClr val="7030A0"/>
+            </a:solidFill>
+          </a:ln>
+          <a:extLst>
+            <a:ext uri="{909E8E84-426E-40DD-AFC4-6F175D3DCCD1}">
+              <a14:hiddenFill xmlns:a14="http://schemas.microsoft.com/office/drawing/2010/main">
+                <a:solidFill>
+                  <a:srgbClr val="FFFFFF"/>
+                </a:solidFill>
+              </a14:hiddenFill>
+            </a:ext>
+          </a:extLst>
+        </p:spPr>
+      </p:pic>
+      <p:sp>
+        <p:nvSpPr>
+          <p:cNvPr id="7" name="L-Form 6"/>
+          <p:cNvSpPr/>
+          <p:nvPr/>
+        </p:nvSpPr>
+        <p:spPr>
+          <a:xfrm rot="2084586" flipH="1">
+            <a:off x="5167670" y="1718893"/>
+            <a:ext cx="762194" cy="1254601"/>
+          </a:xfrm>
+          <a:prstGeom prst="corner">
+            <a:avLst>
+              <a:gd name="adj1" fmla="val 36495"/>
+              <a:gd name="adj2" fmla="val 32735"/>
+            </a:avLst>
+          </a:prstGeom>
+          <a:solidFill>
+            <a:srgbClr val="00B050"/>
+          </a:solidFill>
+          <a:ln>
+            <a:solidFill>
+              <a:schemeClr val="tx1"/>
+            </a:solidFill>
+          </a:ln>
+        </p:spPr>
+        <p:style>
+          <a:lnRef idx="2">
+            <a:schemeClr val="accent1">
+              <a:shade val="50000"/>
+            </a:schemeClr>
+          </a:lnRef>
+          <a:fillRef idx="1">
+            <a:schemeClr val="accent1"/>
+          </a:fillRef>
+          <a:effectRef idx="0">
+            <a:schemeClr val="accent1"/>
+          </a:effectRef>
+          <a:fontRef idx="minor">
+            <a:schemeClr val="lt1"/>
+          </a:fontRef>
+        </p:style>
+        <p:txBody>
+          <a:bodyPr rtlCol="0" anchor="ctr"/>
+          <a:lstStyle/>
+          <a:p>
+            <a:pPr algn="ctr"/>
+            <a:endParaRPr lang="de-DE"/>
+          </a:p>
+        </p:txBody>
+      </p:sp>
+      <p:cxnSp>
+        <p:nvCxnSpPr>
+          <p:cNvPr id="9" name="Gerade Verbindung 8"/>
+          <p:cNvCxnSpPr>
+            <a:endCxn id="6" idx="2"/>
+          </p:cNvCxnSpPr>
+          <p:nvPr/>
+        </p:nvCxnSpPr>
+        <p:spPr>
+          <a:xfrm>
+            <a:off x="6308766" y="1693247"/>
+            <a:ext cx="0" cy="4469849"/>
+          </a:xfrm>
+          <a:prstGeom prst="line">
+            <a:avLst/>
+          </a:prstGeom>
+          <a:ln w="12700">
+            <a:solidFill>
+              <a:schemeClr val="tx1">
+                <a:alpha val="50000"/>
+              </a:schemeClr>
+            </a:solidFill>
+          </a:ln>
+        </p:spPr>
+        <p:style>
+          <a:lnRef idx="1">
+            <a:schemeClr val="accent1"/>
+          </a:lnRef>
+          <a:fillRef idx="0">
+            <a:schemeClr val="accent1"/>
+          </a:fillRef>
+          <a:effectRef idx="0">
+            <a:schemeClr val="accent1"/>
+          </a:effectRef>
+          <a:fontRef idx="minor">
+            <a:schemeClr val="tx1"/>
+          </a:fontRef>
+        </p:style>
+      </p:cxnSp>
+      <p:cxnSp>
+        <p:nvCxnSpPr>
+          <p:cNvPr id="10" name="Gerade Verbindung 9"/>
+          <p:cNvCxnSpPr>
+            <a:endCxn id="5" idx="3"/>
+          </p:cNvCxnSpPr>
+          <p:nvPr/>
+        </p:nvCxnSpPr>
+        <p:spPr>
+          <a:xfrm>
+            <a:off x="4771526" y="3185622"/>
+            <a:ext cx="3050072" cy="0"/>
+          </a:xfrm>
+          <a:prstGeom prst="line">
+            <a:avLst/>
+          </a:prstGeom>
+          <a:ln w="12700">
+            <a:solidFill>
+              <a:schemeClr val="tx1">
+                <a:alpha val="50000"/>
+              </a:schemeClr>
+            </a:solidFill>
+          </a:ln>
+        </p:spPr>
+        <p:style>
+          <a:lnRef idx="1">
+            <a:schemeClr val="accent1"/>
+          </a:lnRef>
+          <a:fillRef idx="0">
+            <a:schemeClr val="accent1"/>
+          </a:fillRef>
+          <a:effectRef idx="0">
+            <a:schemeClr val="accent1"/>
+          </a:effectRef>
+          <a:fontRef idx="minor">
+            <a:schemeClr val="tx1"/>
+          </a:fontRef>
+        </p:style>
+      </p:cxnSp>
+      <p:sp>
+        <p:nvSpPr>
+          <p:cNvPr id="14" name="L-Form 13"/>
+          <p:cNvSpPr/>
+          <p:nvPr/>
+        </p:nvSpPr>
+        <p:spPr>
+          <a:xfrm rot="2084586" flipH="1">
+            <a:off x="5218215" y="3120920"/>
+            <a:ext cx="762194" cy="1254601"/>
+          </a:xfrm>
+          <a:prstGeom prst="corner">
+            <a:avLst>
+              <a:gd name="adj1" fmla="val 36495"/>
+              <a:gd name="adj2" fmla="val 32735"/>
+            </a:avLst>
+          </a:prstGeom>
+          <a:solidFill>
+            <a:srgbClr val="00B050"/>
+          </a:solidFill>
+          <a:ln>
+            <a:solidFill>
+              <a:schemeClr val="tx1"/>
+            </a:solidFill>
+          </a:ln>
+        </p:spPr>
+        <p:style>
+          <a:lnRef idx="2">
+            <a:schemeClr val="accent1">
+              <a:shade val="50000"/>
+            </a:schemeClr>
+          </a:lnRef>
+          <a:fillRef idx="1">
+            <a:schemeClr val="accent1"/>
+          </a:fillRef>
+          <a:effectRef idx="0">
+            <a:schemeClr val="accent1"/>
+          </a:effectRef>
+          <a:fontRef idx="minor">
+            <a:schemeClr val="lt1"/>
+          </a:fontRef>
+        </p:style>
+        <p:txBody>
+          <a:bodyPr rtlCol="0" anchor="ctr"/>
+          <a:lstStyle/>
+          <a:p>
+            <a:pPr algn="ctr"/>
+            <a:endParaRPr lang="de-DE"/>
+          </a:p>
+        </p:txBody>
+      </p:sp>
+      <p:cxnSp>
+        <p:nvCxnSpPr>
+          <p:cNvPr id="15" name="Gerade Verbindung 14"/>
+          <p:cNvCxnSpPr/>
+          <p:nvPr/>
+        </p:nvCxnSpPr>
+        <p:spPr>
+          <a:xfrm>
+            <a:off x="4786933" y="4699734"/>
+            <a:ext cx="3034665" cy="1"/>
+          </a:xfrm>
+          <a:prstGeom prst="line">
+            <a:avLst/>
+          </a:prstGeom>
+          <a:ln w="12700">
+            <a:solidFill>
+              <a:schemeClr val="tx1">
+                <a:alpha val="50000"/>
+              </a:schemeClr>
+            </a:solidFill>
+          </a:ln>
+        </p:spPr>
+        <p:style>
+          <a:lnRef idx="1">
+            <a:schemeClr val="accent1"/>
+          </a:lnRef>
+          <a:fillRef idx="0">
+            <a:schemeClr val="accent1"/>
+          </a:fillRef>
+          <a:effectRef idx="0">
+            <a:schemeClr val="accent1"/>
+          </a:effectRef>
+          <a:fontRef idx="minor">
+            <a:schemeClr val="tx1"/>
+          </a:fontRef>
+        </p:style>
+      </p:cxnSp>
+      <p:sp>
+        <p:nvSpPr>
+          <p:cNvPr id="17" name="L-Form 16"/>
+          <p:cNvSpPr/>
+          <p:nvPr/>
+        </p:nvSpPr>
+        <p:spPr>
+          <a:xfrm rot="2084586" flipH="1">
+            <a:off x="6690409" y="4687399"/>
+            <a:ext cx="762194" cy="1254601"/>
+          </a:xfrm>
+          <a:prstGeom prst="corner">
+            <a:avLst>
+              <a:gd name="adj1" fmla="val 36495"/>
+              <a:gd name="adj2" fmla="val 32735"/>
+            </a:avLst>
+          </a:prstGeom>
+          <a:solidFill>
+            <a:srgbClr val="00B050"/>
+          </a:solidFill>
+          <a:ln>
+            <a:solidFill>
+              <a:schemeClr val="tx1"/>
+            </a:solidFill>
+          </a:ln>
+        </p:spPr>
+        <p:style>
+          <a:lnRef idx="2">
+            <a:schemeClr val="accent1">
+              <a:shade val="50000"/>
+            </a:schemeClr>
+          </a:lnRef>
+          <a:fillRef idx="1">
+            <a:schemeClr val="accent1"/>
+          </a:fillRef>
+          <a:effectRef idx="0">
+            <a:schemeClr val="accent1"/>
+          </a:effectRef>
+          <a:fontRef idx="minor">
+            <a:schemeClr val="lt1"/>
+          </a:fontRef>
+        </p:style>
+        <p:txBody>
+          <a:bodyPr rtlCol="0" anchor="ctr"/>
+          <a:lstStyle/>
+          <a:p>
+            <a:pPr algn="ctr"/>
+            <a:endParaRPr lang="de-DE"/>
+          </a:p>
+        </p:txBody>
+      </p:sp>
+      <p:sp>
+        <p:nvSpPr>
+          <p:cNvPr id="13" name="Rechteck 12"/>
+          <p:cNvSpPr/>
+          <p:nvPr/>
+        </p:nvSpPr>
+        <p:spPr>
+          <a:xfrm>
+            <a:off x="6308767" y="4656967"/>
+            <a:ext cx="1537240" cy="439163"/>
+          </a:xfrm>
+          <a:prstGeom prst="rect">
+            <a:avLst/>
+          </a:prstGeom>
+        </p:spPr>
+        <p:style>
+          <a:lnRef idx="2">
+            <a:schemeClr val="accent1">
+              <a:shade val="50000"/>
+            </a:schemeClr>
+          </a:lnRef>
+          <a:fillRef idx="1">
+            <a:schemeClr val="accent1"/>
+          </a:fillRef>
+          <a:effectRef idx="0">
+            <a:schemeClr val="accent1"/>
+          </a:effectRef>
+          <a:fontRef idx="minor">
+            <a:schemeClr val="lt1"/>
+          </a:fontRef>
+        </p:style>
+        <p:txBody>
+          <a:bodyPr rtlCol="0" anchor="ctr"/>
+          <a:lstStyle/>
+          <a:p>
+            <a:pPr algn="ctr"/>
+            <a:endParaRPr lang="de-DE"/>
+          </a:p>
+        </p:txBody>
+      </p:sp>
+      <p:sp>
+        <p:nvSpPr>
+          <p:cNvPr id="18" name="Rechteck 17"/>
+          <p:cNvSpPr/>
+          <p:nvPr/>
+        </p:nvSpPr>
+        <p:spPr>
+          <a:xfrm>
+            <a:off x="5869604" y="1668354"/>
+            <a:ext cx="439162" cy="3036785"/>
+          </a:xfrm>
+          <a:prstGeom prst="rect">
+            <a:avLst/>
+          </a:prstGeom>
+        </p:spPr>
+        <p:style>
+          <a:lnRef idx="2">
+            <a:schemeClr val="accent1">
+              <a:shade val="50000"/>
+            </a:schemeClr>
+          </a:lnRef>
+          <a:fillRef idx="1">
+            <a:schemeClr val="accent1"/>
+          </a:fillRef>
+          <a:effectRef idx="0">
+            <a:schemeClr val="accent1"/>
+          </a:effectRef>
+          <a:fontRef idx="minor">
+            <a:schemeClr val="lt1"/>
+          </a:fontRef>
+        </p:style>
+        <p:txBody>
+          <a:bodyPr rtlCol="0" anchor="ctr"/>
+          <a:lstStyle/>
+          <a:p>
+            <a:pPr algn="ctr"/>
+            <a:endParaRPr lang="de-DE"/>
+          </a:p>
+        </p:txBody>
+      </p:sp>
+      <p:sp>
+        <p:nvSpPr>
+          <p:cNvPr id="28" name="Rechteck 27"/>
+          <p:cNvSpPr/>
+          <p:nvPr/>
+        </p:nvSpPr>
+        <p:spPr>
+          <a:xfrm>
+            <a:off x="107504" y="1434842"/>
+            <a:ext cx="2907784" cy="553998"/>
+          </a:xfrm>
+          <a:prstGeom prst="rect">
+            <a:avLst/>
+          </a:prstGeom>
+          <a:noFill/>
+        </p:spPr>
+        <p:txBody>
+          <a:bodyPr wrap="none" lIns="91440" tIns="45720" rIns="91440" bIns="45720">
+            <a:spAutoFit/>
+          </a:bodyPr>
+          <a:lstStyle/>
+          <a:p>
+            <a:pPr algn="ctr"/>
+            <a:r>
+              <a:rPr lang="de-DE" sz="3000" b="0" cap="none" spc="0" dirty="0" smtClean="0">
+                <a:ln w="18415" cmpd="sng">
+                  <a:solidFill>
+                    <a:schemeClr val="tx1">
+                      <a:lumMod val="65000"/>
+                      <a:lumOff val="35000"/>
+                    </a:schemeClr>
+                  </a:solidFill>
+                  <a:prstDash val="solid"/>
+                </a:ln>
+                <a:effectLst>
+                  <a:outerShdw blurRad="38100" dist="38100" dir="2700000" algn="tl">
+                    <a:srgbClr val="000000">
+                      <a:alpha val="43137"/>
+                    </a:srgbClr>
+                  </a:outerShdw>
+                </a:effectLst>
+              </a:rPr>
+              <a:t>Kollisionsabfrage</a:t>
+            </a:r>
+            <a:endParaRPr lang="de-DE" sz="3000" b="0" cap="none" spc="0" dirty="0">
+              <a:ln w="18415" cmpd="sng">
+                <a:solidFill>
+                  <a:schemeClr val="tx1">
+                    <a:lumMod val="65000"/>
+                    <a:lumOff val="35000"/>
+                  </a:schemeClr>
+                </a:solidFill>
+                <a:prstDash val="solid"/>
+              </a:ln>
+              <a:effectLst>
+                <a:outerShdw blurRad="38100" dist="38100" dir="2700000" algn="tl">
+                  <a:srgbClr val="000000">
+                    <a:alpha val="43137"/>
+                  </a:srgbClr>
+                </a:outerShdw>
+              </a:effectLst>
+            </a:endParaRPr>
+          </a:p>
+        </p:txBody>
+      </p:sp>
+      <p:sp>
+        <p:nvSpPr>
+          <p:cNvPr id="26" name="Textfeld 25"/>
+          <p:cNvSpPr txBox="1"/>
+          <p:nvPr/>
+        </p:nvSpPr>
+        <p:spPr>
+          <a:xfrm>
+            <a:off x="899592" y="5053265"/>
+            <a:ext cx="3336363" cy="646331"/>
+          </a:xfrm>
+          <a:prstGeom prst="rect">
+            <a:avLst/>
+          </a:prstGeom>
+          <a:noFill/>
+        </p:spPr>
+        <p:txBody>
+          <a:bodyPr wrap="none" rtlCol="0">
+            <a:spAutoFit/>
+          </a:bodyPr>
+          <a:lstStyle/>
+          <a:p>
+            <a:pPr marL="285750" indent="-285750">
+              <a:buFont typeface="Wingdings" pitchFamily="2" charset="2"/>
+              <a:buChar char="§"/>
+            </a:pPr>
+            <a:r>
+              <a:rPr lang="de-DE" dirty="0" smtClean="0"/>
+              <a:t>Schutz des kritischen Bereichs </a:t>
+            </a:r>
+          </a:p>
+          <a:p>
+            <a:pPr marL="285750" indent="-285750">
+              <a:buFont typeface="Calibri" pitchFamily="34" charset="0"/>
+              <a:buChar char=" "/>
+            </a:pPr>
+            <a:r>
+              <a:rPr lang="de-DE" dirty="0" smtClean="0"/>
+              <a:t>durch </a:t>
+            </a:r>
+            <a:r>
+              <a:rPr lang="de-DE" dirty="0" err="1" smtClean="0"/>
+              <a:t>Mutex</a:t>
+            </a:r>
+            <a:endParaRPr lang="de-DE" dirty="0"/>
+          </a:p>
+        </p:txBody>
+      </p:sp>
+      <p:sp>
+        <p:nvSpPr>
+          <p:cNvPr id="30" name="Rechteck 29"/>
+          <p:cNvSpPr/>
+          <p:nvPr/>
+        </p:nvSpPr>
+        <p:spPr>
+          <a:xfrm>
+            <a:off x="409346" y="4465157"/>
+            <a:ext cx="1285929" cy="553998"/>
+          </a:xfrm>
+          <a:prstGeom prst="rect">
+            <a:avLst/>
+          </a:prstGeom>
+          <a:noFill/>
+        </p:spPr>
+        <p:txBody>
+          <a:bodyPr wrap="none" lIns="91440" tIns="45720" rIns="91440" bIns="45720">
+            <a:spAutoFit/>
+          </a:bodyPr>
+          <a:lstStyle/>
+          <a:p>
+            <a:pPr algn="ctr"/>
+            <a:r>
+              <a:rPr lang="de-DE" sz="3000" b="0" cap="none" spc="0" dirty="0" smtClean="0">
+                <a:ln w="18415" cmpd="sng">
+                  <a:solidFill>
+                    <a:schemeClr val="tx1">
+                      <a:lumMod val="65000"/>
+                      <a:lumOff val="35000"/>
+                    </a:schemeClr>
+                  </a:solidFill>
+                  <a:prstDash val="solid"/>
+                </a:ln>
+                <a:effectLst>
+                  <a:outerShdw blurRad="38100" dist="38100" dir="2700000" algn="tl">
+                    <a:srgbClr val="000000">
+                      <a:alpha val="43137"/>
+                    </a:srgbClr>
+                  </a:outerShdw>
+                </a:effectLst>
+              </a:rPr>
+              <a:t>Lösung</a:t>
+            </a:r>
+            <a:endParaRPr lang="de-DE" sz="3000" b="0" cap="none" spc="0" dirty="0">
+              <a:ln w="18415" cmpd="sng">
+                <a:solidFill>
+                  <a:schemeClr val="tx1">
+                    <a:lumMod val="65000"/>
+                    <a:lumOff val="35000"/>
+                  </a:schemeClr>
+                </a:solidFill>
+                <a:prstDash val="solid"/>
+              </a:ln>
+              <a:effectLst>
+                <a:outerShdw blurRad="38100" dist="38100" dir="2700000" algn="tl">
+                  <a:srgbClr val="000000">
+                    <a:alpha val="43137"/>
+                  </a:srgbClr>
+                </a:outerShdw>
+              </a:effectLst>
+            </a:endParaRPr>
+          </a:p>
+        </p:txBody>
+      </p:sp>
+    </p:spTree>
+    <p:extLst>
+      <p:ext uri="{BB962C8B-B14F-4D97-AF65-F5344CB8AC3E}">
+        <p14:creationId xmlns:p14="http://schemas.microsoft.com/office/powerpoint/2010/main" val="51259509"/>
+      </p:ext>
+    </p:extLst>
+  </p:cSld>
+  <p:clrMapOvr>
+    <a:masterClrMapping/>
+  </p:clrMapOvr>
+  <p:timing>
+    <p:tnLst>
+      <p:par>
+        <p:cTn id="1" dur="indefinite" restart="never" nodeType="tmRoot">
+          <p:childTnLst>
+            <p:seq concurrent="1" nextAc="seek">
+              <p:cTn id="2" dur="indefinite" nodeType="mainSeq">
+                <p:childTnLst>
+                  <p:par>
+                    <p:cTn id="3" fill="hold">
+                      <p:stCondLst>
+                        <p:cond delay="indefinite"/>
+                      </p:stCondLst>
+                      <p:childTnLst>
+                        <p:par>
+                          <p:cTn id="4" fill="hold">
+                            <p:stCondLst>
+                              <p:cond delay="0"/>
+                            </p:stCondLst>
+                            <p:childTnLst>
+                              <p:par>
+                                <p:cTn id="5" presetID="10" presetClass="entr" presetSubtype="0" fill="hold" grpId="0" nodeType="clickEffect">
+                                  <p:stCondLst>
+                                    <p:cond delay="0"/>
+                                  </p:stCondLst>
+                                  <p:childTnLst>
+                                    <p:set>
+                                      <p:cBhvr>
+                                        <p:cTn id="6" dur="1" fill="hold">
+                                          <p:stCondLst>
+                                            <p:cond delay="0"/>
+                                          </p:stCondLst>
+                                        </p:cTn>
+                                        <p:tgtEl>
+                                          <p:spTgt spid="13"/>
+                                        </p:tgtEl>
+                                        <p:attrNameLst>
+                                          <p:attrName>style.visibility</p:attrName>
+                                        </p:attrNameLst>
+                                      </p:cBhvr>
+                                      <p:to>
+                                        <p:strVal val="visible"/>
+                                      </p:to>
+                                    </p:set>
+                                    <p:animEffect transition="in" filter="fade">
+                                      <p:cBhvr>
+                                        <p:cTn id="7" dur="500"/>
+                                        <p:tgtEl>
+                                          <p:spTgt spid="13"/>
+                                        </p:tgtEl>
+                                      </p:cBhvr>
+                                    </p:animEffect>
+                                  </p:childTnLst>
+                                </p:cTn>
+                              </p:par>
+                            </p:childTnLst>
+                          </p:cTn>
+                        </p:par>
+                      </p:childTnLst>
+                    </p:cTn>
+                  </p:par>
+                  <p:par>
+                    <p:cTn id="8" fill="hold">
+                      <p:stCondLst>
+                        <p:cond delay="indefinite"/>
+                      </p:stCondLst>
+                      <p:childTnLst>
+                        <p:par>
+                          <p:cTn id="9" fill="hold">
+                            <p:stCondLst>
+                              <p:cond delay="0"/>
+                            </p:stCondLst>
+                            <p:childTnLst>
+                              <p:par>
+                                <p:cTn id="10" presetID="10" presetClass="exit" presetSubtype="0" fill="hold" grpId="1" nodeType="clickEffect">
+                                  <p:stCondLst>
+                                    <p:cond delay="0"/>
+                                  </p:stCondLst>
+                                  <p:childTnLst>
+                                    <p:animEffect transition="out" filter="fade">
+                                      <p:cBhvr>
+                                        <p:cTn id="11" dur="500"/>
+                                        <p:tgtEl>
+                                          <p:spTgt spid="13"/>
+                                        </p:tgtEl>
+                                      </p:cBhvr>
+                                    </p:animEffect>
+                                    <p:set>
+                                      <p:cBhvr>
+                                        <p:cTn id="12" dur="1" fill="hold">
+                                          <p:stCondLst>
+                                            <p:cond delay="499"/>
+                                          </p:stCondLst>
+                                        </p:cTn>
+                                        <p:tgtEl>
+                                          <p:spTgt spid="13"/>
+                                        </p:tgtEl>
+                                        <p:attrNameLst>
+                                          <p:attrName>style.visibility</p:attrName>
+                                        </p:attrNameLst>
+                                      </p:cBhvr>
+                                      <p:to>
+                                        <p:strVal val="hidden"/>
+                                      </p:to>
+                                    </p:set>
+                                  </p:childTnLst>
+                                </p:cTn>
+                              </p:par>
+                            </p:childTnLst>
+                          </p:cTn>
+                        </p:par>
+                        <p:par>
+                          <p:cTn id="13" fill="hold">
+                            <p:stCondLst>
+                              <p:cond delay="500"/>
+                            </p:stCondLst>
+                            <p:childTnLst>
+                              <p:par>
+                                <p:cTn id="14" presetID="42" presetClass="entr" presetSubtype="0" fill="hold" grpId="0" nodeType="afterEffect">
+                                  <p:stCondLst>
+                                    <p:cond delay="0"/>
+                                  </p:stCondLst>
+                                  <p:childTnLst>
+                                    <p:set>
+                                      <p:cBhvr>
+                                        <p:cTn id="15" dur="1" fill="hold">
+                                          <p:stCondLst>
+                                            <p:cond delay="0"/>
+                                          </p:stCondLst>
+                                        </p:cTn>
+                                        <p:tgtEl>
+                                          <p:spTgt spid="17"/>
+                                        </p:tgtEl>
+                                        <p:attrNameLst>
+                                          <p:attrName>style.visibility</p:attrName>
+                                        </p:attrNameLst>
+                                      </p:cBhvr>
+                                      <p:to>
+                                        <p:strVal val="visible"/>
+                                      </p:to>
+                                    </p:set>
+                                    <p:animEffect transition="in" filter="fade">
+                                      <p:cBhvr>
+                                        <p:cTn id="16" dur="500"/>
+                                        <p:tgtEl>
+                                          <p:spTgt spid="17"/>
+                                        </p:tgtEl>
+                                      </p:cBhvr>
+                                    </p:animEffect>
+                                    <p:anim calcmode="lin" valueType="num">
+                                      <p:cBhvr>
+                                        <p:cTn id="17" dur="500" fill="hold"/>
+                                        <p:tgtEl>
+                                          <p:spTgt spid="17"/>
+                                        </p:tgtEl>
+                                        <p:attrNameLst>
+                                          <p:attrName>ppt_x</p:attrName>
+                                        </p:attrNameLst>
+                                      </p:cBhvr>
+                                      <p:tavLst>
+                                        <p:tav tm="0">
+                                          <p:val>
+                                            <p:strVal val="#ppt_x"/>
+                                          </p:val>
+                                        </p:tav>
+                                        <p:tav tm="100000">
+                                          <p:val>
+                                            <p:strVal val="#ppt_x"/>
+                                          </p:val>
+                                        </p:tav>
+                                      </p:tavLst>
+                                    </p:anim>
+                                    <p:anim calcmode="lin" valueType="num">
+                                      <p:cBhvr>
+                                        <p:cTn id="18" dur="500" fill="hold"/>
+                                        <p:tgtEl>
+                                          <p:spTgt spid="17"/>
+                                        </p:tgtEl>
+                                        <p:attrNameLst>
+                                          <p:attrName>ppt_y</p:attrName>
+                                        </p:attrNameLst>
+                                      </p:cBhvr>
+                                      <p:tavLst>
+                                        <p:tav tm="0">
+                                          <p:val>
+                                            <p:strVal val="#ppt_y+.1"/>
+                                          </p:val>
+                                        </p:tav>
+                                        <p:tav tm="100000">
+                                          <p:val>
+                                            <p:strVal val="#ppt_y"/>
+                                          </p:val>
+                                        </p:tav>
+                                      </p:tavLst>
+                                    </p:anim>
+                                  </p:childTnLst>
+                                </p:cTn>
+                              </p:par>
+                            </p:childTnLst>
+                          </p:cTn>
+                        </p:par>
+                      </p:childTnLst>
+                    </p:cTn>
+                  </p:par>
+                  <p:par>
+                    <p:cTn id="19" fill="hold">
+                      <p:stCondLst>
+                        <p:cond delay="indefinite"/>
+                      </p:stCondLst>
+                      <p:childTnLst>
+                        <p:par>
+                          <p:cTn id="20" fill="hold">
+                            <p:stCondLst>
+                              <p:cond delay="0"/>
+                            </p:stCondLst>
+                            <p:childTnLst>
+                              <p:par>
+                                <p:cTn id="21" presetID="10" presetClass="entr" presetSubtype="0" fill="hold" grpId="0" nodeType="clickEffect">
+                                  <p:stCondLst>
+                                    <p:cond delay="0"/>
+                                  </p:stCondLst>
+                                  <p:childTnLst>
+                                    <p:set>
+                                      <p:cBhvr>
+                                        <p:cTn id="22" dur="1" fill="hold">
+                                          <p:stCondLst>
+                                            <p:cond delay="0"/>
+                                          </p:stCondLst>
+                                        </p:cTn>
+                                        <p:tgtEl>
+                                          <p:spTgt spid="18"/>
+                                        </p:tgtEl>
+                                        <p:attrNameLst>
+                                          <p:attrName>style.visibility</p:attrName>
+                                        </p:attrNameLst>
+                                      </p:cBhvr>
+                                      <p:to>
+                                        <p:strVal val="visible"/>
+                                      </p:to>
+                                    </p:set>
+                                    <p:animEffect transition="in" filter="fade">
+                                      <p:cBhvr>
+                                        <p:cTn id="23" dur="500"/>
+                                        <p:tgtEl>
+                                          <p:spTgt spid="18"/>
+                                        </p:tgtEl>
+                                      </p:cBhvr>
+                                    </p:animEffect>
+                                  </p:childTnLst>
+                                </p:cTn>
+                              </p:par>
+                            </p:childTnLst>
+                          </p:cTn>
+                        </p:par>
+                      </p:childTnLst>
+                    </p:cTn>
+                  </p:par>
+                  <p:par>
+                    <p:cTn id="24" fill="hold">
+                      <p:stCondLst>
+                        <p:cond delay="indefinite"/>
+                      </p:stCondLst>
+                      <p:childTnLst>
+                        <p:par>
+                          <p:cTn id="25" fill="hold">
+                            <p:stCondLst>
+                              <p:cond delay="0"/>
+                            </p:stCondLst>
+                            <p:childTnLst>
+                              <p:par>
+                                <p:cTn id="26" presetID="10" presetClass="exit" presetSubtype="0" fill="hold" grpId="1" nodeType="clickEffect">
+                                  <p:stCondLst>
+                                    <p:cond delay="0"/>
+                                  </p:stCondLst>
+                                  <p:childTnLst>
+                                    <p:animEffect transition="out" filter="fade">
+                                      <p:cBhvr>
+                                        <p:cTn id="27" dur="500"/>
+                                        <p:tgtEl>
+                                          <p:spTgt spid="18"/>
+                                        </p:tgtEl>
+                                      </p:cBhvr>
+                                    </p:animEffect>
+                                    <p:set>
+                                      <p:cBhvr>
+                                        <p:cTn id="28" dur="1" fill="hold">
+                                          <p:stCondLst>
+                                            <p:cond delay="499"/>
+                                          </p:stCondLst>
+                                        </p:cTn>
+                                        <p:tgtEl>
+                                          <p:spTgt spid="18"/>
+                                        </p:tgtEl>
+                                        <p:attrNameLst>
+                                          <p:attrName>style.visibility</p:attrName>
+                                        </p:attrNameLst>
+                                      </p:cBhvr>
+                                      <p:to>
+                                        <p:strVal val="hidden"/>
+                                      </p:to>
+                                    </p:set>
+                                  </p:childTnLst>
+                                </p:cTn>
+                              </p:par>
+                            </p:childTnLst>
+                          </p:cTn>
+                        </p:par>
+                        <p:par>
+                          <p:cTn id="29" fill="hold">
+                            <p:stCondLst>
+                              <p:cond delay="500"/>
+                            </p:stCondLst>
+                            <p:childTnLst>
+                              <p:par>
+                                <p:cTn id="30" presetID="42" presetClass="entr" presetSubtype="0" fill="hold" grpId="0" nodeType="afterEffect">
+                                  <p:stCondLst>
+                                    <p:cond delay="0"/>
+                                  </p:stCondLst>
+                                  <p:childTnLst>
+                                    <p:set>
+                                      <p:cBhvr>
+                                        <p:cTn id="31" dur="1" fill="hold">
+                                          <p:stCondLst>
+                                            <p:cond delay="0"/>
+                                          </p:stCondLst>
+                                        </p:cTn>
+                                        <p:tgtEl>
+                                          <p:spTgt spid="7"/>
+                                        </p:tgtEl>
+                                        <p:attrNameLst>
+                                          <p:attrName>style.visibility</p:attrName>
+                                        </p:attrNameLst>
+                                      </p:cBhvr>
+                                      <p:to>
+                                        <p:strVal val="visible"/>
+                                      </p:to>
+                                    </p:set>
+                                    <p:animEffect transition="in" filter="fade">
+                                      <p:cBhvr>
+                                        <p:cTn id="32" dur="500"/>
+                                        <p:tgtEl>
+                                          <p:spTgt spid="7"/>
+                                        </p:tgtEl>
+                                      </p:cBhvr>
+                                    </p:animEffect>
+                                    <p:anim calcmode="lin" valueType="num">
+                                      <p:cBhvr>
+                                        <p:cTn id="33" dur="500" fill="hold"/>
+                                        <p:tgtEl>
+                                          <p:spTgt spid="7"/>
+                                        </p:tgtEl>
+                                        <p:attrNameLst>
+                                          <p:attrName>ppt_x</p:attrName>
+                                        </p:attrNameLst>
+                                      </p:cBhvr>
+                                      <p:tavLst>
+                                        <p:tav tm="0">
+                                          <p:val>
+                                            <p:strVal val="#ppt_x"/>
+                                          </p:val>
+                                        </p:tav>
+                                        <p:tav tm="100000">
+                                          <p:val>
+                                            <p:strVal val="#ppt_x"/>
+                                          </p:val>
+                                        </p:tav>
+                                      </p:tavLst>
+                                    </p:anim>
+                                    <p:anim calcmode="lin" valueType="num">
+                                      <p:cBhvr>
+                                        <p:cTn id="34" dur="500" fill="hold"/>
+                                        <p:tgtEl>
+                                          <p:spTgt spid="7"/>
+                                        </p:tgtEl>
+                                        <p:attrNameLst>
+                                          <p:attrName>ppt_y</p:attrName>
+                                        </p:attrNameLst>
+                                      </p:cBhvr>
+                                      <p:tavLst>
+                                        <p:tav tm="0">
+                                          <p:val>
+                                            <p:strVal val="#ppt_y+.1"/>
+                                          </p:val>
+                                        </p:tav>
+                                        <p:tav tm="100000">
+                                          <p:val>
+                                            <p:strVal val="#ppt_y"/>
+                                          </p:val>
+                                        </p:tav>
+                                      </p:tavLst>
+                                    </p:anim>
+                                  </p:childTnLst>
+                                </p:cTn>
+                              </p:par>
+                              <p:par>
+                                <p:cTn id="35" presetID="42" presetClass="entr" presetSubtype="0" fill="hold" grpId="0" nodeType="withEffect">
+                                  <p:stCondLst>
+                                    <p:cond delay="0"/>
+                                  </p:stCondLst>
+                                  <p:childTnLst>
+                                    <p:set>
+                                      <p:cBhvr>
+                                        <p:cTn id="36" dur="1" fill="hold">
+                                          <p:stCondLst>
+                                            <p:cond delay="0"/>
+                                          </p:stCondLst>
+                                        </p:cTn>
+                                        <p:tgtEl>
+                                          <p:spTgt spid="14"/>
+                                        </p:tgtEl>
+                                        <p:attrNameLst>
+                                          <p:attrName>style.visibility</p:attrName>
+                                        </p:attrNameLst>
+                                      </p:cBhvr>
+                                      <p:to>
+                                        <p:strVal val="visible"/>
+                                      </p:to>
+                                    </p:set>
+                                    <p:animEffect transition="in" filter="fade">
+                                      <p:cBhvr>
+                                        <p:cTn id="37" dur="500"/>
+                                        <p:tgtEl>
+                                          <p:spTgt spid="14"/>
+                                        </p:tgtEl>
+                                      </p:cBhvr>
+                                    </p:animEffect>
+                                    <p:anim calcmode="lin" valueType="num">
+                                      <p:cBhvr>
+                                        <p:cTn id="38" dur="500" fill="hold"/>
+                                        <p:tgtEl>
+                                          <p:spTgt spid="14"/>
+                                        </p:tgtEl>
+                                        <p:attrNameLst>
+                                          <p:attrName>ppt_x</p:attrName>
+                                        </p:attrNameLst>
+                                      </p:cBhvr>
+                                      <p:tavLst>
+                                        <p:tav tm="0">
+                                          <p:val>
+                                            <p:strVal val="#ppt_x"/>
+                                          </p:val>
+                                        </p:tav>
+                                        <p:tav tm="100000">
+                                          <p:val>
+                                            <p:strVal val="#ppt_x"/>
+                                          </p:val>
+                                        </p:tav>
+                                      </p:tavLst>
+                                    </p:anim>
+                                    <p:anim calcmode="lin" valueType="num">
+                                      <p:cBhvr>
+                                        <p:cTn id="39" dur="500" fill="hold"/>
+                                        <p:tgtEl>
+                                          <p:spTgt spid="14"/>
+                                        </p:tgtEl>
+                                        <p:attrNameLst>
+                                          <p:attrName>ppt_y</p:attrName>
+                                        </p:attrNameLst>
+                                      </p:cBhvr>
+                                      <p:tavLst>
+                                        <p:tav tm="0">
+                                          <p:val>
+                                            <p:strVal val="#ppt_y+.1"/>
+                                          </p:val>
+                                        </p:tav>
+                                        <p:tav tm="100000">
+                                          <p:val>
+                                            <p:strVal val="#ppt_y"/>
+                                          </p:val>
+                                        </p:tav>
+                                      </p:tavLst>
+                                    </p:anim>
+                                  </p:childTnLst>
+                                </p:cTn>
+                              </p:par>
+                            </p:childTnLst>
+                          </p:cTn>
+                        </p:par>
+                      </p:childTnLst>
+                    </p:cTn>
+                  </p:par>
+                  <p:par>
+                    <p:cTn id="40" fill="hold">
+                      <p:stCondLst>
+                        <p:cond delay="indefinite"/>
+                      </p:stCondLst>
+                      <p:childTnLst>
+                        <p:par>
+                          <p:cTn id="41" fill="hold">
+                            <p:stCondLst>
+                              <p:cond delay="0"/>
+                            </p:stCondLst>
+                            <p:childTnLst>
+                              <p:par>
+                                <p:cTn id="42" presetID="50" presetClass="path" presetSubtype="0" accel="50000" decel="50000" fill="hold" nodeType="clickEffect">
+                                  <p:stCondLst>
+                                    <p:cond delay="0"/>
+                                  </p:stCondLst>
+                                  <p:childTnLst>
+                                    <p:animMotion origin="layout" path="M 4.72222E-6 -3.7037E-7 L 4.72222E-6 0.01482 C 4.72222E-6 0.02153 -0.00591 0.02986 -0.01094 0.02986 L -0.02188 0.02986 " pathEditMode="relative" rAng="5400000" ptsTypes="FfFF">
+                                      <p:cBhvr>
+                                        <p:cTn id="43" dur="2000" fill="hold"/>
+                                        <p:tgtEl>
+                                          <p:spTgt spid="5"/>
+                                        </p:tgtEl>
+                                        <p:attrNameLst>
+                                          <p:attrName>ppt_x</p:attrName>
+                                          <p:attrName>ppt_y</p:attrName>
+                                        </p:attrNameLst>
+                                      </p:cBhvr>
+                                      <p:rCtr x="-1094" y="1481"/>
+                                    </p:animMotion>
+                                  </p:childTnLst>
+                                </p:cTn>
+                              </p:par>
+                              <p:par>
+                                <p:cTn id="44" presetID="1" presetClass="exit" presetSubtype="0" fill="hold" grpId="1" nodeType="withEffect">
+                                  <p:stCondLst>
+                                    <p:cond delay="0"/>
+                                  </p:stCondLst>
+                                  <p:childTnLst>
+                                    <p:set>
+                                      <p:cBhvr>
+                                        <p:cTn id="45" dur="1" fill="hold">
+                                          <p:stCondLst>
+                                            <p:cond delay="0"/>
+                                          </p:stCondLst>
+                                        </p:cTn>
+                                        <p:tgtEl>
+                                          <p:spTgt spid="17"/>
+                                        </p:tgtEl>
+                                        <p:attrNameLst>
+                                          <p:attrName>style.visibility</p:attrName>
+                                        </p:attrNameLst>
+                                      </p:cBhvr>
+                                      <p:to>
+                                        <p:strVal val="hidden"/>
+                                      </p:to>
+                                    </p:set>
+                                  </p:childTnLst>
+                                </p:cTn>
+                              </p:par>
+                              <p:par>
+                                <p:cTn id="46" presetID="1" presetClass="exit" presetSubtype="0" fill="hold" grpId="1" nodeType="withEffect">
+                                  <p:stCondLst>
+                                    <p:cond delay="0"/>
+                                  </p:stCondLst>
+                                  <p:childTnLst>
+                                    <p:set>
+                                      <p:cBhvr>
+                                        <p:cTn id="47" dur="1" fill="hold">
+                                          <p:stCondLst>
+                                            <p:cond delay="0"/>
+                                          </p:stCondLst>
+                                        </p:cTn>
+                                        <p:tgtEl>
+                                          <p:spTgt spid="7"/>
+                                        </p:tgtEl>
+                                        <p:attrNameLst>
+                                          <p:attrName>style.visibility</p:attrName>
+                                        </p:attrNameLst>
+                                      </p:cBhvr>
+                                      <p:to>
+                                        <p:strVal val="hidden"/>
+                                      </p:to>
+                                    </p:set>
+                                  </p:childTnLst>
+                                </p:cTn>
+                              </p:par>
+                              <p:par>
+                                <p:cTn id="48" presetID="1" presetClass="exit" presetSubtype="0" fill="hold" grpId="1" nodeType="withEffect">
+                                  <p:stCondLst>
+                                    <p:cond delay="0"/>
+                                  </p:stCondLst>
+                                  <p:childTnLst>
+                                    <p:set>
+                                      <p:cBhvr>
+                                        <p:cTn id="49" dur="1" fill="hold">
+                                          <p:stCondLst>
+                                            <p:cond delay="0"/>
+                                          </p:stCondLst>
+                                        </p:cTn>
+                                        <p:tgtEl>
+                                          <p:spTgt spid="14"/>
+                                        </p:tgtEl>
+                                        <p:attrNameLst>
+                                          <p:attrName>style.visibility</p:attrName>
+                                        </p:attrNameLst>
+                                      </p:cBhvr>
+                                      <p:to>
+                                        <p:strVal val="hidden"/>
+                                      </p:to>
+                                    </p:set>
+                                  </p:childTnLst>
+                                </p:cTn>
+                              </p:par>
+                            </p:childTnLst>
+                          </p:cTn>
+                        </p:par>
+                      </p:childTnLst>
+                    </p:cTn>
+                  </p:par>
+                  <p:par>
+                    <p:cTn id="50" fill="hold">
+                      <p:stCondLst>
+                        <p:cond delay="indefinite"/>
+                      </p:stCondLst>
+                      <p:childTnLst>
+                        <p:par>
+                          <p:cTn id="51" fill="hold">
+                            <p:stCondLst>
+                              <p:cond delay="0"/>
+                            </p:stCondLst>
+                            <p:childTnLst>
+                              <p:par>
+                                <p:cTn id="52" presetID="10" presetClass="entr" presetSubtype="0" fill="hold" grpId="0" nodeType="clickEffect">
+                                  <p:stCondLst>
+                                    <p:cond delay="0"/>
+                                  </p:stCondLst>
+                                  <p:childTnLst>
+                                    <p:set>
+                                      <p:cBhvr>
+                                        <p:cTn id="53" dur="1" fill="hold">
+                                          <p:stCondLst>
+                                            <p:cond delay="0"/>
+                                          </p:stCondLst>
+                                        </p:cTn>
+                                        <p:tgtEl>
+                                          <p:spTgt spid="30"/>
+                                        </p:tgtEl>
+                                        <p:attrNameLst>
+                                          <p:attrName>style.visibility</p:attrName>
+                                        </p:attrNameLst>
+                                      </p:cBhvr>
+                                      <p:to>
+                                        <p:strVal val="visible"/>
+                                      </p:to>
+                                    </p:set>
+                                    <p:animEffect transition="in" filter="fade">
+                                      <p:cBhvr>
+                                        <p:cTn id="54" dur="500"/>
+                                        <p:tgtEl>
+                                          <p:spTgt spid="30"/>
+                                        </p:tgtEl>
+                                      </p:cBhvr>
+                                    </p:animEffect>
+                                  </p:childTnLst>
+                                </p:cTn>
+                              </p:par>
+                              <p:par>
+                                <p:cTn id="55" presetID="10" presetClass="entr" presetSubtype="0" fill="hold" grpId="0" nodeType="withEffect">
+                                  <p:stCondLst>
+                                    <p:cond delay="0"/>
+                                  </p:stCondLst>
+                                  <p:childTnLst>
+                                    <p:set>
+                                      <p:cBhvr>
+                                        <p:cTn id="56" dur="1" fill="hold">
+                                          <p:stCondLst>
+                                            <p:cond delay="0"/>
+                                          </p:stCondLst>
+                                        </p:cTn>
+                                        <p:tgtEl>
+                                          <p:spTgt spid="26"/>
+                                        </p:tgtEl>
+                                        <p:attrNameLst>
+                                          <p:attrName>style.visibility</p:attrName>
+                                        </p:attrNameLst>
+                                      </p:cBhvr>
+                                      <p:to>
+                                        <p:strVal val="visible"/>
+                                      </p:to>
+                                    </p:set>
+                                    <p:animEffect transition="in" filter="fade">
+                                      <p:cBhvr>
+                                        <p:cTn id="57" dur="500"/>
+                                        <p:tgtEl>
+                                          <p:spTgt spid="26"/>
+                                        </p:tgtEl>
+                                      </p:cBhvr>
+                                    </p:animEffect>
+                                  </p:childTnLst>
+                                </p:cTn>
+                              </p:par>
+                            </p:childTnLst>
+                          </p:cTn>
+                        </p:par>
+                      </p:childTnLst>
+                    </p:cTn>
+                  </p:par>
+                </p:childTnLst>
+              </p:cTn>
+              <p:prevCondLst>
+                <p:cond evt="onPrev" delay="0">
+                  <p:tgtEl>
+                    <p:sldTgt/>
+                  </p:tgtEl>
+                </p:cond>
+              </p:prevCondLst>
+              <p:nextCondLst>
+                <p:cond evt="onNext" delay="0">
+                  <p:tgtEl>
+                    <p:sldTgt/>
+                  </p:tgtEl>
+                </p:cond>
+              </p:nextCondLst>
+            </p:seq>
+          </p:childTnLst>
+        </p:cTn>
+      </p:par>
+    </p:tnLst>
+    <p:bldLst>
+      <p:bldP spid="7" grpId="0" animBg="1"/>
+      <p:bldP spid="7" grpId="1" animBg="1"/>
+      <p:bldP spid="14" grpId="0" animBg="1"/>
+      <p:bldP spid="14" grpId="1" animBg="1"/>
+      <p:bldP spid="17" grpId="0" animBg="1"/>
+      <p:bldP spid="17" grpId="1" animBg="1"/>
+      <p:bldP spid="13" grpId="0" animBg="1"/>
+      <p:bldP spid="13" grpId="1" animBg="1"/>
+      <p:bldP spid="18" grpId="0" animBg="1"/>
+      <p:bldP spid="18" grpId="1" animBg="1"/>
+      <p:bldP spid="26" grpId="0"/>
+      <p:bldP spid="30" grpId="0"/>
+    </p:bldLst>
+  </p:timing>
+</p:sld>
+</file>
+
+<file path=ppt/slides/slide7.xml><?xml version="1.0" encoding="utf-8"?>
+<p:sld xmlns:a="http://schemas.openxmlformats.org/drawingml/2006/main" xmlns:r="http://schemas.openxmlformats.org/officeDocument/2006/relationships" xmlns:p="http://schemas.openxmlformats.org/presentationml/2006/main">
+  <p:cSld>
+    <p:spTree>
+      <p:nvGrpSpPr>
+        <p:cNvPr id="1" name=""/>
+        <p:cNvGrpSpPr/>
+        <p:nvPr/>
+      </p:nvGrpSpPr>
+      <p:grpSpPr>
+        <a:xfrm>
+          <a:off x="0" y="0"/>
+          <a:ext cx="0" cy="0"/>
+          <a:chOff x="0" y="0"/>
+          <a:chExt cx="0" cy="0"/>
+        </a:xfrm>
+      </p:grpSpPr>
+      <p:sp>
+        <p:nvSpPr>
+          <p:cNvPr id="4" name="Rechteck 3"/>
+          <p:cNvSpPr/>
+          <p:nvPr/>
+        </p:nvSpPr>
+        <p:spPr>
+          <a:xfrm>
+            <a:off x="1115616" y="-99392"/>
+            <a:ext cx="7171910" cy="923330"/>
+          </a:xfrm>
+          <a:prstGeom prst="rect">
+            <a:avLst/>
+          </a:prstGeom>
+          <a:noFill/>
+        </p:spPr>
+        <p:txBody>
+          <a:bodyPr wrap="square" lIns="91440" tIns="45720" rIns="91440" bIns="45720">
+            <a:spAutoFit/>
+          </a:bodyPr>
+          <a:lstStyle/>
+          <a:p>
+            <a:pPr algn="ctr"/>
+            <a:r>
+              <a:rPr lang="de-DE" sz="5400" u="sng" dirty="0" smtClean="0">
+                <a:ln w="10160">
+                  <a:solidFill>
+                    <a:schemeClr val="accent1"/>
+                  </a:solidFill>
+                  <a:prstDash val="solid"/>
+                </a:ln>
+                <a:solidFill>
+                  <a:srgbClr val="FFFFFF"/>
+                </a:solidFill>
+                <a:effectLst>
+                  <a:outerShdw blurRad="38100" dist="32000" dir="5400000" algn="tl">
+                    <a:srgbClr val="000000">
+                      <a:alpha val="30000"/>
+                    </a:srgbClr>
+                  </a:outerShdw>
+                </a:effectLst>
+              </a:rPr>
+              <a:t>Schwierigkeiten</a:t>
+            </a:r>
+            <a:endParaRPr lang="de-DE" sz="5400" u="sng" dirty="0">
+              <a:ln w="10160">
+                <a:solidFill>
+                  <a:schemeClr val="accent1"/>
+                </a:solidFill>
+                <a:prstDash val="solid"/>
+              </a:ln>
+              <a:solidFill>
+                <a:srgbClr val="FFFFFF"/>
+              </a:solidFill>
+              <a:effectLst>
+                <a:outerShdw blurRad="38100" dist="32000" dir="5400000" algn="tl">
+                  <a:srgbClr val="000000">
+                    <a:alpha val="30000"/>
+                  </a:srgbClr>
+                </a:outerShdw>
+              </a:effectLst>
+            </a:endParaRPr>
+          </a:p>
+        </p:txBody>
+      </p:sp>
+      <p:sp>
+        <p:nvSpPr>
+          <p:cNvPr id="7" name="Textfeld 6"/>
+          <p:cNvSpPr txBox="1"/>
+          <p:nvPr/>
+        </p:nvSpPr>
+        <p:spPr>
+          <a:xfrm>
+            <a:off x="1115616" y="1772816"/>
+            <a:ext cx="6246838" cy="2169825"/>
+          </a:xfrm>
+          <a:prstGeom prst="rect">
+            <a:avLst/>
+          </a:prstGeom>
+          <a:noFill/>
+        </p:spPr>
+        <p:txBody>
+          <a:bodyPr wrap="none" rtlCol="0">
+            <a:spAutoFit/>
+          </a:bodyPr>
+          <a:lstStyle/>
+          <a:p>
+            <a:pPr marL="285750" indent="-285750">
+              <a:buFont typeface="Wingdings" pitchFamily="2" charset="2"/>
+              <a:buChar char="§"/>
+            </a:pPr>
+            <a:r>
+              <a:rPr lang="de-DE" sz="2000" dirty="0" smtClean="0"/>
+              <a:t>Große Karten</a:t>
+            </a:r>
+          </a:p>
+          <a:p>
+            <a:pPr marL="742950" lvl="1" indent="-285750">
+              <a:buFont typeface="Wingdings" pitchFamily="2" charset="2"/>
+              <a:buChar char="§"/>
+            </a:pPr>
+            <a:r>
+              <a:rPr lang="de-DE" sz="2000" dirty="0" smtClean="0"/>
+              <a:t>Koordinaten aller Blöcke berechnen</a:t>
+            </a:r>
+          </a:p>
+          <a:p>
+            <a:pPr marL="742950" lvl="1" indent="-285750">
+              <a:spcAft>
+                <a:spcPts val="1800"/>
+              </a:spcAft>
+              <a:buFont typeface="Calibri" pitchFamily="34" charset="0"/>
+              <a:buChar char="→"/>
+            </a:pPr>
+            <a:r>
+              <a:rPr lang="de-DE" sz="2000" dirty="0"/>
+              <a:t>Dynamisches </a:t>
+            </a:r>
+            <a:r>
+              <a:rPr lang="de-DE" sz="2000" dirty="0" smtClean="0"/>
+              <a:t>Nachladen</a:t>
+            </a:r>
+            <a:endParaRPr lang="de-DE" sz="2000" dirty="0"/>
+          </a:p>
+          <a:p>
+            <a:pPr marL="285750" indent="-285750">
+              <a:buFont typeface="Wingdings" pitchFamily="2" charset="2"/>
+              <a:buChar char="§"/>
+            </a:pPr>
+            <a:r>
+              <a:rPr lang="de-DE" sz="2000" dirty="0" smtClean="0"/>
+              <a:t>Gegner/Schalter/Tore</a:t>
+            </a:r>
+          </a:p>
+          <a:p>
+            <a:pPr marL="742950" lvl="1" indent="-285750">
+              <a:buFont typeface="Wingdings" pitchFamily="2" charset="2"/>
+              <a:buChar char="§"/>
+            </a:pPr>
+            <a:r>
+              <a:rPr lang="de-DE" sz="2000" dirty="0" smtClean="0"/>
+              <a:t>Algorithmen aller Gegner/Schalter/Tore berechnen</a:t>
+            </a:r>
+          </a:p>
+          <a:p>
+            <a:pPr marL="800100" lvl="1" indent="-342900">
+              <a:buFont typeface="Calibri" pitchFamily="34" charset="0"/>
+              <a:buChar char="→"/>
+            </a:pPr>
+            <a:r>
+              <a:rPr lang="de-DE" sz="2000" dirty="0" smtClean="0"/>
+              <a:t>Nur aktiv wenn in sichtbarem Bereich</a:t>
+            </a:r>
+            <a:endParaRPr lang="de-DE" sz="2000" dirty="0"/>
+          </a:p>
+        </p:txBody>
+      </p:sp>
+      <p:sp>
+        <p:nvSpPr>
+          <p:cNvPr id="11" name="Rechteck 10"/>
+          <p:cNvSpPr/>
+          <p:nvPr/>
+        </p:nvSpPr>
+        <p:spPr>
+          <a:xfrm>
+            <a:off x="616252" y="1310243"/>
+            <a:ext cx="2195089" cy="553998"/>
+          </a:xfrm>
+          <a:prstGeom prst="rect">
+            <a:avLst/>
+          </a:prstGeom>
+          <a:noFill/>
+        </p:spPr>
+        <p:txBody>
+          <a:bodyPr wrap="none" lIns="91440" tIns="45720" rIns="91440" bIns="45720">
+            <a:spAutoFit/>
+          </a:bodyPr>
+          <a:lstStyle/>
+          <a:p>
+            <a:pPr algn="ctr"/>
+            <a:r>
+              <a:rPr lang="de-DE" sz="3000" b="0" cap="none" spc="0" dirty="0" smtClean="0">
+                <a:ln w="18415" cmpd="sng">
+                  <a:solidFill>
+                    <a:schemeClr val="tx1">
+                      <a:lumMod val="65000"/>
+                      <a:lumOff val="35000"/>
+                    </a:schemeClr>
+                  </a:solidFill>
+                  <a:prstDash val="solid"/>
+                </a:ln>
+                <a:effectLst>
+                  <a:outerShdw blurRad="38100" dist="38100" dir="2700000" algn="tl">
+                    <a:srgbClr val="000000">
+                      <a:alpha val="43137"/>
+                    </a:srgbClr>
+                  </a:outerShdw>
+                </a:effectLst>
+              </a:rPr>
+              <a:t>Performance</a:t>
+            </a:r>
+            <a:endParaRPr lang="de-DE" sz="3000" b="0" cap="none" spc="0" dirty="0">
+              <a:ln w="18415" cmpd="sng">
+                <a:solidFill>
+                  <a:schemeClr val="tx1">
+                    <a:lumMod val="65000"/>
+                    <a:lumOff val="35000"/>
+                  </a:schemeClr>
+                </a:solidFill>
+                <a:prstDash val="solid"/>
+              </a:ln>
+              <a:effectLst>
+                <a:outerShdw blurRad="38100" dist="38100" dir="2700000" algn="tl">
+                  <a:srgbClr val="000000">
+                    <a:alpha val="43137"/>
+                  </a:srgbClr>
+                </a:outerShdw>
+              </a:effectLst>
+            </a:endParaRPr>
+          </a:p>
+        </p:txBody>
+      </p:sp>
+      <p:sp>
+        <p:nvSpPr>
+          <p:cNvPr id="13" name="Rechteck 12"/>
+          <p:cNvSpPr/>
+          <p:nvPr/>
+        </p:nvSpPr>
+        <p:spPr>
+          <a:xfrm rot="21066306">
+            <a:off x="3002341" y="5249301"/>
+            <a:ext cx="2590581" cy="923330"/>
+          </a:xfrm>
+          <a:prstGeom prst="rect">
+            <a:avLst/>
+          </a:prstGeom>
+          <a:noFill/>
+        </p:spPr>
+        <p:txBody>
+          <a:bodyPr wrap="none" lIns="91440" tIns="45720" rIns="91440" bIns="45720">
+            <a:spAutoFit/>
+            <a:scene3d>
+              <a:camera prst="orthographicFront"/>
+              <a:lightRig rig="soft" dir="tl">
+                <a:rot lat="0" lon="0" rev="0"/>
+              </a:lightRig>
+            </a:scene3d>
+            <a:sp3d contourW="25400" prstMaterial="matte">
+              <a:bevelT w="25400" h="55880" prst="artDeco"/>
+              <a:contourClr>
+                <a:schemeClr val="accent2">
+                  <a:tint val="20000"/>
+                </a:schemeClr>
+              </a:contourClr>
+            </a:sp3d>
+          </a:bodyPr>
+          <a:lstStyle/>
+          <a:p>
+            <a:pPr algn="ctr"/>
+            <a:r>
+              <a:rPr lang="de-DE" sz="5400" b="1" cap="none" spc="50" dirty="0" err="1" smtClean="0">
+                <a:ln w="11430"/>
+                <a:gradFill>
+                  <a:gsLst>
+                    <a:gs pos="25000">
+                      <a:schemeClr val="accent2">
+                        <a:satMod val="155000"/>
+                      </a:schemeClr>
+                    </a:gs>
+                    <a:gs pos="100000">
+                      <a:schemeClr val="accent2">
+                        <a:shade val="45000"/>
+                        <a:satMod val="165000"/>
+                      </a:schemeClr>
+                    </a:gs>
+                  </a:gsLst>
+                  <a:lin ang="5400000"/>
+                </a:gradFill>
+                <a:effectLst>
+                  <a:outerShdw blurRad="76200" dist="50800" dir="5400000" algn="tl" rotWithShape="0">
+                    <a:srgbClr val="000000">
+                      <a:alpha val="65000"/>
+                    </a:srgbClr>
+                  </a:outerShdw>
+                </a:effectLst>
+              </a:rPr>
+              <a:t>Maven</a:t>
+            </a:r>
+            <a:r>
+              <a:rPr lang="de-DE" sz="5400" b="1" cap="none" spc="50" dirty="0" smtClean="0">
+                <a:ln w="11430"/>
+                <a:gradFill>
+                  <a:gsLst>
+                    <a:gs pos="25000">
+                      <a:schemeClr val="accent2">
+                        <a:satMod val="155000"/>
+                      </a:schemeClr>
+                    </a:gs>
+                    <a:gs pos="100000">
+                      <a:schemeClr val="accent2">
+                        <a:shade val="45000"/>
+                        <a:satMod val="165000"/>
+                      </a:schemeClr>
+                    </a:gs>
+                  </a:gsLst>
+                  <a:lin ang="5400000"/>
+                </a:gradFill>
+                <a:effectLst>
+                  <a:outerShdw blurRad="76200" dist="50800" dir="5400000" algn="tl" rotWithShape="0">
+                    <a:srgbClr val="000000">
+                      <a:alpha val="65000"/>
+                    </a:srgbClr>
+                  </a:outerShdw>
+                </a:effectLst>
+              </a:rPr>
+              <a:t> !</a:t>
+            </a:r>
+            <a:endParaRPr lang="de-DE" sz="5400" b="1" cap="none" spc="50" dirty="0">
+              <a:ln w="11430"/>
+              <a:gradFill>
+                <a:gsLst>
+                  <a:gs pos="25000">
+                    <a:schemeClr val="accent2">
+                      <a:satMod val="155000"/>
+                    </a:schemeClr>
+                  </a:gs>
+                  <a:gs pos="100000">
+                    <a:schemeClr val="accent2">
+                      <a:shade val="45000"/>
+                      <a:satMod val="165000"/>
+                    </a:schemeClr>
+                  </a:gs>
+                </a:gsLst>
+                <a:lin ang="5400000"/>
+              </a:gradFill>
+              <a:effectLst>
+                <a:outerShdw blurRad="76200" dist="50800" dir="5400000" algn="tl" rotWithShape="0">
+                  <a:srgbClr val="000000">
+                    <a:alpha val="65000"/>
+                  </a:srgbClr>
+                </a:outerShdw>
+              </a:effectLst>
+            </a:endParaRPr>
+          </a:p>
+        </p:txBody>
+      </p:sp>
+      <p:sp>
+        <p:nvSpPr>
+          <p:cNvPr id="14" name="Gewitterblitz 13"/>
+          <p:cNvSpPr/>
+          <p:nvPr/>
+        </p:nvSpPr>
+        <p:spPr>
+          <a:xfrm>
+            <a:off x="1475656" y="4725144"/>
+            <a:ext cx="1152128" cy="1296144"/>
+          </a:xfrm>
+          <a:prstGeom prst="lightningBolt">
+            <a:avLst/>
+          </a:prstGeom>
+        </p:spPr>
+        <p:style>
+          <a:lnRef idx="2">
+            <a:schemeClr val="accent1">
+              <a:shade val="50000"/>
+            </a:schemeClr>
+          </a:lnRef>
+          <a:fillRef idx="1">
+            <a:schemeClr val="accent1"/>
+          </a:fillRef>
+          <a:effectRef idx="0">
+            <a:schemeClr val="accent1"/>
+          </a:effectRef>
+          <a:fontRef idx="minor">
+            <a:schemeClr val="lt1"/>
+          </a:fontRef>
+        </p:style>
+        <p:txBody>
+          <a:bodyPr rtlCol="0" anchor="ctr"/>
+          <a:lstStyle/>
+          <a:p>
+            <a:pPr algn="ctr"/>
+            <a:endParaRPr lang="de-DE"/>
+          </a:p>
+        </p:txBody>
+      </p:sp>
+      <p:sp>
+        <p:nvSpPr>
+          <p:cNvPr id="15" name="Gewitterblitz 14"/>
+          <p:cNvSpPr/>
+          <p:nvPr/>
+        </p:nvSpPr>
+        <p:spPr>
+          <a:xfrm rot="4186098">
+            <a:off x="5809274" y="4329097"/>
+            <a:ext cx="1080120" cy="1512168"/>
+          </a:xfrm>
+          <a:prstGeom prst="lightningBolt">
+            <a:avLst/>
+          </a:prstGeom>
+        </p:spPr>
+        <p:style>
+          <a:lnRef idx="2">
+            <a:schemeClr val="accent1">
+              <a:shade val="50000"/>
+            </a:schemeClr>
+          </a:lnRef>
+          <a:fillRef idx="1">
+            <a:schemeClr val="accent1"/>
+          </a:fillRef>
+          <a:effectRef idx="0">
+            <a:schemeClr val="accent1"/>
+          </a:effectRef>
+          <a:fontRef idx="minor">
+            <a:schemeClr val="lt1"/>
+          </a:fontRef>
+        </p:style>
+        <p:txBody>
+          <a:bodyPr rtlCol="0" anchor="ctr"/>
+          <a:lstStyle/>
+          <a:p>
+            <a:pPr algn="ctr"/>
+            <a:endParaRPr lang="de-DE"/>
+          </a:p>
+        </p:txBody>
+      </p:sp>
+      <p:sp>
+        <p:nvSpPr>
+          <p:cNvPr id="16" name="Gewitterblitz 15"/>
+          <p:cNvSpPr/>
+          <p:nvPr/>
+        </p:nvSpPr>
+        <p:spPr>
+          <a:xfrm rot="833369">
+            <a:off x="3436419" y="4062108"/>
+            <a:ext cx="936004" cy="997320"/>
+          </a:xfrm>
+          <a:prstGeom prst="lightningBolt">
+            <a:avLst/>
+          </a:prstGeom>
+        </p:spPr>
+        <p:style>
+          <a:lnRef idx="2">
+            <a:schemeClr val="accent1">
+              <a:shade val="50000"/>
+            </a:schemeClr>
+          </a:lnRef>
+          <a:fillRef idx="1">
+            <a:schemeClr val="accent1"/>
+          </a:fillRef>
+          <a:effectRef idx="0">
+            <a:schemeClr val="accent1"/>
+          </a:effectRef>
+          <a:fontRef idx="minor">
+            <a:schemeClr val="lt1"/>
+          </a:fontRef>
+        </p:style>
+        <p:txBody>
+          <a:bodyPr rtlCol="0" anchor="ctr"/>
+          <a:lstStyle/>
+          <a:p>
+            <a:pPr algn="ctr"/>
+            <a:endParaRPr lang="de-DE"/>
+          </a:p>
+        </p:txBody>
+      </p:sp>
+      <p:sp>
+        <p:nvSpPr>
+          <p:cNvPr id="18" name="Rechteck 17"/>
+          <p:cNvSpPr/>
+          <p:nvPr/>
+        </p:nvSpPr>
+        <p:spPr>
+          <a:xfrm>
+            <a:off x="637624" y="4006770"/>
+            <a:ext cx="1530355" cy="553998"/>
+          </a:xfrm>
+          <a:prstGeom prst="rect">
+            <a:avLst/>
+          </a:prstGeom>
+          <a:noFill/>
+        </p:spPr>
+        <p:txBody>
+          <a:bodyPr wrap="none" lIns="91440" tIns="45720" rIns="91440" bIns="45720">
+            <a:spAutoFit/>
+          </a:bodyPr>
+          <a:lstStyle/>
+          <a:p>
+            <a:pPr algn="ctr"/>
+            <a:r>
+              <a:rPr lang="de-DE" sz="3000" b="0" cap="none" spc="0" dirty="0" smtClean="0">
+                <a:ln w="18415" cmpd="sng">
+                  <a:solidFill>
+                    <a:schemeClr val="tx1">
+                      <a:lumMod val="65000"/>
+                      <a:lumOff val="35000"/>
+                    </a:schemeClr>
+                  </a:solidFill>
+                  <a:prstDash val="solid"/>
+                </a:ln>
+                <a:effectLst>
+                  <a:outerShdw blurRad="38100" dist="38100" dir="2700000" algn="tl">
+                    <a:srgbClr val="000000">
+                      <a:alpha val="43137"/>
+                    </a:srgbClr>
+                  </a:outerShdw>
+                </a:effectLst>
+              </a:rPr>
+              <a:t>Weitere:</a:t>
+            </a:r>
+            <a:endParaRPr lang="de-DE" sz="3000" b="0" cap="none" spc="0" dirty="0">
+              <a:ln w="18415" cmpd="sng">
+                <a:solidFill>
+                  <a:schemeClr val="tx1">
+                    <a:lumMod val="65000"/>
+                    <a:lumOff val="35000"/>
+                  </a:schemeClr>
+                </a:solidFill>
+                <a:prstDash val="solid"/>
+              </a:ln>
+              <a:effectLst>
+                <a:outerShdw blurRad="38100" dist="38100" dir="2700000" algn="tl">
+                  <a:srgbClr val="000000">
+                    <a:alpha val="43137"/>
+                  </a:srgbClr>
+                </a:outerShdw>
+              </a:effectLst>
+            </a:endParaRPr>
+          </a:p>
+        </p:txBody>
+      </p:sp>
+    </p:spTree>
+    <p:extLst>
+      <p:ext uri="{BB962C8B-B14F-4D97-AF65-F5344CB8AC3E}">
+        <p14:creationId xmlns:p14="http://schemas.microsoft.com/office/powerpoint/2010/main" val="2149520820"/>
+      </p:ext>
+    </p:extLst>
+  </p:cSld>
+  <p:clrMapOvr>
+    <a:masterClrMapping/>
+  </p:clrMapOvr>
+  <p:timing>
+    <p:tnLst>
+      <p:par>
+        <p:cTn id="1" dur="indefinite" restart="never" nodeType="tmRoot">
+          <p:childTnLst>
+            <p:seq concurrent="1" nextAc="seek">
+              <p:cTn id="2" dur="indefinite" nodeType="mainSeq">
+                <p:childTnLst>
+                  <p:par>
+                    <p:cTn id="3" fill="hold">
+                      <p:stCondLst>
+                        <p:cond delay="indefinite"/>
+                      </p:stCondLst>
+                      <p:childTnLst>
+                        <p:par>
+                          <p:cTn id="4" fill="hold">
+                            <p:stCondLst>
+                              <p:cond delay="0"/>
+                            </p:stCondLst>
+                            <p:childTnLst>
+                              <p:par>
+                                <p:cTn id="5" presetID="6" presetClass="entr" presetSubtype="16" fill="hold" grpId="0" nodeType="clickEffect">
+                                  <p:stCondLst>
+                                    <p:cond delay="0"/>
+                                  </p:stCondLst>
+                                  <p:childTnLst>
+                                    <p:set>
+                                      <p:cBhvr>
+                                        <p:cTn id="6" dur="1" fill="hold">
+                                          <p:stCondLst>
+                                            <p:cond delay="0"/>
+                                          </p:stCondLst>
+                                        </p:cTn>
+                                        <p:tgtEl>
+                                          <p:spTgt spid="15"/>
+                                        </p:tgtEl>
+                                        <p:attrNameLst>
+                                          <p:attrName>style.visibility</p:attrName>
+                                        </p:attrNameLst>
+                                      </p:cBhvr>
+                                      <p:to>
+                                        <p:strVal val="visible"/>
+                                      </p:to>
+                                    </p:set>
+                                    <p:animEffect transition="in" filter="circle(in)">
+                                      <p:cBhvr>
+                                        <p:cTn id="7" dur="500"/>
+                                        <p:tgtEl>
+                                          <p:spTgt spid="15"/>
+                                        </p:tgtEl>
+                                      </p:cBhvr>
+                                    </p:animEffect>
+                                  </p:childTnLst>
+                                </p:cTn>
+                              </p:par>
+                              <p:par>
+                                <p:cTn id="8" presetID="6" presetClass="entr" presetSubtype="16" fill="hold" grpId="0" nodeType="withEffect">
+                                  <p:stCondLst>
+                                    <p:cond delay="0"/>
+                                  </p:stCondLst>
+                                  <p:childTnLst>
+                                    <p:set>
+                                      <p:cBhvr>
+                                        <p:cTn id="9" dur="1" fill="hold">
+                                          <p:stCondLst>
+                                            <p:cond delay="0"/>
+                                          </p:stCondLst>
+                                        </p:cTn>
+                                        <p:tgtEl>
+                                          <p:spTgt spid="16"/>
+                                        </p:tgtEl>
+                                        <p:attrNameLst>
+                                          <p:attrName>style.visibility</p:attrName>
+                                        </p:attrNameLst>
+                                      </p:cBhvr>
+                                      <p:to>
+                                        <p:strVal val="visible"/>
+                                      </p:to>
+                                    </p:set>
+                                    <p:animEffect transition="in" filter="circle(in)">
+                                      <p:cBhvr>
+                                        <p:cTn id="10" dur="500"/>
+                                        <p:tgtEl>
+                                          <p:spTgt spid="16"/>
+                                        </p:tgtEl>
+                                      </p:cBhvr>
+                                    </p:animEffect>
+                                  </p:childTnLst>
+                                </p:cTn>
+                              </p:par>
+                              <p:par>
+                                <p:cTn id="11" presetID="6" presetClass="entr" presetSubtype="16" fill="hold" grpId="0" nodeType="withEffect">
+                                  <p:stCondLst>
+                                    <p:cond delay="0"/>
+                                  </p:stCondLst>
+                                  <p:childTnLst>
+                                    <p:set>
+                                      <p:cBhvr>
+                                        <p:cTn id="12" dur="1" fill="hold">
+                                          <p:stCondLst>
+                                            <p:cond delay="0"/>
+                                          </p:stCondLst>
+                                        </p:cTn>
+                                        <p:tgtEl>
+                                          <p:spTgt spid="14"/>
+                                        </p:tgtEl>
+                                        <p:attrNameLst>
+                                          <p:attrName>style.visibility</p:attrName>
+                                        </p:attrNameLst>
+                                      </p:cBhvr>
+                                      <p:to>
+                                        <p:strVal val="visible"/>
+                                      </p:to>
+                                    </p:set>
+                                    <p:animEffect transition="in" filter="circle(in)">
+                                      <p:cBhvr>
+                                        <p:cTn id="13" dur="500"/>
+                                        <p:tgtEl>
+                                          <p:spTgt spid="14"/>
+                                        </p:tgtEl>
+                                      </p:cBhvr>
+                                    </p:animEffect>
+                                  </p:childTnLst>
+                                </p:cTn>
+                              </p:par>
+                            </p:childTnLst>
+                          </p:cTn>
+                        </p:par>
+                        <p:par>
+                          <p:cTn id="14" fill="hold">
+                            <p:stCondLst>
+                              <p:cond delay="500"/>
+                            </p:stCondLst>
+                            <p:childTnLst>
+                              <p:par>
+                                <p:cTn id="15" presetID="31" presetClass="entr" presetSubtype="0" fill="hold" grpId="0" nodeType="afterEffect">
+                                  <p:stCondLst>
+                                    <p:cond delay="0"/>
+                                  </p:stCondLst>
+                                  <p:childTnLst>
+                                    <p:set>
+                                      <p:cBhvr>
+                                        <p:cTn id="16" dur="1" fill="hold">
+                                          <p:stCondLst>
+                                            <p:cond delay="0"/>
+                                          </p:stCondLst>
+                                        </p:cTn>
+                                        <p:tgtEl>
+                                          <p:spTgt spid="13"/>
+                                        </p:tgtEl>
+                                        <p:attrNameLst>
+                                          <p:attrName>style.visibility</p:attrName>
+                                        </p:attrNameLst>
+                                      </p:cBhvr>
+                                      <p:to>
+                                        <p:strVal val="visible"/>
+                                      </p:to>
+                                    </p:set>
+                                    <p:anim calcmode="lin" valueType="num">
+                                      <p:cBhvr>
+                                        <p:cTn id="17" dur="1000" fill="hold"/>
+                                        <p:tgtEl>
+                                          <p:spTgt spid="13"/>
+                                        </p:tgtEl>
+                                        <p:attrNameLst>
+                                          <p:attrName>ppt_w</p:attrName>
+                                        </p:attrNameLst>
+                                      </p:cBhvr>
+                                      <p:tavLst>
+                                        <p:tav tm="0">
+                                          <p:val>
+                                            <p:fltVal val="0"/>
+                                          </p:val>
+                                        </p:tav>
+                                        <p:tav tm="100000">
+                                          <p:val>
+                                            <p:strVal val="#ppt_w"/>
+                                          </p:val>
+                                        </p:tav>
+                                      </p:tavLst>
+                                    </p:anim>
+                                    <p:anim calcmode="lin" valueType="num">
+                                      <p:cBhvr>
+                                        <p:cTn id="18" dur="1000" fill="hold"/>
+                                        <p:tgtEl>
+                                          <p:spTgt spid="13"/>
+                                        </p:tgtEl>
+                                        <p:attrNameLst>
+                                          <p:attrName>ppt_h</p:attrName>
+                                        </p:attrNameLst>
+                                      </p:cBhvr>
+                                      <p:tavLst>
+                                        <p:tav tm="0">
+                                          <p:val>
+                                            <p:fltVal val="0"/>
+                                          </p:val>
+                                        </p:tav>
+                                        <p:tav tm="100000">
+                                          <p:val>
+                                            <p:strVal val="#ppt_h"/>
+                                          </p:val>
+                                        </p:tav>
+                                      </p:tavLst>
+                                    </p:anim>
+                                    <p:anim calcmode="lin" valueType="num">
+                                      <p:cBhvr>
+                                        <p:cTn id="19" dur="1000" fill="hold"/>
+                                        <p:tgtEl>
+                                          <p:spTgt spid="13"/>
+                                        </p:tgtEl>
+                                        <p:attrNameLst>
+                                          <p:attrName>style.rotation</p:attrName>
+                                        </p:attrNameLst>
+                                      </p:cBhvr>
+                                      <p:tavLst>
+                                        <p:tav tm="0">
+                                          <p:val>
+                                            <p:fltVal val="90"/>
+                                          </p:val>
+                                        </p:tav>
+                                        <p:tav tm="100000">
+                                          <p:val>
+                                            <p:fltVal val="0"/>
+                                          </p:val>
+                                        </p:tav>
+                                      </p:tavLst>
+                                    </p:anim>
+                                    <p:animEffect transition="in" filter="fade">
+                                      <p:cBhvr>
+                                        <p:cTn id="20" dur="1000"/>
+                                        <p:tgtEl>
+                                          <p:spTgt spid="13"/>
+                                        </p:tgtEl>
+                                      </p:cBhvr>
+                                    </p:animEffect>
+                                  </p:childTnLst>
+                                </p:cTn>
+                              </p:par>
+                            </p:childTnLst>
+                          </p:cTn>
+                        </p:par>
+                      </p:childTnLst>
+                    </p:cTn>
+                  </p:par>
+                </p:childTnLst>
+              </p:cTn>
+              <p:prevCondLst>
+                <p:cond evt="onPrev" delay="0">
+                  <p:tgtEl>
+                    <p:sldTgt/>
+                  </p:tgtEl>
+                </p:cond>
+              </p:prevCondLst>
+              <p:nextCondLst>
+                <p:cond evt="onNext" delay="0">
+                  <p:tgtEl>
+                    <p:sldTgt/>
+                  </p:tgtEl>
+                </p:cond>
+              </p:nextCondLst>
+            </p:seq>
+          </p:childTnLst>
+        </p:cTn>
+      </p:par>
+    </p:tnLst>
+    <p:bldLst>
+      <p:bldP spid="13" grpId="0"/>
+      <p:bldP spid="14" grpId="0" animBg="1"/>
+      <p:bldP spid="15" grpId="0" animBg="1"/>
+      <p:bldP spid="16" grpId="0" animBg="1"/>
     </p:bldLst>
   </p:timing>
 </p:sld>
